--- a/Project4-Capstone/DK/Capstone Presentation.pptx
+++ b/Project4-Capstone/DK/Capstone Presentation.pptx
@@ -26,16 +26,21 @@
     <p:sldId id="271" r:id="rId20"/>
     <p:sldId id="272" r:id="rId21"/>
     <p:sldId id="273" r:id="rId22"/>
+    <p:sldId id="274" r:id="rId23"/>
+    <p:sldId id="275" r:id="rId24"/>
+    <p:sldId id="276" r:id="rId25"/>
+    <p:sldId id="277" r:id="rId26"/>
+    <p:sldId id="278" r:id="rId27"/>
   </p:sldIdLst>
   <p:sldSz cy="5143500" cx="9144000"/>
   <p:notesSz cx="6858000" cy="9144000"/>
   <p:embeddedFontLst>
     <p:embeddedFont>
       <p:font typeface="Proxima Nova"/>
-      <p:regular r:id="rId23"/>
-      <p:bold r:id="rId24"/>
-      <p:italic r:id="rId25"/>
-      <p:boldItalic r:id="rId26"/>
+      <p:regular r:id="rId28"/>
+      <p:bold r:id="rId29"/>
+      <p:italic r:id="rId30"/>
+      <p:boldItalic r:id="rId31"/>
     </p:embeddedFont>
   </p:embeddedFontLst>
   <p:defaultTextStyle>
@@ -492,7 +497,7 @@
   <p:cSld>
     <p:spTree>
       <p:nvGrpSpPr>
-        <p:cNvPr id="120" name="Shape 120"/>
+        <p:cNvPr id="113" name="Shape 113"/>
         <p:cNvGrpSpPr/>
         <p:nvPr/>
       </p:nvGrpSpPr>
@@ -506,7 +511,7 @@
       </p:grpSpPr>
       <p:sp>
         <p:nvSpPr>
-          <p:cNvPr id="121" name="Shape 121"/>
+          <p:cNvPr id="114" name="Shape 114"/>
           <p:cNvSpPr/>
           <p:nvPr>
             <p:ph idx="2" type="sldImg"/>
@@ -540,7 +545,7 @@
       </p:sp>
       <p:sp>
         <p:nvSpPr>
-          <p:cNvPr id="122" name="Shape 122"/>
+          <p:cNvPr id="115" name="Shape 115"/>
           <p:cNvSpPr txBox="1"/>
           <p:nvPr>
             <p:ph idx="1" type="body"/>
@@ -587,7 +592,7 @@
   <p:cSld>
     <p:spTree>
       <p:nvGrpSpPr>
-        <p:cNvPr id="127" name="Shape 127"/>
+        <p:cNvPr id="120" name="Shape 120"/>
         <p:cNvGrpSpPr/>
         <p:nvPr/>
       </p:nvGrpSpPr>
@@ -601,7 +606,7 @@
       </p:grpSpPr>
       <p:sp>
         <p:nvSpPr>
-          <p:cNvPr id="128" name="Shape 128"/>
+          <p:cNvPr id="121" name="Shape 121"/>
           <p:cNvSpPr/>
           <p:nvPr>
             <p:ph idx="2" type="sldImg"/>
@@ -635,7 +640,7 @@
       </p:sp>
       <p:sp>
         <p:nvSpPr>
-          <p:cNvPr id="129" name="Shape 129"/>
+          <p:cNvPr id="122" name="Shape 122"/>
           <p:cNvSpPr txBox="1"/>
           <p:nvPr>
             <p:ph idx="1" type="body"/>
@@ -682,7 +687,7 @@
   <p:cSld>
     <p:spTree>
       <p:nvGrpSpPr>
-        <p:cNvPr id="134" name="Shape 134"/>
+        <p:cNvPr id="127" name="Shape 127"/>
         <p:cNvGrpSpPr/>
         <p:nvPr/>
       </p:nvGrpSpPr>
@@ -696,7 +701,7 @@
       </p:grpSpPr>
       <p:sp>
         <p:nvSpPr>
-          <p:cNvPr id="135" name="Shape 135"/>
+          <p:cNvPr id="128" name="Shape 128"/>
           <p:cNvSpPr/>
           <p:nvPr>
             <p:ph idx="2" type="sldImg"/>
@@ -730,7 +735,7 @@
       </p:sp>
       <p:sp>
         <p:nvSpPr>
-          <p:cNvPr id="136" name="Shape 136"/>
+          <p:cNvPr id="129" name="Shape 129"/>
           <p:cNvSpPr txBox="1"/>
           <p:nvPr>
             <p:ph idx="1" type="body"/>
@@ -777,7 +782,7 @@
   <p:cSld>
     <p:spTree>
       <p:nvGrpSpPr>
-        <p:cNvPr id="140" name="Shape 140"/>
+        <p:cNvPr id="135" name="Shape 135"/>
         <p:cNvGrpSpPr/>
         <p:nvPr/>
       </p:nvGrpSpPr>
@@ -791,7 +796,7 @@
       </p:grpSpPr>
       <p:sp>
         <p:nvSpPr>
-          <p:cNvPr id="141" name="Shape 141"/>
+          <p:cNvPr id="136" name="Shape 136"/>
           <p:cNvSpPr/>
           <p:nvPr>
             <p:ph idx="2" type="sldImg"/>
@@ -825,7 +830,7 @@
       </p:sp>
       <p:sp>
         <p:nvSpPr>
-          <p:cNvPr id="142" name="Shape 142"/>
+          <p:cNvPr id="137" name="Shape 137"/>
           <p:cNvSpPr txBox="1"/>
           <p:nvPr>
             <p:ph idx="1" type="body"/>
@@ -872,7 +877,7 @@
   <p:cSld>
     <p:spTree>
       <p:nvGrpSpPr>
-        <p:cNvPr id="147" name="Shape 147"/>
+        <p:cNvPr id="142" name="Shape 142"/>
         <p:cNvGrpSpPr/>
         <p:nvPr/>
       </p:nvGrpSpPr>
@@ -886,7 +891,7 @@
       </p:grpSpPr>
       <p:sp>
         <p:nvSpPr>
-          <p:cNvPr id="148" name="Shape 148"/>
+          <p:cNvPr id="143" name="Shape 143"/>
           <p:cNvSpPr/>
           <p:nvPr>
             <p:ph idx="2" type="sldImg"/>
@@ -920,7 +925,7 @@
       </p:sp>
       <p:sp>
         <p:nvSpPr>
-          <p:cNvPr id="149" name="Shape 149"/>
+          <p:cNvPr id="144" name="Shape 144"/>
           <p:cNvSpPr txBox="1"/>
           <p:nvPr>
             <p:ph idx="1" type="body"/>
@@ -967,7 +972,7 @@
   <p:cSld>
     <p:spTree>
       <p:nvGrpSpPr>
-        <p:cNvPr id="154" name="Shape 154"/>
+        <p:cNvPr id="149" name="Shape 149"/>
         <p:cNvGrpSpPr/>
         <p:nvPr/>
       </p:nvGrpSpPr>
@@ -981,7 +986,7 @@
       </p:grpSpPr>
       <p:sp>
         <p:nvSpPr>
-          <p:cNvPr id="155" name="Shape 155"/>
+          <p:cNvPr id="150" name="Shape 150"/>
           <p:cNvSpPr/>
           <p:nvPr>
             <p:ph idx="2" type="sldImg"/>
@@ -1015,7 +1020,7 @@
       </p:sp>
       <p:sp>
         <p:nvSpPr>
-          <p:cNvPr id="156" name="Shape 156"/>
+          <p:cNvPr id="151" name="Shape 151"/>
           <p:cNvSpPr txBox="1"/>
           <p:nvPr>
             <p:ph idx="1" type="body"/>
@@ -1062,7 +1067,7 @@
   <p:cSld>
     <p:spTree>
       <p:nvGrpSpPr>
-        <p:cNvPr id="161" name="Shape 161"/>
+        <p:cNvPr id="155" name="Shape 155"/>
         <p:cNvGrpSpPr/>
         <p:nvPr/>
       </p:nvGrpSpPr>
@@ -1076,7 +1081,7 @@
       </p:grpSpPr>
       <p:sp>
         <p:nvSpPr>
-          <p:cNvPr id="162" name="Shape 162"/>
+          <p:cNvPr id="156" name="Shape 156"/>
           <p:cNvSpPr/>
           <p:nvPr>
             <p:ph idx="2" type="sldImg"/>
@@ -1110,7 +1115,7 @@
       </p:sp>
       <p:sp>
         <p:nvSpPr>
-          <p:cNvPr id="163" name="Shape 163"/>
+          <p:cNvPr id="157" name="Shape 157"/>
           <p:cNvSpPr txBox="1"/>
           <p:nvPr>
             <p:ph idx="1" type="body"/>
@@ -1157,7 +1162,7 @@
   <p:cSld>
     <p:spTree>
       <p:nvGrpSpPr>
-        <p:cNvPr id="168" name="Shape 168"/>
+        <p:cNvPr id="161" name="Shape 161"/>
         <p:cNvGrpSpPr/>
         <p:nvPr/>
       </p:nvGrpSpPr>
@@ -1171,7 +1176,7 @@
       </p:grpSpPr>
       <p:sp>
         <p:nvSpPr>
-          <p:cNvPr id="169" name="Shape 169"/>
+          <p:cNvPr id="162" name="Shape 162"/>
           <p:cNvSpPr/>
           <p:nvPr>
             <p:ph idx="2" type="sldImg"/>
@@ -1205,7 +1210,7 @@
       </p:sp>
       <p:sp>
         <p:nvSpPr>
-          <p:cNvPr id="170" name="Shape 170"/>
+          <p:cNvPr id="163" name="Shape 163"/>
           <p:cNvSpPr txBox="1"/>
           <p:nvPr>
             <p:ph idx="1" type="body"/>
@@ -1248,6 +1253,101 @@
 </file>
 
 <file path=ppt/notesSlides/notesSlide18.xml><?xml version="1.0" encoding="utf-8"?>
+<p:notes xmlns:a="http://schemas.openxmlformats.org/drawingml/2006/main" xmlns:r="http://schemas.openxmlformats.org/officeDocument/2006/relationships" xmlns:mc="http://schemas.openxmlformats.org/markup-compatibility/2006" xmlns:mv="urn:schemas-microsoft-com:mac:vml" xmlns:p="http://schemas.openxmlformats.org/presentationml/2006/main" xmlns:c="http://schemas.openxmlformats.org/drawingml/2006/chart" xmlns:dgm="http://schemas.openxmlformats.org/drawingml/2006/diagram" xmlns:o="urn:schemas-microsoft-com:office:office" xmlns:v="urn:schemas-microsoft-com:vml" xmlns:pvml="urn:schemas-microsoft-com:office:powerpoint" xmlns:com="http://schemas.openxmlformats.org/drawingml/2006/compatibility" xmlns:p14="http://schemas.microsoft.com/office/powerpoint/2010/main" showMasterPhAnim="0" showMasterSp="0">
+  <p:cSld>
+    <p:spTree>
+      <p:nvGrpSpPr>
+        <p:cNvPr id="168" name="Shape 168"/>
+        <p:cNvGrpSpPr/>
+        <p:nvPr/>
+      </p:nvGrpSpPr>
+      <p:grpSpPr>
+        <a:xfrm>
+          <a:off x="0" y="0"/>
+          <a:ext cx="0" cy="0"/>
+          <a:chOff x="0" y="0"/>
+          <a:chExt cx="0" cy="0"/>
+        </a:xfrm>
+      </p:grpSpPr>
+      <p:sp>
+        <p:nvSpPr>
+          <p:cNvPr id="169" name="Shape 169"/>
+          <p:cNvSpPr/>
+          <p:nvPr>
+            <p:ph idx="2" type="sldImg"/>
+          </p:nvPr>
+        </p:nvSpPr>
+        <p:spPr>
+          <a:xfrm>
+            <a:off x="381300" y="685800"/>
+            <a:ext cx="6096000" cy="3429000"/>
+          </a:xfrm>
+          <a:custGeom>
+            <a:pathLst>
+              <a:path extrusionOk="0" h="120000" w="120000">
+                <a:moveTo>
+                  <a:pt x="0" y="0"/>
+                </a:moveTo>
+                <a:lnTo>
+                  <a:pt x="120000" y="0"/>
+                </a:lnTo>
+                <a:lnTo>
+                  <a:pt x="120000" y="120000"/>
+                </a:lnTo>
+                <a:lnTo>
+                  <a:pt x="0" y="120000"/>
+                </a:lnTo>
+                <a:close/>
+              </a:path>
+            </a:pathLst>
+          </a:custGeom>
+        </p:spPr>
+      </p:sp>
+      <p:sp>
+        <p:nvSpPr>
+          <p:cNvPr id="170" name="Shape 170"/>
+          <p:cNvSpPr txBox="1"/>
+          <p:nvPr>
+            <p:ph idx="1" type="body"/>
+          </p:nvPr>
+        </p:nvSpPr>
+        <p:spPr>
+          <a:xfrm>
+            <a:off x="685800" y="4343400"/>
+            <a:ext cx="5486400" cy="4114800"/>
+          </a:xfrm>
+          <a:prstGeom prst="rect">
+            <a:avLst/>
+          </a:prstGeom>
+        </p:spPr>
+        <p:txBody>
+          <a:bodyPr anchorCtr="0" anchor="t" bIns="91425" lIns="91425" rIns="91425" tIns="91425">
+            <a:noAutofit/>
+          </a:bodyPr>
+          <a:lstStyle/>
+          <a:p>
+            <a:pPr lvl="0">
+              <a:spcBef>
+                <a:spcPts val="0"/>
+              </a:spcBef>
+              <a:buNone/>
+            </a:pPr>
+            <a:r>
+              <a:t/>
+            </a:r>
+            <a:endParaRPr/>
+          </a:p>
+        </p:txBody>
+      </p:sp>
+    </p:spTree>
+  </p:cSld>
+  <p:clrMapOvr>
+    <a:masterClrMapping/>
+  </p:clrMapOvr>
+</p:notes>
+</file>
+
+<file path=ppt/notesSlides/notesSlide19.xml><?xml version="1.0" encoding="utf-8"?>
 <p:notes xmlns:a="http://schemas.openxmlformats.org/drawingml/2006/main" xmlns:r="http://schemas.openxmlformats.org/officeDocument/2006/relationships" xmlns:mc="http://schemas.openxmlformats.org/markup-compatibility/2006" xmlns:mv="urn:schemas-microsoft-com:mac:vml" xmlns:p="http://schemas.openxmlformats.org/presentationml/2006/main" xmlns:c="http://schemas.openxmlformats.org/drawingml/2006/chart" xmlns:dgm="http://schemas.openxmlformats.org/drawingml/2006/diagram" xmlns:o="urn:schemas-microsoft-com:office:office" xmlns:v="urn:schemas-microsoft-com:vml" xmlns:pvml="urn:schemas-microsoft-com:office:powerpoint" xmlns:com="http://schemas.openxmlformats.org/drawingml/2006/compatibility" xmlns:p14="http://schemas.microsoft.com/office/powerpoint/2010/main" showMasterPhAnim="0" showMasterSp="0">
   <p:cSld>
     <p:spTree>
@@ -1437,6 +1537,386 @@
 </p:notes>
 </file>
 
+<file path=ppt/notesSlides/notesSlide20.xml><?xml version="1.0" encoding="utf-8"?>
+<p:notes xmlns:a="http://schemas.openxmlformats.org/drawingml/2006/main" xmlns:r="http://schemas.openxmlformats.org/officeDocument/2006/relationships" xmlns:mc="http://schemas.openxmlformats.org/markup-compatibility/2006" xmlns:mv="urn:schemas-microsoft-com:mac:vml" xmlns:p="http://schemas.openxmlformats.org/presentationml/2006/main" xmlns:c="http://schemas.openxmlformats.org/drawingml/2006/chart" xmlns:dgm="http://schemas.openxmlformats.org/drawingml/2006/diagram" xmlns:o="urn:schemas-microsoft-com:office:office" xmlns:v="urn:schemas-microsoft-com:vml" xmlns:pvml="urn:schemas-microsoft-com:office:powerpoint" xmlns:com="http://schemas.openxmlformats.org/drawingml/2006/compatibility" xmlns:p14="http://schemas.microsoft.com/office/powerpoint/2010/main" showMasterPhAnim="0" showMasterSp="0">
+  <p:cSld>
+    <p:spTree>
+      <p:nvGrpSpPr>
+        <p:cNvPr id="181" name="Shape 181"/>
+        <p:cNvGrpSpPr/>
+        <p:nvPr/>
+      </p:nvGrpSpPr>
+      <p:grpSpPr>
+        <a:xfrm>
+          <a:off x="0" y="0"/>
+          <a:ext cx="0" cy="0"/>
+          <a:chOff x="0" y="0"/>
+          <a:chExt cx="0" cy="0"/>
+        </a:xfrm>
+      </p:grpSpPr>
+      <p:sp>
+        <p:nvSpPr>
+          <p:cNvPr id="182" name="Shape 182"/>
+          <p:cNvSpPr/>
+          <p:nvPr>
+            <p:ph idx="2" type="sldImg"/>
+          </p:nvPr>
+        </p:nvSpPr>
+        <p:spPr>
+          <a:xfrm>
+            <a:off x="381300" y="685800"/>
+            <a:ext cx="6096000" cy="3429000"/>
+          </a:xfrm>
+          <a:custGeom>
+            <a:pathLst>
+              <a:path extrusionOk="0" h="120000" w="120000">
+                <a:moveTo>
+                  <a:pt x="0" y="0"/>
+                </a:moveTo>
+                <a:lnTo>
+                  <a:pt x="120000" y="0"/>
+                </a:lnTo>
+                <a:lnTo>
+                  <a:pt x="120000" y="120000"/>
+                </a:lnTo>
+                <a:lnTo>
+                  <a:pt x="0" y="120000"/>
+                </a:lnTo>
+                <a:close/>
+              </a:path>
+            </a:pathLst>
+          </a:custGeom>
+        </p:spPr>
+      </p:sp>
+      <p:sp>
+        <p:nvSpPr>
+          <p:cNvPr id="183" name="Shape 183"/>
+          <p:cNvSpPr txBox="1"/>
+          <p:nvPr>
+            <p:ph idx="1" type="body"/>
+          </p:nvPr>
+        </p:nvSpPr>
+        <p:spPr>
+          <a:xfrm>
+            <a:off x="685800" y="4343400"/>
+            <a:ext cx="5486400" cy="4114800"/>
+          </a:xfrm>
+          <a:prstGeom prst="rect">
+            <a:avLst/>
+          </a:prstGeom>
+        </p:spPr>
+        <p:txBody>
+          <a:bodyPr anchorCtr="0" anchor="t" bIns="91425" lIns="91425" rIns="91425" tIns="91425">
+            <a:noAutofit/>
+          </a:bodyPr>
+          <a:lstStyle/>
+          <a:p>
+            <a:pPr lvl="0">
+              <a:spcBef>
+                <a:spcPts val="0"/>
+              </a:spcBef>
+              <a:buNone/>
+            </a:pPr>
+            <a:r>
+              <a:t/>
+            </a:r>
+            <a:endParaRPr/>
+          </a:p>
+        </p:txBody>
+      </p:sp>
+    </p:spTree>
+  </p:cSld>
+  <p:clrMapOvr>
+    <a:masterClrMapping/>
+  </p:clrMapOvr>
+</p:notes>
+</file>
+
+<file path=ppt/notesSlides/notesSlide21.xml><?xml version="1.0" encoding="utf-8"?>
+<p:notes xmlns:a="http://schemas.openxmlformats.org/drawingml/2006/main" xmlns:r="http://schemas.openxmlformats.org/officeDocument/2006/relationships" xmlns:mc="http://schemas.openxmlformats.org/markup-compatibility/2006" xmlns:mv="urn:schemas-microsoft-com:mac:vml" xmlns:p="http://schemas.openxmlformats.org/presentationml/2006/main" xmlns:c="http://schemas.openxmlformats.org/drawingml/2006/chart" xmlns:dgm="http://schemas.openxmlformats.org/drawingml/2006/diagram" xmlns:o="urn:schemas-microsoft-com:office:office" xmlns:v="urn:schemas-microsoft-com:vml" xmlns:pvml="urn:schemas-microsoft-com:office:powerpoint" xmlns:com="http://schemas.openxmlformats.org/drawingml/2006/compatibility" xmlns:p14="http://schemas.microsoft.com/office/powerpoint/2010/main" showMasterPhAnim="0" showMasterSp="0">
+  <p:cSld>
+    <p:spTree>
+      <p:nvGrpSpPr>
+        <p:cNvPr id="196" name="Shape 196"/>
+        <p:cNvGrpSpPr/>
+        <p:nvPr/>
+      </p:nvGrpSpPr>
+      <p:grpSpPr>
+        <a:xfrm>
+          <a:off x="0" y="0"/>
+          <a:ext cx="0" cy="0"/>
+          <a:chOff x="0" y="0"/>
+          <a:chExt cx="0" cy="0"/>
+        </a:xfrm>
+      </p:grpSpPr>
+      <p:sp>
+        <p:nvSpPr>
+          <p:cNvPr id="197" name="Shape 197"/>
+          <p:cNvSpPr/>
+          <p:nvPr>
+            <p:ph idx="2" type="sldImg"/>
+          </p:nvPr>
+        </p:nvSpPr>
+        <p:spPr>
+          <a:xfrm>
+            <a:off x="381300" y="685800"/>
+            <a:ext cx="6096000" cy="3429000"/>
+          </a:xfrm>
+          <a:custGeom>
+            <a:pathLst>
+              <a:path extrusionOk="0" h="120000" w="120000">
+                <a:moveTo>
+                  <a:pt x="0" y="0"/>
+                </a:moveTo>
+                <a:lnTo>
+                  <a:pt x="120000" y="0"/>
+                </a:lnTo>
+                <a:lnTo>
+                  <a:pt x="120000" y="120000"/>
+                </a:lnTo>
+                <a:lnTo>
+                  <a:pt x="0" y="120000"/>
+                </a:lnTo>
+                <a:close/>
+              </a:path>
+            </a:pathLst>
+          </a:custGeom>
+        </p:spPr>
+      </p:sp>
+      <p:sp>
+        <p:nvSpPr>
+          <p:cNvPr id="198" name="Shape 198"/>
+          <p:cNvSpPr txBox="1"/>
+          <p:nvPr>
+            <p:ph idx="1" type="body"/>
+          </p:nvPr>
+        </p:nvSpPr>
+        <p:spPr>
+          <a:xfrm>
+            <a:off x="685800" y="4343400"/>
+            <a:ext cx="5486400" cy="4114800"/>
+          </a:xfrm>
+          <a:prstGeom prst="rect">
+            <a:avLst/>
+          </a:prstGeom>
+        </p:spPr>
+        <p:txBody>
+          <a:bodyPr anchorCtr="0" anchor="t" bIns="91425" lIns="91425" rIns="91425" tIns="91425">
+            <a:noAutofit/>
+          </a:bodyPr>
+          <a:lstStyle/>
+          <a:p>
+            <a:pPr lvl="0">
+              <a:spcBef>
+                <a:spcPts val="0"/>
+              </a:spcBef>
+              <a:buNone/>
+            </a:pPr>
+            <a:r>
+              <a:t/>
+            </a:r>
+            <a:endParaRPr/>
+          </a:p>
+        </p:txBody>
+      </p:sp>
+    </p:spTree>
+  </p:cSld>
+  <p:clrMapOvr>
+    <a:masterClrMapping/>
+  </p:clrMapOvr>
+</p:notes>
+</file>
+
+<file path=ppt/notesSlides/notesSlide22.xml><?xml version="1.0" encoding="utf-8"?>
+<p:notes xmlns:a="http://schemas.openxmlformats.org/drawingml/2006/main" xmlns:r="http://schemas.openxmlformats.org/officeDocument/2006/relationships" xmlns:mc="http://schemas.openxmlformats.org/markup-compatibility/2006" xmlns:mv="urn:schemas-microsoft-com:mac:vml" xmlns:p="http://schemas.openxmlformats.org/presentationml/2006/main" xmlns:c="http://schemas.openxmlformats.org/drawingml/2006/chart" xmlns:dgm="http://schemas.openxmlformats.org/drawingml/2006/diagram" xmlns:o="urn:schemas-microsoft-com:office:office" xmlns:v="urn:schemas-microsoft-com:vml" xmlns:pvml="urn:schemas-microsoft-com:office:powerpoint" xmlns:com="http://schemas.openxmlformats.org/drawingml/2006/compatibility" xmlns:p14="http://schemas.microsoft.com/office/powerpoint/2010/main" showMasterPhAnim="0" showMasterSp="0">
+  <p:cSld>
+    <p:spTree>
+      <p:nvGrpSpPr>
+        <p:cNvPr id="203" name="Shape 203"/>
+        <p:cNvGrpSpPr/>
+        <p:nvPr/>
+      </p:nvGrpSpPr>
+      <p:grpSpPr>
+        <a:xfrm>
+          <a:off x="0" y="0"/>
+          <a:ext cx="0" cy="0"/>
+          <a:chOff x="0" y="0"/>
+          <a:chExt cx="0" cy="0"/>
+        </a:xfrm>
+      </p:grpSpPr>
+      <p:sp>
+        <p:nvSpPr>
+          <p:cNvPr id="204" name="Shape 204"/>
+          <p:cNvSpPr/>
+          <p:nvPr>
+            <p:ph idx="2" type="sldImg"/>
+          </p:nvPr>
+        </p:nvSpPr>
+        <p:spPr>
+          <a:xfrm>
+            <a:off x="381300" y="685800"/>
+            <a:ext cx="6096000" cy="3429000"/>
+          </a:xfrm>
+          <a:custGeom>
+            <a:pathLst>
+              <a:path extrusionOk="0" h="120000" w="120000">
+                <a:moveTo>
+                  <a:pt x="0" y="0"/>
+                </a:moveTo>
+                <a:lnTo>
+                  <a:pt x="120000" y="0"/>
+                </a:lnTo>
+                <a:lnTo>
+                  <a:pt x="120000" y="120000"/>
+                </a:lnTo>
+                <a:lnTo>
+                  <a:pt x="0" y="120000"/>
+                </a:lnTo>
+                <a:close/>
+              </a:path>
+            </a:pathLst>
+          </a:custGeom>
+        </p:spPr>
+      </p:sp>
+      <p:sp>
+        <p:nvSpPr>
+          <p:cNvPr id="205" name="Shape 205"/>
+          <p:cNvSpPr txBox="1"/>
+          <p:nvPr>
+            <p:ph idx="1" type="body"/>
+          </p:nvPr>
+        </p:nvSpPr>
+        <p:spPr>
+          <a:xfrm>
+            <a:off x="685800" y="4343400"/>
+            <a:ext cx="5486400" cy="4114800"/>
+          </a:xfrm>
+          <a:prstGeom prst="rect">
+            <a:avLst/>
+          </a:prstGeom>
+        </p:spPr>
+        <p:txBody>
+          <a:bodyPr anchorCtr="0" anchor="t" bIns="91425" lIns="91425" rIns="91425" tIns="91425">
+            <a:noAutofit/>
+          </a:bodyPr>
+          <a:lstStyle/>
+          <a:p>
+            <a:pPr lvl="0">
+              <a:spcBef>
+                <a:spcPts val="0"/>
+              </a:spcBef>
+              <a:buNone/>
+            </a:pPr>
+            <a:r>
+              <a:t/>
+            </a:r>
+            <a:endParaRPr/>
+          </a:p>
+        </p:txBody>
+      </p:sp>
+    </p:spTree>
+  </p:cSld>
+  <p:clrMapOvr>
+    <a:masterClrMapping/>
+  </p:clrMapOvr>
+</p:notes>
+</file>
+
+<file path=ppt/notesSlides/notesSlide23.xml><?xml version="1.0" encoding="utf-8"?>
+<p:notes xmlns:a="http://schemas.openxmlformats.org/drawingml/2006/main" xmlns:r="http://schemas.openxmlformats.org/officeDocument/2006/relationships" xmlns:mc="http://schemas.openxmlformats.org/markup-compatibility/2006" xmlns:mv="urn:schemas-microsoft-com:mac:vml" xmlns:p="http://schemas.openxmlformats.org/presentationml/2006/main" xmlns:c="http://schemas.openxmlformats.org/drawingml/2006/chart" xmlns:dgm="http://schemas.openxmlformats.org/drawingml/2006/diagram" xmlns:o="urn:schemas-microsoft-com:office:office" xmlns:v="urn:schemas-microsoft-com:vml" xmlns:pvml="urn:schemas-microsoft-com:office:powerpoint" xmlns:com="http://schemas.openxmlformats.org/drawingml/2006/compatibility" xmlns:p14="http://schemas.microsoft.com/office/powerpoint/2010/main" showMasterPhAnim="0" showMasterSp="0">
+  <p:cSld>
+    <p:spTree>
+      <p:nvGrpSpPr>
+        <p:cNvPr id="210" name="Shape 210"/>
+        <p:cNvGrpSpPr/>
+        <p:nvPr/>
+      </p:nvGrpSpPr>
+      <p:grpSpPr>
+        <a:xfrm>
+          <a:off x="0" y="0"/>
+          <a:ext cx="0" cy="0"/>
+          <a:chOff x="0" y="0"/>
+          <a:chExt cx="0" cy="0"/>
+        </a:xfrm>
+      </p:grpSpPr>
+      <p:sp>
+        <p:nvSpPr>
+          <p:cNvPr id="211" name="Shape 211"/>
+          <p:cNvSpPr/>
+          <p:nvPr>
+            <p:ph idx="2" type="sldImg"/>
+          </p:nvPr>
+        </p:nvSpPr>
+        <p:spPr>
+          <a:xfrm>
+            <a:off x="381300" y="685800"/>
+            <a:ext cx="6096000" cy="3429000"/>
+          </a:xfrm>
+          <a:custGeom>
+            <a:pathLst>
+              <a:path extrusionOk="0" h="120000" w="120000">
+                <a:moveTo>
+                  <a:pt x="0" y="0"/>
+                </a:moveTo>
+                <a:lnTo>
+                  <a:pt x="120000" y="0"/>
+                </a:lnTo>
+                <a:lnTo>
+                  <a:pt x="120000" y="120000"/>
+                </a:lnTo>
+                <a:lnTo>
+                  <a:pt x="0" y="120000"/>
+                </a:lnTo>
+                <a:close/>
+              </a:path>
+            </a:pathLst>
+          </a:custGeom>
+        </p:spPr>
+      </p:sp>
+      <p:sp>
+        <p:nvSpPr>
+          <p:cNvPr id="212" name="Shape 212"/>
+          <p:cNvSpPr txBox="1"/>
+          <p:nvPr>
+            <p:ph idx="1" type="body"/>
+          </p:nvPr>
+        </p:nvSpPr>
+        <p:spPr>
+          <a:xfrm>
+            <a:off x="685800" y="4343400"/>
+            <a:ext cx="5486400" cy="4114800"/>
+          </a:xfrm>
+          <a:prstGeom prst="rect">
+            <a:avLst/>
+          </a:prstGeom>
+        </p:spPr>
+        <p:txBody>
+          <a:bodyPr anchorCtr="0" anchor="t" bIns="91425" lIns="91425" rIns="91425" tIns="91425">
+            <a:noAutofit/>
+          </a:bodyPr>
+          <a:lstStyle/>
+          <a:p>
+            <a:pPr lvl="0">
+              <a:spcBef>
+                <a:spcPts val="0"/>
+              </a:spcBef>
+              <a:buNone/>
+            </a:pPr>
+            <a:r>
+              <a:t/>
+            </a:r>
+            <a:endParaRPr/>
+          </a:p>
+        </p:txBody>
+      </p:sp>
+    </p:spTree>
+  </p:cSld>
+  <p:clrMapOvr>
+    <a:masterClrMapping/>
+  </p:clrMapOvr>
+</p:notes>
+</file>
+
 <file path=ppt/notesSlides/notesSlide3.xml><?xml version="1.0" encoding="utf-8"?>
 <p:notes xmlns:a="http://schemas.openxmlformats.org/drawingml/2006/main" xmlns:r="http://schemas.openxmlformats.org/officeDocument/2006/relationships" xmlns:mc="http://schemas.openxmlformats.org/markup-compatibility/2006" xmlns:mv="urn:schemas-microsoft-com:mac:vml" xmlns:p="http://schemas.openxmlformats.org/presentationml/2006/main" xmlns:c="http://schemas.openxmlformats.org/drawingml/2006/chart" xmlns:dgm="http://schemas.openxmlformats.org/drawingml/2006/diagram" xmlns:o="urn:schemas-microsoft-com:office:office" xmlns:v="urn:schemas-microsoft-com:vml" xmlns:pvml="urn:schemas-microsoft-com:office:powerpoint" xmlns:com="http://schemas.openxmlformats.org/drawingml/2006/compatibility" xmlns:p14="http://schemas.microsoft.com/office/powerpoint/2010/main" showMasterPhAnim="0" showMasterSp="0">
   <p:cSld>
@@ -1632,7 +2112,7 @@
   <p:cSld>
     <p:spTree>
       <p:nvGrpSpPr>
-        <p:cNvPr id="80" name="Shape 80"/>
+        <p:cNvPr id="79" name="Shape 79"/>
         <p:cNvGrpSpPr/>
         <p:nvPr/>
       </p:nvGrpSpPr>
@@ -1646,7 +2126,7 @@
       </p:grpSpPr>
       <p:sp>
         <p:nvSpPr>
-          <p:cNvPr id="81" name="Shape 81"/>
+          <p:cNvPr id="80" name="Shape 80"/>
           <p:cNvSpPr/>
           <p:nvPr>
             <p:ph idx="2" type="sldImg"/>
@@ -1680,7 +2160,7 @@
       </p:sp>
       <p:sp>
         <p:nvSpPr>
-          <p:cNvPr id="82" name="Shape 82"/>
+          <p:cNvPr id="81" name="Shape 81"/>
           <p:cNvSpPr txBox="1"/>
           <p:nvPr>
             <p:ph idx="1" type="body"/>
@@ -1727,7 +2207,7 @@
   <p:cSld>
     <p:spTree>
       <p:nvGrpSpPr>
-        <p:cNvPr id="88" name="Shape 88"/>
+        <p:cNvPr id="86" name="Shape 86"/>
         <p:cNvGrpSpPr/>
         <p:nvPr/>
       </p:nvGrpSpPr>
@@ -1741,7 +2221,7 @@
       </p:grpSpPr>
       <p:sp>
         <p:nvSpPr>
-          <p:cNvPr id="89" name="Shape 89"/>
+          <p:cNvPr id="87" name="Shape 87"/>
           <p:cNvSpPr/>
           <p:nvPr>
             <p:ph idx="2" type="sldImg"/>
@@ -1775,7 +2255,7 @@
       </p:sp>
       <p:sp>
         <p:nvSpPr>
-          <p:cNvPr id="90" name="Shape 90"/>
+          <p:cNvPr id="88" name="Shape 88"/>
           <p:cNvSpPr txBox="1"/>
           <p:nvPr>
             <p:ph idx="1" type="body"/>
@@ -1822,7 +2302,7 @@
   <p:cSld>
     <p:spTree>
       <p:nvGrpSpPr>
-        <p:cNvPr id="96" name="Shape 96"/>
+        <p:cNvPr id="93" name="Shape 93"/>
         <p:cNvGrpSpPr/>
         <p:nvPr/>
       </p:nvGrpSpPr>
@@ -1836,7 +2316,7 @@
       </p:grpSpPr>
       <p:sp>
         <p:nvSpPr>
-          <p:cNvPr id="97" name="Shape 97"/>
+          <p:cNvPr id="94" name="Shape 94"/>
           <p:cNvSpPr/>
           <p:nvPr>
             <p:ph idx="2" type="sldImg"/>
@@ -1870,7 +2350,7 @@
       </p:sp>
       <p:sp>
         <p:nvSpPr>
-          <p:cNvPr id="98" name="Shape 98"/>
+          <p:cNvPr id="95" name="Shape 95"/>
           <p:cNvSpPr txBox="1"/>
           <p:nvPr>
             <p:ph idx="1" type="body"/>
@@ -1917,7 +2397,7 @@
   <p:cSld>
     <p:spTree>
       <p:nvGrpSpPr>
-        <p:cNvPr id="104" name="Shape 104"/>
+        <p:cNvPr id="99" name="Shape 99"/>
         <p:cNvGrpSpPr/>
         <p:nvPr/>
       </p:nvGrpSpPr>
@@ -1931,7 +2411,7 @@
       </p:grpSpPr>
       <p:sp>
         <p:nvSpPr>
-          <p:cNvPr id="105" name="Shape 105"/>
+          <p:cNvPr id="100" name="Shape 100"/>
           <p:cNvSpPr/>
           <p:nvPr>
             <p:ph idx="2" type="sldImg"/>
@@ -1965,7 +2445,7 @@
       </p:sp>
       <p:sp>
         <p:nvSpPr>
-          <p:cNvPr id="106" name="Shape 106"/>
+          <p:cNvPr id="101" name="Shape 101"/>
           <p:cNvSpPr txBox="1"/>
           <p:nvPr>
             <p:ph idx="1" type="body"/>
@@ -2012,7 +2492,7 @@
   <p:cSld>
     <p:spTree>
       <p:nvGrpSpPr>
-        <p:cNvPr id="112" name="Shape 112"/>
+        <p:cNvPr id="106" name="Shape 106"/>
         <p:cNvGrpSpPr/>
         <p:nvPr/>
       </p:nvGrpSpPr>
@@ -2026,7 +2506,7 @@
       </p:grpSpPr>
       <p:sp>
         <p:nvSpPr>
-          <p:cNvPr id="113" name="Shape 113"/>
+          <p:cNvPr id="107" name="Shape 107"/>
           <p:cNvSpPr/>
           <p:nvPr>
             <p:ph idx="2" type="sldImg"/>
@@ -2060,7 +2540,7 @@
       </p:sp>
       <p:sp>
         <p:nvSpPr>
-          <p:cNvPr id="114" name="Shape 114"/>
+          <p:cNvPr id="108" name="Shape 108"/>
           <p:cNvSpPr txBox="1"/>
           <p:nvPr>
             <p:ph idx="1" type="body"/>
@@ -5878,7 +6358,7 @@
             </a:pPr>
             <a:r>
               <a:rPr lang="en" sz="4800"/>
-              <a:t>Predicting Player Performance for Daily Fantasy</a:t>
+              <a:t>Predicting Player Performance for Daily Fantasy Sports</a:t>
             </a:r>
           </a:p>
         </p:txBody>
@@ -5940,6 +6420,149 @@
 </file>
 
 <file path=ppt/slides/slide10.xml><?xml version="1.0" encoding="utf-8"?>
+<p:sld xmlns:a="http://schemas.openxmlformats.org/drawingml/2006/main" xmlns:r="http://schemas.openxmlformats.org/officeDocument/2006/relationships" xmlns:mc="http://schemas.openxmlformats.org/markup-compatibility/2006" xmlns:mv="urn:schemas-microsoft-com:mac:vml" xmlns:p="http://schemas.openxmlformats.org/presentationml/2006/main" xmlns:c="http://schemas.openxmlformats.org/drawingml/2006/chart" xmlns:dgm="http://schemas.openxmlformats.org/drawingml/2006/diagram" xmlns:o="urn:schemas-microsoft-com:office:office" xmlns:v="urn:schemas-microsoft-com:vml" xmlns:pvml="urn:schemas-microsoft-com:office:powerpoint" xmlns:com="http://schemas.openxmlformats.org/drawingml/2006/compatibility" xmlns:p14="http://schemas.microsoft.com/office/powerpoint/2010/main">
+  <p:cSld>
+    <p:spTree>
+      <p:nvGrpSpPr>
+        <p:cNvPr id="116" name="Shape 116"/>
+        <p:cNvGrpSpPr/>
+        <p:nvPr/>
+      </p:nvGrpSpPr>
+      <p:grpSpPr>
+        <a:xfrm>
+          <a:off x="0" y="0"/>
+          <a:ext cx="0" cy="0"/>
+          <a:chOff x="0" y="0"/>
+          <a:chExt cx="0" cy="0"/>
+        </a:xfrm>
+      </p:grpSpPr>
+      <p:sp>
+        <p:nvSpPr>
+          <p:cNvPr id="117" name="Shape 117"/>
+          <p:cNvSpPr txBox="1"/>
+          <p:nvPr>
+            <p:ph type="title"/>
+          </p:nvPr>
+        </p:nvSpPr>
+        <p:spPr>
+          <a:xfrm>
+            <a:off x="311700" y="445025"/>
+            <a:ext cx="8520600" cy="572700"/>
+          </a:xfrm>
+          <a:prstGeom prst="rect">
+            <a:avLst/>
+          </a:prstGeom>
+        </p:spPr>
+        <p:txBody>
+          <a:bodyPr anchorCtr="0" anchor="t" bIns="91425" lIns="91425" rIns="91425" tIns="91425">
+            <a:noAutofit/>
+          </a:bodyPr>
+          <a:lstStyle/>
+          <a:p>
+            <a:pPr lvl="0">
+              <a:spcBef>
+                <a:spcPts val="0"/>
+              </a:spcBef>
+              <a:buNone/>
+            </a:pPr>
+            <a:r>
+              <a:rPr b="1" lang="en" sz="2400"/>
+              <a:t>Grouping Players</a:t>
+            </a:r>
+            <a:r>
+              <a:rPr lang="en" sz="2400"/>
+              <a:t>: K-means</a:t>
+            </a:r>
+          </a:p>
+        </p:txBody>
+      </p:sp>
+      <p:sp>
+        <p:nvSpPr>
+          <p:cNvPr id="118" name="Shape 118"/>
+          <p:cNvSpPr txBox="1"/>
+          <p:nvPr>
+            <p:ph idx="1" type="body"/>
+          </p:nvPr>
+        </p:nvSpPr>
+        <p:spPr>
+          <a:xfrm>
+            <a:off x="311700" y="1152475"/>
+            <a:ext cx="3999900" cy="3416400"/>
+          </a:xfrm>
+          <a:prstGeom prst="rect">
+            <a:avLst/>
+          </a:prstGeom>
+        </p:spPr>
+        <p:txBody>
+          <a:bodyPr anchorCtr="0" anchor="t" bIns="91425" lIns="91425" rIns="91425" tIns="91425">
+            <a:noAutofit/>
+          </a:bodyPr>
+          <a:lstStyle/>
+          <a:p>
+            <a:pPr indent="-342900" lvl="0" marL="457200" rtl="0">
+              <a:spcBef>
+                <a:spcPts val="0"/>
+              </a:spcBef>
+              <a:buSzPct val="100000"/>
+              <a:buChar char="-"/>
+            </a:pPr>
+            <a:r>
+              <a:rPr lang="en" sz="1800"/>
+              <a:t>Not enough data points in a single season for a specific player to create models for each player</a:t>
+            </a:r>
+          </a:p>
+          <a:p>
+            <a:pPr indent="-342900" lvl="0" marL="457200" rtl="0">
+              <a:spcBef>
+                <a:spcPts val="0"/>
+              </a:spcBef>
+              <a:buSzPct val="100000"/>
+              <a:buChar char="-"/>
+            </a:pPr>
+            <a:r>
+              <a:rPr lang="en" sz="1800"/>
+              <a:t>Clustered similar players together based on their season averages</a:t>
+            </a:r>
+          </a:p>
+        </p:txBody>
+      </p:sp>
+      <p:pic>
+        <p:nvPicPr>
+          <p:cNvPr descr="Screen Shot 2017-03-27 at 8.30.28 PM.png" id="119" name="Shape 119"/>
+          <p:cNvPicPr preferRelativeResize="0"/>
+          <p:nvPr/>
+        </p:nvPicPr>
+        <p:blipFill>
+          <a:blip r:embed="rId3">
+            <a:alphaModFix/>
+          </a:blip>
+          <a:stretch>
+            <a:fillRect/>
+          </a:stretch>
+        </p:blipFill>
+        <p:spPr>
+          <a:xfrm>
+            <a:off x="5944274" y="518225"/>
+            <a:ext cx="1736149" cy="4404699"/>
+          </a:xfrm>
+          <a:prstGeom prst="rect">
+            <a:avLst/>
+          </a:prstGeom>
+          <a:noFill/>
+          <a:ln>
+            <a:noFill/>
+          </a:ln>
+        </p:spPr>
+      </p:pic>
+    </p:spTree>
+  </p:cSld>
+  <p:clrMapOvr>
+    <a:masterClrMapping/>
+  </p:clrMapOvr>
+</p:sld>
+</file>
+
+<file path=ppt/slides/slide11.xml><?xml version="1.0" encoding="utf-8"?>
 <p:sld xmlns:a="http://schemas.openxmlformats.org/drawingml/2006/main" xmlns:r="http://schemas.openxmlformats.org/officeDocument/2006/relationships" xmlns:mc="http://schemas.openxmlformats.org/markup-compatibility/2006" xmlns:mv="urn:schemas-microsoft-com:mac:vml" xmlns:p="http://schemas.openxmlformats.org/presentationml/2006/main" xmlns:c="http://schemas.openxmlformats.org/drawingml/2006/chart" xmlns:dgm="http://schemas.openxmlformats.org/drawingml/2006/diagram" xmlns:o="urn:schemas-microsoft-com:office:office" xmlns:v="urn:schemas-microsoft-com:vml" xmlns:pvml="urn:schemas-microsoft-com:office:powerpoint" xmlns:com="http://schemas.openxmlformats.org/drawingml/2006/compatibility" xmlns:p14="http://schemas.microsoft.com/office/powerpoint/2010/main">
   <p:cSld>
     <p:spTree>
@@ -5986,294 +6609,19 @@
               <a:buNone/>
             </a:pPr>
             <a:r>
+              <a:rPr b="1" lang="en" sz="2400"/>
+              <a:t>Prediction Model:</a:t>
+            </a:r>
+            <a:r>
               <a:rPr lang="en" sz="2400"/>
-              <a:t>Time Series</a:t>
-            </a:r>
-            <a:r>
-              <a:rPr lang="en" sz="2400">
-                <a:solidFill>
-                  <a:srgbClr val="000000"/>
-                </a:solidFill>
-                <a:highlight>
-                  <a:srgbClr val="FFFFFF"/>
-                </a:highlight>
-              </a:rPr>
-              <a:t> Model 1: Simple AR(1) Model</a:t>
-            </a:r>
-          </a:p>
-          <a:p>
-            <a:pPr lvl="0">
-              <a:spcBef>
-                <a:spcPts val="0"/>
-              </a:spcBef>
-              <a:buNone/>
-            </a:pPr>
-            <a:r>
-              <a:t/>
-            </a:r>
-            <a:endParaRPr/>
-          </a:p>
-        </p:txBody>
-      </p:sp>
-      <p:sp>
-        <p:nvSpPr>
-          <p:cNvPr id="125" name="Shape 125"/>
-          <p:cNvSpPr txBox="1"/>
-          <p:nvPr>
-            <p:ph idx="1" type="body"/>
-          </p:nvPr>
-        </p:nvSpPr>
-        <p:spPr>
-          <a:xfrm>
-            <a:off x="311700" y="1152475"/>
-            <a:ext cx="8520600" cy="3416400"/>
-          </a:xfrm>
-          <a:prstGeom prst="rect">
-            <a:avLst/>
-          </a:prstGeom>
-        </p:spPr>
-        <p:txBody>
-          <a:bodyPr anchorCtr="0" anchor="t" bIns="91425" lIns="91425" rIns="91425" tIns="91425">
-            <a:noAutofit/>
-          </a:bodyPr>
-          <a:lstStyle/>
-          <a:p>
-            <a:pPr lvl="0">
-              <a:spcBef>
-                <a:spcPts val="0"/>
-              </a:spcBef>
-              <a:buNone/>
-            </a:pPr>
-            <a:r>
-              <a:t/>
-            </a:r>
-            <a:endParaRPr sz="1200"/>
-          </a:p>
-          <a:p>
-            <a:pPr lvl="0">
-              <a:spcBef>
-                <a:spcPts val="0"/>
-              </a:spcBef>
-              <a:buNone/>
-            </a:pPr>
-            <a:r>
-              <a:t/>
-            </a:r>
-            <a:endParaRPr sz="1200"/>
-          </a:p>
-          <a:p>
-            <a:pPr lvl="0">
-              <a:spcBef>
-                <a:spcPts val="0"/>
-              </a:spcBef>
-              <a:buNone/>
-            </a:pPr>
-            <a:r>
-              <a:t/>
-            </a:r>
-            <a:endParaRPr sz="1200"/>
-          </a:p>
-          <a:p>
-            <a:pPr lvl="0">
-              <a:spcBef>
-                <a:spcPts val="0"/>
-              </a:spcBef>
-              <a:buNone/>
-            </a:pPr>
-            <a:r>
-              <a:t/>
-            </a:r>
-            <a:endParaRPr sz="1200"/>
-          </a:p>
-          <a:p>
-            <a:pPr lvl="0">
-              <a:spcBef>
-                <a:spcPts val="0"/>
-              </a:spcBef>
-              <a:buNone/>
-            </a:pPr>
-            <a:r>
-              <a:rPr lang="en" sz="1200"/>
-              <a:t>					</a:t>
-            </a:r>
-            <a:r>
-              <a:rPr lang="en" sz="1200">
-                <a:solidFill>
-                  <a:srgbClr val="000000"/>
-                </a:solidFill>
-                <a:highlight>
-                  <a:srgbClr val="FFFFFF"/>
-                </a:highlight>
-              </a:rPr>
-              <a:t>We chose AR(1) to keep the model simple (Too little observations so mo	</a:t>
-            </a:r>
-          </a:p>
-          <a:p>
-            <a:pPr indent="-304800" lvl="0" marL="914400" rtl="0">
-              <a:spcBef>
-                <a:spcPts val="0"/>
-              </a:spcBef>
-              <a:spcAft>
-                <a:spcPts val="0"/>
-              </a:spcAft>
-              <a:buClr>
-                <a:srgbClr val="000000"/>
-              </a:buClr>
-              <a:buSzPct val="100000"/>
-              <a:buChar char="-"/>
-            </a:pPr>
-            <a:r>
-              <a:rPr lang="en" sz="1200">
-                <a:solidFill>
-                  <a:srgbClr val="000000"/>
-                </a:solidFill>
-                <a:highlight>
-                  <a:srgbClr val="FFFFFF"/>
-                </a:highlight>
-              </a:rPr>
-              <a:t>We chose AR(1) to keep the model simple (Too little observations so more complicated models won’t do as well)</a:t>
-            </a:r>
-          </a:p>
-          <a:p>
-            <a:pPr indent="-304800" lvl="0" marL="914400" rtl="0">
-              <a:spcBef>
-                <a:spcPts val="0"/>
-              </a:spcBef>
-              <a:spcAft>
-                <a:spcPts val="0"/>
-              </a:spcAft>
-              <a:buClr>
-                <a:srgbClr val="000000"/>
-              </a:buClr>
-              <a:buSzPct val="100000"/>
-              <a:buChar char="-"/>
-            </a:pPr>
-            <a:r>
-              <a:rPr lang="en" sz="1200">
-                <a:solidFill>
-                  <a:srgbClr val="000000"/>
-                </a:solidFill>
-                <a:highlight>
-                  <a:srgbClr val="FFFFFF"/>
-                </a:highlight>
-              </a:rPr>
-              <a:t>Most players have about 20-30 observations</a:t>
-            </a:r>
-          </a:p>
-          <a:p>
-            <a:pPr indent="-304800" lvl="0" marL="914400" rtl="0">
-              <a:spcBef>
-                <a:spcPts val="0"/>
-              </a:spcBef>
-              <a:spcAft>
-                <a:spcPts val="0"/>
-              </a:spcAft>
-              <a:buClr>
-                <a:srgbClr val="000000"/>
-              </a:buClr>
-              <a:buSzPct val="100000"/>
-              <a:buChar char="-"/>
-            </a:pPr>
-            <a:r>
-              <a:rPr lang="en" sz="1200">
-                <a:solidFill>
-                  <a:srgbClr val="000000"/>
-                </a:solidFill>
-                <a:highlight>
-                  <a:srgbClr val="FFFFFF"/>
-                </a:highlight>
-              </a:rPr>
-              <a:t>X_t = DKP_t (Draft King Points at time t)</a:t>
-            </a:r>
-          </a:p>
-          <a:p>
-            <a:pPr lvl="0" rtl="0">
-              <a:spcBef>
-                <a:spcPts val="0"/>
-              </a:spcBef>
-              <a:spcAft>
-                <a:spcPts val="0"/>
-              </a:spcAft>
-              <a:buNone/>
-            </a:pPr>
-            <a:r>
-              <a:t/>
-            </a:r>
-            <a:endParaRPr sz="1500">
-              <a:solidFill>
-                <a:srgbClr val="000000"/>
-              </a:solidFill>
-              <a:highlight>
-                <a:srgbClr val="FFFFFF"/>
-              </a:highlight>
-              <a:latin typeface="Times New Roman"/>
-              <a:ea typeface="Times New Roman"/>
-              <a:cs typeface="Times New Roman"/>
-              <a:sym typeface="Times New Roman"/>
-            </a:endParaRPr>
-          </a:p>
-          <a:p>
-            <a:pPr lvl="0" rtl="0">
-              <a:spcBef>
-                <a:spcPts val="0"/>
-              </a:spcBef>
-              <a:spcAft>
-                <a:spcPts val="0"/>
-              </a:spcAft>
-              <a:buNone/>
-            </a:pPr>
-            <a:r>
-              <a:t/>
-            </a:r>
-            <a:endParaRPr sz="1500">
-              <a:solidFill>
-                <a:srgbClr val="000000"/>
-              </a:solidFill>
-              <a:highlight>
-                <a:srgbClr val="FFFFFF"/>
-              </a:highlight>
-              <a:latin typeface="Times New Roman"/>
-              <a:ea typeface="Times New Roman"/>
-              <a:cs typeface="Times New Roman"/>
-              <a:sym typeface="Times New Roman"/>
-            </a:endParaRPr>
-          </a:p>
-          <a:p>
-            <a:pPr lvl="0">
-              <a:spcBef>
-                <a:spcPts val="0"/>
-              </a:spcBef>
-              <a:buNone/>
-            </a:pPr>
-            <a:r>
-              <a:t/>
-            </a:r>
-            <a:endParaRPr sz="1200">
-              <a:solidFill>
-                <a:srgbClr val="000000"/>
-              </a:solidFill>
-              <a:highlight>
-                <a:srgbClr val="FFFFFF"/>
-              </a:highlight>
-            </a:endParaRPr>
-          </a:p>
-          <a:p>
-            <a:pPr lvl="0">
-              <a:spcBef>
-                <a:spcPts val="0"/>
-              </a:spcBef>
-              <a:buNone/>
-            </a:pPr>
-            <a:r>
-              <a:t/>
-            </a:r>
-            <a:endParaRPr sz="1200"/>
+              <a:t> XGBoost</a:t>
+            </a:r>
           </a:p>
         </p:txBody>
       </p:sp>
       <p:pic>
         <p:nvPicPr>
-          <p:cNvPr descr="Screen Shot 2017-03-27 at 6.51.42 PM.png" id="126" name="Shape 126"/>
+          <p:cNvPr id="125" name="Shape 125"/>
           <p:cNvPicPr preferRelativeResize="0"/>
           <p:nvPr/>
         </p:nvPicPr>
@@ -6287,8 +6635,36 @@
         </p:blipFill>
         <p:spPr>
           <a:xfrm>
-            <a:off x="1543862" y="1152479"/>
-            <a:ext cx="5734073" cy="2095150"/>
+            <a:off x="4679601" y="1761824"/>
+            <a:ext cx="3612323" cy="2075400"/>
+          </a:xfrm>
+          <a:prstGeom prst="rect">
+            <a:avLst/>
+          </a:prstGeom>
+          <a:noFill/>
+          <a:ln>
+            <a:noFill/>
+          </a:ln>
+        </p:spPr>
+      </p:pic>
+      <p:pic>
+        <p:nvPicPr>
+          <p:cNvPr id="126" name="Shape 126"/>
+          <p:cNvPicPr preferRelativeResize="0"/>
+          <p:nvPr/>
+        </p:nvPicPr>
+        <p:blipFill>
+          <a:blip r:embed="rId4">
+            <a:alphaModFix/>
+          </a:blip>
+          <a:stretch>
+            <a:fillRect/>
+          </a:stretch>
+        </p:blipFill>
+        <p:spPr>
+          <a:xfrm>
+            <a:off x="260675" y="1761825"/>
+            <a:ext cx="3988150" cy="2075407"/>
           </a:xfrm>
           <a:prstGeom prst="rect">
             <a:avLst/>
@@ -6307,7 +6683,7 @@
 </p:sld>
 </file>
 
-<file path=ppt/slides/slide11.xml><?xml version="1.0" encoding="utf-8"?>
+<file path=ppt/slides/slide12.xml><?xml version="1.0" encoding="utf-8"?>
 <p:sld xmlns:a="http://schemas.openxmlformats.org/drawingml/2006/main" xmlns:r="http://schemas.openxmlformats.org/officeDocument/2006/relationships" xmlns:mc="http://schemas.openxmlformats.org/markup-compatibility/2006" xmlns:mv="urn:schemas-microsoft-com:mac:vml" xmlns:p="http://schemas.openxmlformats.org/presentationml/2006/main" xmlns:c="http://schemas.openxmlformats.org/drawingml/2006/chart" xmlns:dgm="http://schemas.openxmlformats.org/drawingml/2006/diagram" xmlns:o="urn:schemas-microsoft-com:office:office" xmlns:v="urn:schemas-microsoft-com:vml" xmlns:pvml="urn:schemas-microsoft-com:office:powerpoint" xmlns:com="http://schemas.openxmlformats.org/drawingml/2006/compatibility" xmlns:p14="http://schemas.microsoft.com/office/powerpoint/2010/main">
   <p:cSld>
     <p:spTree>
@@ -6354,28 +6730,9 @@
               <a:buNone/>
             </a:pPr>
             <a:r>
-              <a:rPr lang="en" sz="2400">
-                <a:solidFill>
-                  <a:srgbClr val="000000"/>
-                </a:solidFill>
-                <a:highlight>
-                  <a:srgbClr val="FFFFFF"/>
-                </a:highlight>
-              </a:rPr>
-              <a:t>Time Series Model 2: Exponentially Weighted MA </a:t>
-            </a:r>
-          </a:p>
-          <a:p>
-            <a:pPr lvl="0">
-              <a:spcBef>
-                <a:spcPts val="0"/>
-              </a:spcBef>
-              <a:buNone/>
-            </a:pPr>
-            <a:r>
-              <a:t/>
-            </a:r>
-            <a:endParaRPr sz="2400"/>
+              <a:rPr b="1" lang="en" sz="2400"/>
+              <a:t>Model Tuning</a:t>
+            </a:r>
           </a:p>
         </p:txBody>
       </p:sp>
@@ -6402,316 +6759,6 @@
           </a:bodyPr>
           <a:lstStyle/>
           <a:p>
-            <a:pPr lvl="0" rtl="0">
-              <a:spcBef>
-                <a:spcPts val="0"/>
-              </a:spcBef>
-              <a:spcAft>
-                <a:spcPts val="0"/>
-              </a:spcAft>
-              <a:buNone/>
-            </a:pPr>
-            <a:r>
-              <a:t/>
-            </a:r>
-            <a:endParaRPr sz="1200">
-              <a:solidFill>
-                <a:srgbClr val="000000"/>
-              </a:solidFill>
-              <a:highlight>
-                <a:srgbClr val="FFFFFF"/>
-              </a:highlight>
-            </a:endParaRPr>
-          </a:p>
-          <a:p>
-            <a:pPr lvl="0" rtl="0">
-              <a:spcBef>
-                <a:spcPts val="0"/>
-              </a:spcBef>
-              <a:spcAft>
-                <a:spcPts val="0"/>
-              </a:spcAft>
-              <a:buNone/>
-            </a:pPr>
-            <a:r>
-              <a:t/>
-            </a:r>
-            <a:endParaRPr sz="1200">
-              <a:solidFill>
-                <a:srgbClr val="000000"/>
-              </a:solidFill>
-              <a:highlight>
-                <a:srgbClr val="FFFFFF"/>
-              </a:highlight>
-            </a:endParaRPr>
-          </a:p>
-          <a:p>
-            <a:pPr lvl="0" rtl="0">
-              <a:spcBef>
-                <a:spcPts val="0"/>
-              </a:spcBef>
-              <a:spcAft>
-                <a:spcPts val="0"/>
-              </a:spcAft>
-              <a:buNone/>
-            </a:pPr>
-            <a:r>
-              <a:t/>
-            </a:r>
-            <a:endParaRPr sz="1200">
-              <a:solidFill>
-                <a:srgbClr val="000000"/>
-              </a:solidFill>
-              <a:highlight>
-                <a:srgbClr val="FFFFFF"/>
-              </a:highlight>
-            </a:endParaRPr>
-          </a:p>
-          <a:p>
-            <a:pPr lvl="0" rtl="0">
-              <a:spcBef>
-                <a:spcPts val="0"/>
-              </a:spcBef>
-              <a:spcAft>
-                <a:spcPts val="0"/>
-              </a:spcAft>
-              <a:buNone/>
-            </a:pPr>
-            <a:r>
-              <a:t/>
-            </a:r>
-            <a:endParaRPr sz="1200">
-              <a:solidFill>
-                <a:srgbClr val="000000"/>
-              </a:solidFill>
-              <a:highlight>
-                <a:srgbClr val="FFFFFF"/>
-              </a:highlight>
-            </a:endParaRPr>
-          </a:p>
-          <a:p>
-            <a:pPr lvl="0" rtl="0">
-              <a:spcBef>
-                <a:spcPts val="0"/>
-              </a:spcBef>
-              <a:spcAft>
-                <a:spcPts val="0"/>
-              </a:spcAft>
-              <a:buNone/>
-            </a:pPr>
-            <a:r>
-              <a:t/>
-            </a:r>
-            <a:endParaRPr sz="1200">
-              <a:solidFill>
-                <a:srgbClr val="000000"/>
-              </a:solidFill>
-              <a:highlight>
-                <a:srgbClr val="FFFFFF"/>
-              </a:highlight>
-            </a:endParaRPr>
-          </a:p>
-          <a:p>
-            <a:pPr lvl="0" rtl="0">
-              <a:spcBef>
-                <a:spcPts val="0"/>
-              </a:spcBef>
-              <a:spcAft>
-                <a:spcPts val="0"/>
-              </a:spcAft>
-              <a:buNone/>
-            </a:pPr>
-            <a:r>
-              <a:t/>
-            </a:r>
-            <a:endParaRPr sz="1200">
-              <a:solidFill>
-                <a:srgbClr val="000000"/>
-              </a:solidFill>
-              <a:highlight>
-                <a:srgbClr val="FFFFFF"/>
-              </a:highlight>
-            </a:endParaRPr>
-          </a:p>
-          <a:p>
-            <a:pPr lvl="0" rtl="0">
-              <a:spcBef>
-                <a:spcPts val="0"/>
-              </a:spcBef>
-              <a:spcAft>
-                <a:spcPts val="0"/>
-              </a:spcAft>
-              <a:buNone/>
-            </a:pPr>
-            <a:r>
-              <a:t/>
-            </a:r>
-            <a:endParaRPr sz="1200">
-              <a:solidFill>
-                <a:srgbClr val="000000"/>
-              </a:solidFill>
-              <a:highlight>
-                <a:srgbClr val="FFFFFF"/>
-              </a:highlight>
-            </a:endParaRPr>
-          </a:p>
-          <a:p>
-            <a:pPr indent="-304800" lvl="0" marL="1828800" rtl="0">
-              <a:spcBef>
-                <a:spcPts val="0"/>
-              </a:spcBef>
-              <a:spcAft>
-                <a:spcPts val="0"/>
-              </a:spcAft>
-              <a:buClr>
-                <a:srgbClr val="000000"/>
-              </a:buClr>
-              <a:buSzPct val="100000"/>
-              <a:buChar char="-"/>
-            </a:pPr>
-            <a:r>
-              <a:rPr lang="en" sz="1200">
-                <a:solidFill>
-                  <a:srgbClr val="000000"/>
-                </a:solidFill>
-                <a:highlight>
-                  <a:srgbClr val="FFFFFF"/>
-                </a:highlight>
-              </a:rPr>
-              <a:t>X_t = DKP at time t</a:t>
-            </a:r>
-          </a:p>
-          <a:p>
-            <a:pPr indent="-304800" lvl="0" marL="1828800" rtl="0">
-              <a:spcBef>
-                <a:spcPts val="0"/>
-              </a:spcBef>
-              <a:spcAft>
-                <a:spcPts val="0"/>
-              </a:spcAft>
-              <a:buClr>
-                <a:srgbClr val="000000"/>
-              </a:buClr>
-              <a:buSzPct val="100000"/>
-              <a:buChar char="-"/>
-            </a:pPr>
-            <a:r>
-              <a:rPr lang="en" sz="1200">
-                <a:solidFill>
-                  <a:srgbClr val="000000"/>
-                </a:solidFill>
-                <a:highlight>
-                  <a:srgbClr val="FFFFFF"/>
-                </a:highlight>
-              </a:rPr>
-              <a:t>S_t = Forecasted value for time t</a:t>
-            </a:r>
-          </a:p>
-          <a:p>
-            <a:pPr indent="-304800" lvl="0" marL="1828800" rtl="0">
-              <a:spcBef>
-                <a:spcPts val="0"/>
-              </a:spcBef>
-              <a:spcAft>
-                <a:spcPts val="0"/>
-              </a:spcAft>
-              <a:buClr>
-                <a:srgbClr val="000000"/>
-              </a:buClr>
-              <a:buSzPct val="100000"/>
-              <a:buChar char="-"/>
-            </a:pPr>
-            <a:r>
-              <a:rPr lang="en" sz="1200">
-                <a:solidFill>
-                  <a:srgbClr val="000000"/>
-                </a:solidFill>
-                <a:highlight>
-                  <a:srgbClr val="FFFFFF"/>
-                </a:highlight>
-              </a:rPr>
-              <a:t>Alpha is the smoothing factor and between 0 and 1</a:t>
-            </a:r>
-          </a:p>
-          <a:p>
-            <a:pPr indent="-304800" lvl="0" marL="1828800" rtl="0">
-              <a:spcBef>
-                <a:spcPts val="0"/>
-              </a:spcBef>
-              <a:spcAft>
-                <a:spcPts val="0"/>
-              </a:spcAft>
-              <a:buClr>
-                <a:srgbClr val="000000"/>
-              </a:buClr>
-              <a:buSzPct val="100000"/>
-              <a:buChar char="-"/>
-            </a:pPr>
-            <a:r>
-              <a:rPr lang="en" sz="1200">
-                <a:solidFill>
-                  <a:srgbClr val="000000"/>
-                </a:solidFill>
-                <a:highlight>
-                  <a:srgbClr val="FFFFFF"/>
-                </a:highlight>
-              </a:rPr>
-              <a:t>Small alpha =&gt; More smoothing effect =&gt; Less responsive to recent changes</a:t>
-            </a:r>
-          </a:p>
-          <a:p>
-            <a:pPr indent="-304800" lvl="0" marL="1828800" rtl="0">
-              <a:spcBef>
-                <a:spcPts val="0"/>
-              </a:spcBef>
-              <a:spcAft>
-                <a:spcPts val="0"/>
-              </a:spcAft>
-              <a:buClr>
-                <a:srgbClr val="000000"/>
-              </a:buClr>
-              <a:buSzPct val="100000"/>
-              <a:buChar char="-"/>
-            </a:pPr>
-            <a:r>
-              <a:rPr lang="en" sz="1200">
-                <a:solidFill>
-                  <a:srgbClr val="000000"/>
-                </a:solidFill>
-                <a:highlight>
-                  <a:srgbClr val="FFFFFF"/>
-                </a:highlight>
-              </a:rPr>
-              <a:t>Large alpha =&gt; Less smoothing =&gt; More responsive</a:t>
-            </a:r>
-          </a:p>
-          <a:p>
-            <a:pPr indent="-304800" lvl="0" marL="1828800" rtl="0">
-              <a:spcBef>
-                <a:spcPts val="0"/>
-              </a:spcBef>
-              <a:spcAft>
-                <a:spcPts val="0"/>
-              </a:spcAft>
-              <a:buClr>
-                <a:srgbClr val="000000"/>
-              </a:buClr>
-              <a:buSzPct val="100000"/>
-              <a:buChar char="-"/>
-            </a:pPr>
-            <a:r>
-              <a:rPr lang="en" sz="1200">
-                <a:solidFill>
-                  <a:srgbClr val="000000"/>
-                </a:solidFill>
-                <a:highlight>
-                  <a:srgbClr val="FFFFFF"/>
-                </a:highlight>
-              </a:rPr>
-              <a:t>We chose alpha = 0.95</a:t>
-            </a:r>
-          </a:p>
-          <a:p>
             <a:pPr lvl="0">
               <a:spcBef>
                 <a:spcPts val="0"/>
@@ -6719,15 +6766,15 @@
               <a:buNone/>
             </a:pPr>
             <a:r>
-              <a:t/>
-            </a:r>
-            <a:endParaRPr sz="1200"/>
+              <a:rPr lang="en"/>
+              <a:t>Bayesian Optimization</a:t>
+            </a:r>
           </a:p>
         </p:txBody>
       </p:sp>
       <p:pic>
         <p:nvPicPr>
-          <p:cNvPr descr="Screen Shot 2017-03-27 at 6.50.47 PM.png" id="133" name="Shape 133"/>
+          <p:cNvPr id="133" name="Shape 133"/>
           <p:cNvPicPr preferRelativeResize="0"/>
           <p:nvPr/>
         </p:nvPicPr>
@@ -6741,8 +6788,8 @@
         </p:blipFill>
         <p:spPr>
           <a:xfrm>
-            <a:off x="1731922" y="1746049"/>
-            <a:ext cx="5680151" cy="713624"/>
+            <a:off x="4709775" y="1807499"/>
+            <a:ext cx="4122524" cy="2106350"/>
           </a:xfrm>
           <a:prstGeom prst="rect">
             <a:avLst/>
@@ -6753,139 +6800,34 @@
           </a:ln>
         </p:spPr>
       </p:pic>
-    </p:spTree>
-  </p:cSld>
-  <p:clrMapOvr>
-    <a:masterClrMapping/>
-  </p:clrMapOvr>
-</p:sld>
-</file>
-
-<file path=ppt/slides/slide12.xml><?xml version="1.0" encoding="utf-8"?>
-<p:sld xmlns:a="http://schemas.openxmlformats.org/drawingml/2006/main" xmlns:r="http://schemas.openxmlformats.org/officeDocument/2006/relationships" xmlns:mc="http://schemas.openxmlformats.org/markup-compatibility/2006" xmlns:mv="urn:schemas-microsoft-com:mac:vml" xmlns:p="http://schemas.openxmlformats.org/presentationml/2006/main" xmlns:c="http://schemas.openxmlformats.org/drawingml/2006/chart" xmlns:dgm="http://schemas.openxmlformats.org/drawingml/2006/diagram" xmlns:o="urn:schemas-microsoft-com:office:office" xmlns:v="urn:schemas-microsoft-com:vml" xmlns:pvml="urn:schemas-microsoft-com:office:powerpoint" xmlns:com="http://schemas.openxmlformats.org/drawingml/2006/compatibility" xmlns:p14="http://schemas.microsoft.com/office/powerpoint/2010/main">
-  <p:cSld>
-    <p:spTree>
-      <p:nvGrpSpPr>
-        <p:cNvPr id="137" name="Shape 137"/>
-        <p:cNvGrpSpPr/>
-        <p:nvPr/>
-      </p:nvGrpSpPr>
-      <p:grpSpPr>
-        <a:xfrm>
-          <a:off x="0" y="0"/>
-          <a:ext cx="0" cy="0"/>
-          <a:chOff x="0" y="0"/>
-          <a:chExt cx="0" cy="0"/>
-        </a:xfrm>
-      </p:grpSpPr>
-      <p:sp>
-        <p:nvSpPr>
-          <p:cNvPr id="138" name="Shape 138"/>
-          <p:cNvSpPr txBox="1"/>
-          <p:nvPr>
-            <p:ph type="title"/>
-          </p:nvPr>
-        </p:nvSpPr>
-        <p:spPr>
-          <a:xfrm>
-            <a:off x="311700" y="445025"/>
-            <a:ext cx="8520600" cy="572700"/>
-          </a:xfrm>
-          <a:prstGeom prst="rect">
-            <a:avLst/>
-          </a:prstGeom>
-        </p:spPr>
-        <p:txBody>
-          <a:bodyPr anchorCtr="0" anchor="t" bIns="91425" lIns="91425" rIns="91425" tIns="91425">
-            <a:noAutofit/>
-          </a:bodyPr>
-          <a:lstStyle/>
-          <a:p>
-            <a:pPr lvl="0">
-              <a:spcBef>
-                <a:spcPts val="0"/>
-              </a:spcBef>
-              <a:buNone/>
-            </a:pPr>
-            <a:r>
-              <a:rPr b="1" lang="en" sz="2400"/>
-              <a:t>Player Volatility</a:t>
-            </a:r>
-          </a:p>
-        </p:txBody>
-      </p:sp>
-      <p:sp>
-        <p:nvSpPr>
-          <p:cNvPr id="139" name="Shape 139"/>
-          <p:cNvSpPr txBox="1"/>
-          <p:nvPr>
-            <p:ph idx="1" type="body"/>
-          </p:nvPr>
-        </p:nvSpPr>
-        <p:spPr>
-          <a:xfrm>
-            <a:off x="311700" y="1152475"/>
-            <a:ext cx="8520600" cy="3416400"/>
-          </a:xfrm>
-          <a:prstGeom prst="rect">
-            <a:avLst/>
-          </a:prstGeom>
-        </p:spPr>
-        <p:txBody>
-          <a:bodyPr anchorCtr="0" anchor="t" bIns="91425" lIns="91425" rIns="91425" tIns="91425">
-            <a:noAutofit/>
-          </a:bodyPr>
-          <a:lstStyle/>
-          <a:p>
-            <a:pPr indent="-228600" lvl="0" marL="457200" rtl="0">
-              <a:spcBef>
-                <a:spcPts val="0"/>
-              </a:spcBef>
-              <a:buChar char="-"/>
-            </a:pPr>
-            <a:r>
-              <a:rPr lang="en"/>
-              <a:t>Player’s minutes can vary greatly depending on the injury or playing status of their teammates</a:t>
-            </a:r>
-          </a:p>
-          <a:p>
-            <a:pPr indent="-228600" lvl="0" marL="457200" rtl="0">
-              <a:spcBef>
-                <a:spcPts val="0"/>
-              </a:spcBef>
-              <a:buChar char="-"/>
-            </a:pPr>
-            <a:r>
-              <a:rPr lang="en"/>
-              <a:t>Scale their score to according to the minutes we believe they will get when a teammate sits out</a:t>
-            </a:r>
-          </a:p>
-          <a:p>
-            <a:pPr indent="-228600" lvl="0" marL="457200" rtl="0">
-              <a:spcBef>
-                <a:spcPts val="0"/>
-              </a:spcBef>
-              <a:buChar char="-"/>
-            </a:pPr>
-            <a:r>
-              <a:rPr lang="en"/>
-              <a:t>Scale their score if they are coming back from a long injury</a:t>
-            </a:r>
-          </a:p>
-          <a:p>
-            <a:pPr indent="-228600" lvl="0" marL="457200">
-              <a:spcBef>
-                <a:spcPts val="0"/>
-              </a:spcBef>
-              <a:buChar char="-"/>
-            </a:pPr>
-            <a:r>
-              <a:rPr lang="en"/>
-              <a:t>Scale their score based on a weight related to the overall volatility of their performance</a:t>
-            </a:r>
-          </a:p>
-        </p:txBody>
-      </p:sp>
+      <p:pic>
+        <p:nvPicPr>
+          <p:cNvPr id="134" name="Shape 134"/>
+          <p:cNvPicPr preferRelativeResize="0"/>
+          <p:nvPr/>
+        </p:nvPicPr>
+        <p:blipFill>
+          <a:blip r:embed="rId4">
+            <a:alphaModFix/>
+          </a:blip>
+          <a:stretch>
+            <a:fillRect/>
+          </a:stretch>
+        </p:blipFill>
+        <p:spPr>
+          <a:xfrm>
+            <a:off x="267050" y="1868234"/>
+            <a:ext cx="4442724" cy="1984874"/>
+          </a:xfrm>
+          <a:prstGeom prst="rect">
+            <a:avLst/>
+          </a:prstGeom>
+          <a:noFill/>
+          <a:ln>
+            <a:noFill/>
+          </a:ln>
+        </p:spPr>
+      </p:pic>
     </p:spTree>
   </p:cSld>
   <p:clrMapOvr>
@@ -6899,7 +6841,7 @@
   <p:cSld>
     <p:spTree>
       <p:nvGrpSpPr>
-        <p:cNvPr id="143" name="Shape 143"/>
+        <p:cNvPr id="138" name="Shape 138"/>
         <p:cNvGrpSpPr/>
         <p:nvPr/>
       </p:nvGrpSpPr>
@@ -6913,7 +6855,7 @@
       </p:grpSpPr>
       <p:sp>
         <p:nvSpPr>
-          <p:cNvPr id="144" name="Shape 144"/>
+          <p:cNvPr id="139" name="Shape 139"/>
           <p:cNvSpPr txBox="1"/>
           <p:nvPr>
             <p:ph type="title"/>
@@ -6942,18 +6884,48 @@
             </a:pPr>
             <a:r>
               <a:rPr b="1" lang="en" sz="2400"/>
-              <a:t>Knapsack Problem</a:t>
-            </a:r>
-            <a:r>
-              <a:rPr lang="en" sz="2400"/>
-              <a:t>: Selecting a Lineup</a:t>
-            </a:r>
+              <a:t>Time Series</a:t>
+            </a:r>
+            <a:r>
+              <a:rPr b="1" lang="en" sz="2400">
+                <a:solidFill>
+                  <a:srgbClr val="000000"/>
+                </a:solidFill>
+                <a:highlight>
+                  <a:srgbClr val="FFFFFF"/>
+                </a:highlight>
+              </a:rPr>
+              <a:t> Model 1: </a:t>
+            </a:r>
+            <a:r>
+              <a:rPr lang="en" sz="2400">
+                <a:solidFill>
+                  <a:srgbClr val="000000"/>
+                </a:solidFill>
+                <a:highlight>
+                  <a:srgbClr val="FFFFFF"/>
+                </a:highlight>
+              </a:rPr>
+              <a:t>Simple AR(1) Model</a:t>
+            </a:r>
+          </a:p>
+          <a:p>
+            <a:pPr lvl="0">
+              <a:spcBef>
+                <a:spcPts val="0"/>
+              </a:spcBef>
+              <a:buNone/>
+            </a:pPr>
+            <a:r>
+              <a:t/>
+            </a:r>
+            <a:endParaRPr/>
           </a:p>
         </p:txBody>
       </p:sp>
       <p:sp>
         <p:nvSpPr>
-          <p:cNvPr id="145" name="Shape 145"/>
+          <p:cNvPr id="140" name="Shape 140"/>
           <p:cNvSpPr txBox="1"/>
           <p:nvPr>
             <p:ph idx="1" type="body"/>
@@ -6983,13 +6955,233 @@
             <a:r>
               <a:t/>
             </a:r>
-            <a:endParaRPr b="1"/>
+            <a:endParaRPr sz="1200"/>
+          </a:p>
+          <a:p>
+            <a:pPr lvl="0">
+              <a:spcBef>
+                <a:spcPts val="0"/>
+              </a:spcBef>
+              <a:buNone/>
+            </a:pPr>
+            <a:r>
+              <a:t/>
+            </a:r>
+            <a:endParaRPr sz="1200"/>
+          </a:p>
+          <a:p>
+            <a:pPr lvl="0">
+              <a:spcBef>
+                <a:spcPts val="0"/>
+              </a:spcBef>
+              <a:buNone/>
+            </a:pPr>
+            <a:r>
+              <a:t/>
+            </a:r>
+            <a:endParaRPr sz="1200"/>
+          </a:p>
+          <a:p>
+            <a:pPr lvl="0">
+              <a:spcBef>
+                <a:spcPts val="0"/>
+              </a:spcBef>
+              <a:buNone/>
+            </a:pPr>
+            <a:r>
+              <a:t/>
+            </a:r>
+            <a:endParaRPr sz="1200"/>
+          </a:p>
+          <a:p>
+            <a:pPr lvl="0">
+              <a:spcBef>
+                <a:spcPts val="0"/>
+              </a:spcBef>
+              <a:buNone/>
+            </a:pPr>
+            <a:r>
+              <a:rPr lang="en" sz="1200"/>
+              <a:t>					</a:t>
+            </a:r>
+            <a:r>
+              <a:rPr lang="en" sz="1200">
+                <a:solidFill>
+                  <a:srgbClr val="000000"/>
+                </a:solidFill>
+                <a:highlight>
+                  <a:srgbClr val="FFFFFF"/>
+                </a:highlight>
+              </a:rPr>
+              <a:t>We chose AR(1) to keep the model simple (Too little observations so mo	</a:t>
+            </a:r>
+          </a:p>
+          <a:p>
+            <a:pPr indent="-304800" lvl="0" marL="914400" rtl="0">
+              <a:spcBef>
+                <a:spcPts val="0"/>
+              </a:spcBef>
+              <a:spcAft>
+                <a:spcPts val="0"/>
+              </a:spcAft>
+              <a:buClr>
+                <a:srgbClr val="000000"/>
+              </a:buClr>
+              <a:buSzPct val="100000"/>
+              <a:buChar char="-"/>
+            </a:pPr>
+            <a:r>
+              <a:rPr lang="en" sz="1200">
+                <a:solidFill>
+                  <a:srgbClr val="000000"/>
+                </a:solidFill>
+                <a:highlight>
+                  <a:srgbClr val="FFFFFF"/>
+                </a:highlight>
+              </a:rPr>
+              <a:t>We chose AR(1) to keep the model simple (Too little observations so more complicated models won’t do as well)</a:t>
+            </a:r>
+          </a:p>
+          <a:p>
+            <a:pPr indent="-304800" lvl="0" marL="914400" rtl="0">
+              <a:spcBef>
+                <a:spcPts val="0"/>
+              </a:spcBef>
+              <a:spcAft>
+                <a:spcPts val="0"/>
+              </a:spcAft>
+              <a:buClr>
+                <a:srgbClr val="000000"/>
+              </a:buClr>
+              <a:buSzPct val="100000"/>
+              <a:buChar char="-"/>
+            </a:pPr>
+            <a:r>
+              <a:rPr lang="en" sz="1200">
+                <a:solidFill>
+                  <a:srgbClr val="000000"/>
+                </a:solidFill>
+                <a:highlight>
+                  <a:srgbClr val="FFFFFF"/>
+                </a:highlight>
+              </a:rPr>
+              <a:t>Most players have about 20-30 observations</a:t>
+            </a:r>
+          </a:p>
+          <a:p>
+            <a:pPr indent="-304800" lvl="0" marL="914400" rtl="0">
+              <a:spcBef>
+                <a:spcPts val="0"/>
+              </a:spcBef>
+              <a:spcAft>
+                <a:spcPts val="0"/>
+              </a:spcAft>
+              <a:buClr>
+                <a:srgbClr val="000000"/>
+              </a:buClr>
+              <a:buSzPct val="100000"/>
+              <a:buChar char="-"/>
+            </a:pPr>
+            <a:r>
+              <a:rPr lang="en" sz="1200">
+                <a:solidFill>
+                  <a:srgbClr val="000000"/>
+                </a:solidFill>
+                <a:highlight>
+                  <a:srgbClr val="FFFFFF"/>
+                </a:highlight>
+              </a:rPr>
+              <a:t>X_t = DKP_t (Draft King Points at time t)</a:t>
+            </a:r>
+          </a:p>
+          <a:p>
+            <a:pPr lvl="0" rtl="0">
+              <a:spcBef>
+                <a:spcPts val="0"/>
+              </a:spcBef>
+              <a:spcAft>
+                <a:spcPts val="0"/>
+              </a:spcAft>
+              <a:buNone/>
+            </a:pPr>
+            <a:r>
+              <a:t/>
+            </a:r>
+            <a:endParaRPr sz="1500">
+              <a:solidFill>
+                <a:srgbClr val="000000"/>
+              </a:solidFill>
+              <a:highlight>
+                <a:srgbClr val="FFFFFF"/>
+              </a:highlight>
+              <a:latin typeface="Times New Roman"/>
+              <a:ea typeface="Times New Roman"/>
+              <a:cs typeface="Times New Roman"/>
+              <a:sym typeface="Times New Roman"/>
+            </a:endParaRPr>
+          </a:p>
+          <a:p>
+            <a:pPr lvl="0" rtl="0">
+              <a:spcBef>
+                <a:spcPts val="0"/>
+              </a:spcBef>
+              <a:spcAft>
+                <a:spcPts val="0"/>
+              </a:spcAft>
+              <a:buNone/>
+            </a:pPr>
+            <a:r>
+              <a:t/>
+            </a:r>
+            <a:endParaRPr sz="1500">
+              <a:solidFill>
+                <a:srgbClr val="000000"/>
+              </a:solidFill>
+              <a:highlight>
+                <a:srgbClr val="FFFFFF"/>
+              </a:highlight>
+              <a:latin typeface="Times New Roman"/>
+              <a:ea typeface="Times New Roman"/>
+              <a:cs typeface="Times New Roman"/>
+              <a:sym typeface="Times New Roman"/>
+            </a:endParaRPr>
+          </a:p>
+          <a:p>
+            <a:pPr lvl="0">
+              <a:spcBef>
+                <a:spcPts val="0"/>
+              </a:spcBef>
+              <a:buNone/>
+            </a:pPr>
+            <a:r>
+              <a:t/>
+            </a:r>
+            <a:endParaRPr sz="1200">
+              <a:solidFill>
+                <a:srgbClr val="000000"/>
+              </a:solidFill>
+              <a:highlight>
+                <a:srgbClr val="FFFFFF"/>
+              </a:highlight>
+            </a:endParaRPr>
+          </a:p>
+          <a:p>
+            <a:pPr lvl="0">
+              <a:spcBef>
+                <a:spcPts val="0"/>
+              </a:spcBef>
+              <a:buNone/>
+            </a:pPr>
+            <a:r>
+              <a:t/>
+            </a:r>
+            <a:endParaRPr sz="1200"/>
           </a:p>
         </p:txBody>
       </p:sp>
       <p:pic>
         <p:nvPicPr>
-          <p:cNvPr id="146" name="Shape 146"/>
+          <p:cNvPr descr="Screen Shot 2017-03-27 at 6.51.42 PM.png" id="141" name="Shape 141"/>
           <p:cNvPicPr preferRelativeResize="0"/>
           <p:nvPr/>
         </p:nvPicPr>
@@ -7003,8 +7195,8 @@
         </p:blipFill>
         <p:spPr>
           <a:xfrm>
-            <a:off x="2562234" y="1323122"/>
-            <a:ext cx="4019524" cy="3075099"/>
+            <a:off x="1543862" y="1152479"/>
+            <a:ext cx="5734073" cy="2095150"/>
           </a:xfrm>
           <a:prstGeom prst="rect">
             <a:avLst/>
@@ -7028,7 +7220,7 @@
   <p:cSld>
     <p:spTree>
       <p:nvGrpSpPr>
-        <p:cNvPr id="150" name="Shape 150"/>
+        <p:cNvPr id="145" name="Shape 145"/>
         <p:cNvGrpSpPr/>
         <p:nvPr/>
       </p:nvGrpSpPr>
@@ -7042,7 +7234,7 @@
       </p:grpSpPr>
       <p:sp>
         <p:nvSpPr>
-          <p:cNvPr id="151" name="Shape 151"/>
+          <p:cNvPr id="146" name="Shape 146"/>
           <p:cNvSpPr txBox="1"/>
           <p:nvPr>
             <p:ph type="title"/>
@@ -7070,15 +7262,45 @@
               <a:buNone/>
             </a:pPr>
             <a:r>
-              <a:rPr b="1" lang="en" sz="2400"/>
-              <a:t>Greedy Algorithm</a:t>
-            </a:r>
+              <a:rPr b="1" lang="en" sz="2400">
+                <a:solidFill>
+                  <a:srgbClr val="000000"/>
+                </a:solidFill>
+                <a:highlight>
+                  <a:srgbClr val="FFFFFF"/>
+                </a:highlight>
+              </a:rPr>
+              <a:t>Time Series Model 2:</a:t>
+            </a:r>
+            <a:r>
+              <a:rPr lang="en" sz="2400">
+                <a:solidFill>
+                  <a:srgbClr val="000000"/>
+                </a:solidFill>
+                <a:highlight>
+                  <a:srgbClr val="FFFFFF"/>
+                </a:highlight>
+              </a:rPr>
+              <a:t> Exponentially Weighted MA </a:t>
+            </a:r>
+          </a:p>
+          <a:p>
+            <a:pPr lvl="0">
+              <a:spcBef>
+                <a:spcPts val="0"/>
+              </a:spcBef>
+              <a:buNone/>
+            </a:pPr>
+            <a:r>
+              <a:t/>
+            </a:r>
+            <a:endParaRPr sz="2400"/>
           </a:p>
         </p:txBody>
       </p:sp>
       <p:sp>
         <p:nvSpPr>
-          <p:cNvPr id="152" name="Shape 152"/>
+          <p:cNvPr id="147" name="Shape 147"/>
           <p:cNvSpPr txBox="1"/>
           <p:nvPr>
             <p:ph idx="1" type="body"/>
@@ -7099,55 +7321,161 @@
           </a:bodyPr>
           <a:lstStyle/>
           <a:p>
-            <a:pPr lvl="0">
-              <a:spcBef>
-                <a:spcPts val="0"/>
-              </a:spcBef>
+            <a:pPr lvl="0" rtl="0">
+              <a:spcBef>
+                <a:spcPts val="0"/>
+              </a:spcBef>
+              <a:spcAft>
+                <a:spcPts val="0"/>
+              </a:spcAft>
               <a:buNone/>
             </a:pPr>
             <a:r>
               <a:t/>
             </a:r>
-            <a:endParaRPr/>
-          </a:p>
-          <a:p>
-            <a:pPr lvl="0">
-              <a:spcBef>
-                <a:spcPts val="0"/>
-              </a:spcBef>
+            <a:endParaRPr sz="1200">
+              <a:solidFill>
+                <a:srgbClr val="000000"/>
+              </a:solidFill>
+              <a:highlight>
+                <a:srgbClr val="FFFFFF"/>
+              </a:highlight>
+            </a:endParaRPr>
+          </a:p>
+          <a:p>
+            <a:pPr lvl="0" rtl="0">
+              <a:spcBef>
+                <a:spcPts val="0"/>
+              </a:spcBef>
+              <a:spcAft>
+                <a:spcPts val="0"/>
+              </a:spcAft>
               <a:buNone/>
             </a:pPr>
             <a:r>
               <a:t/>
             </a:r>
-            <a:endParaRPr/>
-          </a:p>
-          <a:p>
-            <a:pPr lvl="0">
-              <a:spcBef>
-                <a:spcPts val="0"/>
-              </a:spcBef>
+            <a:endParaRPr sz="1200">
+              <a:solidFill>
+                <a:srgbClr val="000000"/>
+              </a:solidFill>
+              <a:highlight>
+                <a:srgbClr val="FFFFFF"/>
+              </a:highlight>
+            </a:endParaRPr>
+          </a:p>
+          <a:p>
+            <a:pPr lvl="0" rtl="0">
+              <a:spcBef>
+                <a:spcPts val="0"/>
+              </a:spcBef>
+              <a:spcAft>
+                <a:spcPts val="0"/>
+              </a:spcAft>
               <a:buNone/>
             </a:pPr>
             <a:r>
               <a:t/>
             </a:r>
-            <a:endParaRPr/>
+            <a:endParaRPr sz="1200">
+              <a:solidFill>
+                <a:srgbClr val="000000"/>
+              </a:solidFill>
+              <a:highlight>
+                <a:srgbClr val="FFFFFF"/>
+              </a:highlight>
+            </a:endParaRPr>
           </a:p>
           <a:p>
             <a:pPr lvl="0" rtl="0">
               <a:spcBef>
                 <a:spcPts val="0"/>
               </a:spcBef>
-              <a:buNone/>
-            </a:pPr>
-            <a:r>
-              <a:rPr lang="en"/>
-              <a:t> </a:t>
-            </a:r>
-          </a:p>
-          <a:p>
-            <a:pPr indent="-304800" lvl="0" marL="457200" rtl="0">
+              <a:spcAft>
+                <a:spcPts val="0"/>
+              </a:spcAft>
+              <a:buNone/>
+            </a:pPr>
+            <a:r>
+              <a:t/>
+            </a:r>
+            <a:endParaRPr sz="1200">
+              <a:solidFill>
+                <a:srgbClr val="000000"/>
+              </a:solidFill>
+              <a:highlight>
+                <a:srgbClr val="FFFFFF"/>
+              </a:highlight>
+            </a:endParaRPr>
+          </a:p>
+          <a:p>
+            <a:pPr lvl="0" rtl="0">
+              <a:spcBef>
+                <a:spcPts val="0"/>
+              </a:spcBef>
+              <a:spcAft>
+                <a:spcPts val="0"/>
+              </a:spcAft>
+              <a:buNone/>
+            </a:pPr>
+            <a:r>
+              <a:t/>
+            </a:r>
+            <a:endParaRPr sz="1200">
+              <a:solidFill>
+                <a:srgbClr val="000000"/>
+              </a:solidFill>
+              <a:highlight>
+                <a:srgbClr val="FFFFFF"/>
+              </a:highlight>
+            </a:endParaRPr>
+          </a:p>
+          <a:p>
+            <a:pPr lvl="0" rtl="0">
+              <a:spcBef>
+                <a:spcPts val="0"/>
+              </a:spcBef>
+              <a:spcAft>
+                <a:spcPts val="0"/>
+              </a:spcAft>
+              <a:buNone/>
+            </a:pPr>
+            <a:r>
+              <a:t/>
+            </a:r>
+            <a:endParaRPr sz="1200">
+              <a:solidFill>
+                <a:srgbClr val="000000"/>
+              </a:solidFill>
+              <a:highlight>
+                <a:srgbClr val="FFFFFF"/>
+              </a:highlight>
+            </a:endParaRPr>
+          </a:p>
+          <a:p>
+            <a:pPr lvl="0" rtl="0">
+              <a:spcBef>
+                <a:spcPts val="0"/>
+              </a:spcBef>
+              <a:spcAft>
+                <a:spcPts val="0"/>
+              </a:spcAft>
+              <a:buNone/>
+            </a:pPr>
+            <a:r>
+              <a:t/>
+            </a:r>
+            <a:endParaRPr sz="1200">
+              <a:solidFill>
+                <a:srgbClr val="000000"/>
+              </a:solidFill>
+              <a:highlight>
+                <a:srgbClr val="FFFFFF"/>
+              </a:highlight>
+            </a:endParaRPr>
+          </a:p>
+          <a:p>
+            <a:pPr indent="-304800" lvl="0" marL="1828800" rtl="0">
               <a:spcBef>
                 <a:spcPts val="0"/>
               </a:spcBef>
@@ -7169,11 +7497,11 @@
                   <a:srgbClr val="FFFFFF"/>
                 </a:highlight>
               </a:rPr>
-              <a:t>Define a class of players</a:t>
-            </a:r>
-          </a:p>
-          <a:p>
-            <a:pPr indent="-304800" lvl="0" marL="457200" rtl="0">
+              <a:t>X_t = DKP at time t</a:t>
+            </a:r>
+          </a:p>
+          <a:p>
+            <a:pPr indent="-304800" lvl="0" marL="1828800" rtl="0">
               <a:spcBef>
                 <a:spcPts val="0"/>
               </a:spcBef>
@@ -7195,11 +7523,11 @@
                   <a:srgbClr val="FFFFFF"/>
                 </a:highlight>
               </a:rPr>
-              <a:t>Set the limit of positions and of budget</a:t>
-            </a:r>
-          </a:p>
-          <a:p>
-            <a:pPr indent="-304800" lvl="0" marL="457200" rtl="0">
+              <a:t>S_t = Forecasted value for time t</a:t>
+            </a:r>
+          </a:p>
+          <a:p>
+            <a:pPr indent="-304800" lvl="0" marL="1828800" rtl="0">
               <a:spcBef>
                 <a:spcPts val="0"/>
               </a:spcBef>
@@ -7221,11 +7549,11 @@
                   <a:srgbClr val="FFFFFF"/>
                 </a:highlight>
               </a:rPr>
-              <a:t>Limit not reached =&gt; Include the available player with the largest points</a:t>
-            </a:r>
-          </a:p>
-          <a:p>
-            <a:pPr indent="-304800" lvl="0" marL="457200" rtl="0">
+              <a:t>Alpha is the smoothing factor and between 0 and 1</a:t>
+            </a:r>
+          </a:p>
+          <a:p>
+            <a:pPr indent="-304800" lvl="0" marL="1828800" rtl="0">
               <a:spcBef>
                 <a:spcPts val="0"/>
               </a:spcBef>
@@ -7247,11 +7575,11 @@
                   <a:srgbClr val="FFFFFF"/>
                 </a:highlight>
               </a:rPr>
-              <a:t>Points here are the estimated points using two TS models</a:t>
-            </a:r>
-          </a:p>
-          <a:p>
-            <a:pPr indent="-304800" lvl="0" marL="457200" rtl="0">
+              <a:t>Small alpha =&gt; More smoothing effect =&gt; Less responsive to recent changes</a:t>
+            </a:r>
+          </a:p>
+          <a:p>
+            <a:pPr indent="-304800" lvl="0" marL="1828800" rtl="0">
               <a:spcBef>
                 <a:spcPts val="0"/>
               </a:spcBef>
@@ -7273,7 +7601,33 @@
                   <a:srgbClr val="FFFFFF"/>
                 </a:highlight>
               </a:rPr>
-              <a:t>Second model (EWMA) performed slightly better for recent games</a:t>
+              <a:t>Large alpha =&gt; Less smoothing =&gt; More responsive</a:t>
+            </a:r>
+          </a:p>
+          <a:p>
+            <a:pPr indent="-304800" lvl="0" marL="1828800" rtl="0">
+              <a:spcBef>
+                <a:spcPts val="0"/>
+              </a:spcBef>
+              <a:spcAft>
+                <a:spcPts val="0"/>
+              </a:spcAft>
+              <a:buClr>
+                <a:srgbClr val="000000"/>
+              </a:buClr>
+              <a:buSzPct val="100000"/>
+              <a:buChar char="-"/>
+            </a:pPr>
+            <a:r>
+              <a:rPr lang="en" sz="1200">
+                <a:solidFill>
+                  <a:srgbClr val="000000"/>
+                </a:solidFill>
+                <a:highlight>
+                  <a:srgbClr val="FFFFFF"/>
+                </a:highlight>
+              </a:rPr>
+              <a:t>We chose alpha = 0.95</a:t>
             </a:r>
           </a:p>
           <a:p>
@@ -7286,13 +7640,13 @@
             <a:r>
               <a:t/>
             </a:r>
-            <a:endParaRPr/>
+            <a:endParaRPr sz="1200"/>
           </a:p>
         </p:txBody>
       </p:sp>
       <p:pic>
         <p:nvPicPr>
-          <p:cNvPr descr="Screen Shot 2017-03-27 at 7.07.19 PM.png" id="153" name="Shape 153"/>
+          <p:cNvPr descr="Screen Shot 2017-03-27 at 6.50.47 PM.png" id="148" name="Shape 148"/>
           <p:cNvPicPr preferRelativeResize="0"/>
           <p:nvPr/>
         </p:nvPicPr>
@@ -7306,8 +7660,8 @@
         </p:blipFill>
         <p:spPr>
           <a:xfrm>
-            <a:off x="2530924" y="1152475"/>
-            <a:ext cx="6301375" cy="2317074"/>
+            <a:off x="1731922" y="1746049"/>
+            <a:ext cx="5680151" cy="713624"/>
           </a:xfrm>
           <a:prstGeom prst="rect">
             <a:avLst/>
@@ -7331,7 +7685,7 @@
   <p:cSld>
     <p:spTree>
       <p:nvGrpSpPr>
-        <p:cNvPr id="157" name="Shape 157"/>
+        <p:cNvPr id="152" name="Shape 152"/>
         <p:cNvGrpSpPr/>
         <p:nvPr/>
       </p:nvGrpSpPr>
@@ -7345,7 +7699,7 @@
       </p:grpSpPr>
       <p:sp>
         <p:nvSpPr>
-          <p:cNvPr id="158" name="Shape 158"/>
+          <p:cNvPr id="153" name="Shape 153"/>
           <p:cNvSpPr txBox="1"/>
           <p:nvPr>
             <p:ph type="title"/>
@@ -7374,14 +7728,14 @@
             </a:pPr>
             <a:r>
               <a:rPr b="1" lang="en" sz="2400"/>
-              <a:t>Genetic Algorithm</a:t>
+              <a:t>Player Volatility</a:t>
             </a:r>
           </a:p>
         </p:txBody>
       </p:sp>
       <p:sp>
         <p:nvSpPr>
-          <p:cNvPr id="159" name="Shape 159"/>
+          <p:cNvPr id="154" name="Shape 154"/>
           <p:cNvSpPr txBox="1"/>
           <p:nvPr>
             <p:ph idx="1" type="body"/>
@@ -7402,6 +7756,103 @@
           </a:bodyPr>
           <a:lstStyle/>
           <a:p>
+            <a:pPr indent="-228600" lvl="0" marL="457200" rtl="0">
+              <a:spcBef>
+                <a:spcPts val="0"/>
+              </a:spcBef>
+              <a:buChar char="-"/>
+            </a:pPr>
+            <a:r>
+              <a:rPr lang="en"/>
+              <a:t>Player’s minutes can vary greatly depending on the injury or playing status of their teammates</a:t>
+            </a:r>
+          </a:p>
+          <a:p>
+            <a:pPr indent="-228600" lvl="0" marL="457200" rtl="0">
+              <a:spcBef>
+                <a:spcPts val="0"/>
+              </a:spcBef>
+              <a:buChar char="-"/>
+            </a:pPr>
+            <a:r>
+              <a:rPr lang="en"/>
+              <a:t>Scale their score to according to the minutes we believe they will get when a teammate sits out</a:t>
+            </a:r>
+          </a:p>
+          <a:p>
+            <a:pPr indent="-228600" lvl="0" marL="457200" rtl="0">
+              <a:spcBef>
+                <a:spcPts val="0"/>
+              </a:spcBef>
+              <a:buChar char="-"/>
+            </a:pPr>
+            <a:r>
+              <a:rPr lang="en"/>
+              <a:t>Scale their score if they are coming back from a long injury</a:t>
+            </a:r>
+          </a:p>
+          <a:p>
+            <a:pPr indent="-228600" lvl="0" marL="457200">
+              <a:spcBef>
+                <a:spcPts val="0"/>
+              </a:spcBef>
+              <a:buChar char="-"/>
+            </a:pPr>
+            <a:r>
+              <a:rPr lang="en"/>
+              <a:t>Scale their score based on a weight related to the overall volatility of their performance</a:t>
+            </a:r>
+          </a:p>
+        </p:txBody>
+      </p:sp>
+    </p:spTree>
+  </p:cSld>
+  <p:clrMapOvr>
+    <a:masterClrMapping/>
+  </p:clrMapOvr>
+</p:sld>
+</file>
+
+<file path=ppt/slides/slide16.xml><?xml version="1.0" encoding="utf-8"?>
+<p:sld xmlns:a="http://schemas.openxmlformats.org/drawingml/2006/main" xmlns:r="http://schemas.openxmlformats.org/officeDocument/2006/relationships" xmlns:mc="http://schemas.openxmlformats.org/markup-compatibility/2006" xmlns:mv="urn:schemas-microsoft-com:mac:vml" xmlns:p="http://schemas.openxmlformats.org/presentationml/2006/main" xmlns:c="http://schemas.openxmlformats.org/drawingml/2006/chart" xmlns:dgm="http://schemas.openxmlformats.org/drawingml/2006/diagram" xmlns:o="urn:schemas-microsoft-com:office:office" xmlns:v="urn:schemas-microsoft-com:vml" xmlns:pvml="urn:schemas-microsoft-com:office:powerpoint" xmlns:com="http://schemas.openxmlformats.org/drawingml/2006/compatibility" xmlns:p14="http://schemas.microsoft.com/office/powerpoint/2010/main">
+  <p:cSld>
+    <p:spTree>
+      <p:nvGrpSpPr>
+        <p:cNvPr id="158" name="Shape 158"/>
+        <p:cNvGrpSpPr/>
+        <p:nvPr/>
+      </p:nvGrpSpPr>
+      <p:grpSpPr>
+        <a:xfrm>
+          <a:off x="0" y="0"/>
+          <a:ext cx="0" cy="0"/>
+          <a:chOff x="0" y="0"/>
+          <a:chExt cx="0" cy="0"/>
+        </a:xfrm>
+      </p:grpSpPr>
+      <p:sp>
+        <p:nvSpPr>
+          <p:cNvPr id="159" name="Shape 159"/>
+          <p:cNvSpPr txBox="1"/>
+          <p:nvPr>
+            <p:ph type="title"/>
+          </p:nvPr>
+        </p:nvSpPr>
+        <p:spPr>
+          <a:xfrm>
+            <a:off x="311700" y="445025"/>
+            <a:ext cx="8520600" cy="572700"/>
+          </a:xfrm>
+          <a:prstGeom prst="rect">
+            <a:avLst/>
+          </a:prstGeom>
+        </p:spPr>
+        <p:txBody>
+          <a:bodyPr anchorCtr="0" anchor="t" bIns="91425" lIns="91425" rIns="91425" tIns="91425">
+            <a:noAutofit/>
+          </a:bodyPr>
+          <a:lstStyle/>
+          <a:p>
             <a:pPr lvl="0">
               <a:spcBef>
                 <a:spcPts val="0"/>
@@ -7409,15 +7860,19 @@
               <a:buNone/>
             </a:pPr>
             <a:r>
-              <a:t/>
-            </a:r>
-            <a:endParaRPr/>
+              <a:rPr b="1" lang="en" sz="2400"/>
+              <a:t>Knapsack Problem</a:t>
+            </a:r>
+            <a:r>
+              <a:rPr lang="en" sz="2400"/>
+              <a:t>: Selecting a Lineup</a:t>
+            </a:r>
           </a:p>
         </p:txBody>
       </p:sp>
       <p:pic>
         <p:nvPicPr>
-          <p:cNvPr descr="Screen Shot 2017-03-27 at 7.22.49 PM.png" id="160" name="Shape 160"/>
+          <p:cNvPr id="160" name="Shape 160"/>
           <p:cNvPicPr preferRelativeResize="0"/>
           <p:nvPr/>
         </p:nvPicPr>
@@ -7431,8 +7886,8 @@
         </p:blipFill>
         <p:spPr>
           <a:xfrm>
-            <a:off x="2065024" y="1069625"/>
-            <a:ext cx="4754524" cy="3724950"/>
+            <a:off x="2562234" y="1323122"/>
+            <a:ext cx="4019524" cy="3075099"/>
           </a:xfrm>
           <a:prstGeom prst="rect">
             <a:avLst/>
@@ -7451,7 +7906,7 @@
 </p:sld>
 </file>
 
-<file path=ppt/slides/slide16.xml><?xml version="1.0" encoding="utf-8"?>
+<file path=ppt/slides/slide17.xml><?xml version="1.0" encoding="utf-8"?>
 <p:sld xmlns:a="http://schemas.openxmlformats.org/drawingml/2006/main" xmlns:r="http://schemas.openxmlformats.org/officeDocument/2006/relationships" xmlns:mc="http://schemas.openxmlformats.org/markup-compatibility/2006" xmlns:mv="urn:schemas-microsoft-com:mac:vml" xmlns:p="http://schemas.openxmlformats.org/presentationml/2006/main" xmlns:c="http://schemas.openxmlformats.org/drawingml/2006/chart" xmlns:dgm="http://schemas.openxmlformats.org/drawingml/2006/diagram" xmlns:o="urn:schemas-microsoft-com:office:office" xmlns:v="urn:schemas-microsoft-com:vml" xmlns:pvml="urn:schemas-microsoft-com:office:powerpoint" xmlns:com="http://schemas.openxmlformats.org/drawingml/2006/compatibility" xmlns:p14="http://schemas.microsoft.com/office/powerpoint/2010/main">
   <p:cSld>
     <p:spTree>
@@ -7499,11 +7954,7 @@
             </a:pPr>
             <a:r>
               <a:rPr b="1" lang="en" sz="2400"/>
-              <a:t>Knapsack Problem</a:t>
-            </a:r>
-            <a:r>
-              <a:rPr lang="en" sz="2400"/>
-              <a:t>: Selecting a Lineup </a:t>
+              <a:t>Greedy Algorithm</a:t>
             </a:r>
           </a:p>
         </p:txBody>
@@ -7538,15 +7989,193 @@
               <a:buNone/>
             </a:pPr>
             <a:r>
+              <a:t/>
+            </a:r>
+            <a:endParaRPr/>
+          </a:p>
+          <a:p>
+            <a:pPr lvl="0">
+              <a:spcBef>
+                <a:spcPts val="0"/>
+              </a:spcBef>
+              <a:buNone/>
+            </a:pPr>
+            <a:r>
+              <a:t/>
+            </a:r>
+            <a:endParaRPr/>
+          </a:p>
+          <a:p>
+            <a:pPr lvl="0">
+              <a:spcBef>
+                <a:spcPts val="0"/>
+              </a:spcBef>
+              <a:buNone/>
+            </a:pPr>
+            <a:r>
+              <a:t/>
+            </a:r>
+            <a:endParaRPr/>
+          </a:p>
+          <a:p>
+            <a:pPr lvl="0" rtl="0">
+              <a:spcBef>
+                <a:spcPts val="0"/>
+              </a:spcBef>
+              <a:buNone/>
+            </a:pPr>
+            <a:r>
               <a:rPr lang="en"/>
-              <a:t>Example Lineups: </a:t>
-            </a:r>
+              <a:t> </a:t>
+            </a:r>
+          </a:p>
+          <a:p>
+            <a:pPr indent="-304800" lvl="0" marL="457200" rtl="0">
+              <a:spcBef>
+                <a:spcPts val="0"/>
+              </a:spcBef>
+              <a:spcAft>
+                <a:spcPts val="0"/>
+              </a:spcAft>
+              <a:buClr>
+                <a:srgbClr val="000000"/>
+              </a:buClr>
+              <a:buSzPct val="100000"/>
+              <a:buChar char="-"/>
+            </a:pPr>
+            <a:r>
+              <a:rPr lang="en" sz="1200">
+                <a:solidFill>
+                  <a:srgbClr val="000000"/>
+                </a:solidFill>
+                <a:highlight>
+                  <a:srgbClr val="FFFFFF"/>
+                </a:highlight>
+              </a:rPr>
+              <a:t>Define a class of players</a:t>
+            </a:r>
+          </a:p>
+          <a:p>
+            <a:pPr indent="-304800" lvl="0" marL="457200" rtl="0">
+              <a:spcBef>
+                <a:spcPts val="0"/>
+              </a:spcBef>
+              <a:spcAft>
+                <a:spcPts val="0"/>
+              </a:spcAft>
+              <a:buClr>
+                <a:srgbClr val="000000"/>
+              </a:buClr>
+              <a:buSzPct val="100000"/>
+              <a:buChar char="-"/>
+            </a:pPr>
+            <a:r>
+              <a:rPr lang="en" sz="1200">
+                <a:solidFill>
+                  <a:srgbClr val="000000"/>
+                </a:solidFill>
+                <a:highlight>
+                  <a:srgbClr val="FFFFFF"/>
+                </a:highlight>
+              </a:rPr>
+              <a:t>Set the limit of positions and of budget</a:t>
+            </a:r>
+          </a:p>
+          <a:p>
+            <a:pPr indent="-304800" lvl="0" marL="457200" rtl="0">
+              <a:spcBef>
+                <a:spcPts val="0"/>
+              </a:spcBef>
+              <a:spcAft>
+                <a:spcPts val="0"/>
+              </a:spcAft>
+              <a:buClr>
+                <a:srgbClr val="000000"/>
+              </a:buClr>
+              <a:buSzPct val="100000"/>
+              <a:buChar char="-"/>
+            </a:pPr>
+            <a:r>
+              <a:rPr lang="en" sz="1200">
+                <a:solidFill>
+                  <a:srgbClr val="000000"/>
+                </a:solidFill>
+                <a:highlight>
+                  <a:srgbClr val="FFFFFF"/>
+                </a:highlight>
+              </a:rPr>
+              <a:t>Limit not reached =&gt; Include the available player with the largest points</a:t>
+            </a:r>
+          </a:p>
+          <a:p>
+            <a:pPr indent="-304800" lvl="0" marL="457200" rtl="0">
+              <a:spcBef>
+                <a:spcPts val="0"/>
+              </a:spcBef>
+              <a:spcAft>
+                <a:spcPts val="0"/>
+              </a:spcAft>
+              <a:buClr>
+                <a:srgbClr val="000000"/>
+              </a:buClr>
+              <a:buSzPct val="100000"/>
+              <a:buChar char="-"/>
+            </a:pPr>
+            <a:r>
+              <a:rPr lang="en" sz="1200">
+                <a:solidFill>
+                  <a:srgbClr val="000000"/>
+                </a:solidFill>
+                <a:highlight>
+                  <a:srgbClr val="FFFFFF"/>
+                </a:highlight>
+              </a:rPr>
+              <a:t>Points here are the estimated points using two TS models</a:t>
+            </a:r>
+          </a:p>
+          <a:p>
+            <a:pPr indent="-304800" lvl="0" marL="457200" rtl="0">
+              <a:spcBef>
+                <a:spcPts val="0"/>
+              </a:spcBef>
+              <a:spcAft>
+                <a:spcPts val="0"/>
+              </a:spcAft>
+              <a:buClr>
+                <a:srgbClr val="000000"/>
+              </a:buClr>
+              <a:buSzPct val="100000"/>
+              <a:buChar char="-"/>
+            </a:pPr>
+            <a:r>
+              <a:rPr lang="en" sz="1200">
+                <a:solidFill>
+                  <a:srgbClr val="000000"/>
+                </a:solidFill>
+                <a:highlight>
+                  <a:srgbClr val="FFFFFF"/>
+                </a:highlight>
+              </a:rPr>
+              <a:t>Second model (EWMA) performed slightly better for recent games</a:t>
+            </a:r>
+          </a:p>
+          <a:p>
+            <a:pPr lvl="0">
+              <a:spcBef>
+                <a:spcPts val="0"/>
+              </a:spcBef>
+              <a:buNone/>
+            </a:pPr>
+            <a:r>
+              <a:t/>
+            </a:r>
+            <a:endParaRPr/>
           </a:p>
         </p:txBody>
       </p:sp>
       <p:pic>
         <p:nvPicPr>
-          <p:cNvPr descr="Screen Shot 2017-03-27 at 5.45.49 PM.png" id="167" name="Shape 167"/>
+          <p:cNvPr descr="Screen Shot 2017-03-27 at 7.07.19 PM.png" id="167" name="Shape 167"/>
           <p:cNvPicPr preferRelativeResize="0"/>
           <p:nvPr/>
         </p:nvPicPr>
@@ -7560,8 +8189,8 @@
         </p:blipFill>
         <p:spPr>
           <a:xfrm>
-            <a:off x="2345400" y="1317799"/>
-            <a:ext cx="6131053" cy="3416400"/>
+            <a:off x="2530924" y="1152475"/>
+            <a:ext cx="6301375" cy="2317074"/>
           </a:xfrm>
           <a:prstGeom prst="rect">
             <a:avLst/>
@@ -7580,7 +8209,7 @@
 </p:sld>
 </file>
 
-<file path=ppt/slides/slide17.xml><?xml version="1.0" encoding="utf-8"?>
+<file path=ppt/slides/slide18.xml><?xml version="1.0" encoding="utf-8"?>
 <p:sld xmlns:a="http://schemas.openxmlformats.org/drawingml/2006/main" xmlns:r="http://schemas.openxmlformats.org/officeDocument/2006/relationships" xmlns:mc="http://schemas.openxmlformats.org/markup-compatibility/2006" xmlns:mv="urn:schemas-microsoft-com:mac:vml" xmlns:p="http://schemas.openxmlformats.org/presentationml/2006/main" xmlns:c="http://schemas.openxmlformats.org/drawingml/2006/chart" xmlns:dgm="http://schemas.openxmlformats.org/drawingml/2006/diagram" xmlns:o="urn:schemas-microsoft-com:office:office" xmlns:v="urn:schemas-microsoft-com:vml" xmlns:pvml="urn:schemas-microsoft-com:office:powerpoint" xmlns:com="http://schemas.openxmlformats.org/drawingml/2006/compatibility" xmlns:p14="http://schemas.microsoft.com/office/powerpoint/2010/main">
   <p:cSld>
     <p:spTree>
@@ -7628,87 +8257,39 @@
             </a:pPr>
             <a:r>
               <a:rPr b="1" lang="en" sz="2400"/>
-              <a:t>Web App</a:t>
-            </a:r>
-            <a:r>
-              <a:rPr lang="en" sz="2400"/>
-              <a:t>:  Name in Progress</a:t>
+              <a:t>Genetic Algorithm</a:t>
             </a:r>
           </a:p>
         </p:txBody>
       </p:sp>
-      <p:sp>
-        <p:nvSpPr>
+      <p:pic>
+        <p:nvPicPr>
           <p:cNvPr id="173" name="Shape 173"/>
-          <p:cNvSpPr txBox="1"/>
-          <p:nvPr>
-            <p:ph idx="1" type="body"/>
-          </p:nvPr>
-        </p:nvSpPr>
-        <p:spPr>
-          <a:xfrm>
-            <a:off x="311700" y="1152475"/>
-            <a:ext cx="8520600" cy="3416400"/>
-          </a:xfrm>
-          <a:prstGeom prst="rect">
-            <a:avLst/>
-          </a:prstGeom>
-        </p:spPr>
-        <p:txBody>
-          <a:bodyPr anchorCtr="0" anchor="t" bIns="91425" lIns="91425" rIns="91425" tIns="91425">
-            <a:noAutofit/>
-          </a:bodyPr>
-          <a:lstStyle/>
-          <a:p>
-            <a:pPr lvl="0" rtl="0" algn="ctr">
-              <a:spcBef>
-                <a:spcPts val="0"/>
-              </a:spcBef>
-              <a:buNone/>
-            </a:pPr>
-            <a:r>
-              <a:rPr lang="en"/>
-              <a:t>Live Demo</a:t>
-            </a:r>
-          </a:p>
-          <a:p>
-            <a:pPr lvl="0" rtl="0" algn="ctr">
-              <a:spcBef>
-                <a:spcPts val="0"/>
-              </a:spcBef>
-              <a:buNone/>
-            </a:pPr>
-            <a:r>
-              <a:t/>
-            </a:r>
-            <a:endParaRPr/>
-          </a:p>
-          <a:p>
-            <a:pPr lvl="0" rtl="0" algn="ctr">
-              <a:spcBef>
-                <a:spcPts val="0"/>
-              </a:spcBef>
-              <a:buNone/>
-            </a:pPr>
-            <a:r>
-              <a:t/>
-            </a:r>
-            <a:endParaRPr/>
-          </a:p>
-          <a:p>
-            <a:pPr lvl="0" algn="ctr">
-              <a:spcBef>
-                <a:spcPts val="0"/>
-              </a:spcBef>
-              <a:buNone/>
-            </a:pPr>
-            <a:r>
-              <a:rPr lang="en"/>
-              <a:t>[Place Pic Here]</a:t>
-            </a:r>
-          </a:p>
-        </p:txBody>
-      </p:sp>
+          <p:cNvPicPr preferRelativeResize="0"/>
+          <p:nvPr/>
+        </p:nvPicPr>
+        <p:blipFill>
+          <a:blip r:embed="rId3">
+            <a:alphaModFix/>
+          </a:blip>
+          <a:stretch>
+            <a:fillRect/>
+          </a:stretch>
+        </p:blipFill>
+        <p:spPr>
+          <a:xfrm>
+            <a:off x="1669950" y="1017725"/>
+            <a:ext cx="5224774" cy="4020150"/>
+          </a:xfrm>
+          <a:prstGeom prst="rect">
+            <a:avLst/>
+          </a:prstGeom>
+          <a:noFill/>
+          <a:ln>
+            <a:noFill/>
+          </a:ln>
+        </p:spPr>
+      </p:pic>
     </p:spTree>
   </p:cSld>
   <p:clrMapOvr>
@@ -7717,7 +8298,7 @@
 </p:sld>
 </file>
 
-<file path=ppt/slides/slide18.xml><?xml version="1.0" encoding="utf-8"?>
+<file path=ppt/slides/slide19.xml><?xml version="1.0" encoding="utf-8"?>
 <p:sld xmlns:a="http://schemas.openxmlformats.org/drawingml/2006/main" xmlns:r="http://schemas.openxmlformats.org/officeDocument/2006/relationships" xmlns:mc="http://schemas.openxmlformats.org/markup-compatibility/2006" xmlns:mv="urn:schemas-microsoft-com:mac:vml" xmlns:p="http://schemas.openxmlformats.org/presentationml/2006/main" xmlns:c="http://schemas.openxmlformats.org/drawingml/2006/chart" xmlns:dgm="http://schemas.openxmlformats.org/drawingml/2006/diagram" xmlns:o="urn:schemas-microsoft-com:office:office" xmlns:v="urn:schemas-microsoft-com:vml" xmlns:pvml="urn:schemas-microsoft-com:office:powerpoint" xmlns:com="http://schemas.openxmlformats.org/drawingml/2006/compatibility" xmlns:p14="http://schemas.microsoft.com/office/powerpoint/2010/main">
   <p:cSld>
     <p:spTree>
@@ -7765,7 +8346,11 @@
             </a:pPr>
             <a:r>
               <a:rPr b="1" lang="en" sz="2400"/>
-              <a:t>Future Work</a:t>
+              <a:t>Knapsack Problem</a:t>
+            </a:r>
+            <a:r>
+              <a:rPr lang="en" sz="2400"/>
+              <a:t>: Selecting a Lineup </a:t>
             </a:r>
           </a:p>
         </p:txBody>
@@ -7793,127 +8378,47 @@
           </a:bodyPr>
           <a:lstStyle/>
           <a:p>
-            <a:pPr indent="-228600" lvl="0" marL="457200" rtl="0">
-              <a:spcBef>
-                <a:spcPts val="0"/>
-              </a:spcBef>
-              <a:buChar char="-"/>
+            <a:pPr lvl="0">
+              <a:spcBef>
+                <a:spcPts val="0"/>
+              </a:spcBef>
+              <a:buNone/>
             </a:pPr>
             <a:r>
               <a:rPr lang="en"/>
-              <a:t>Make predictions applicable to other daily fantasy games</a:t>
-            </a:r>
-          </a:p>
-          <a:p>
-            <a:pPr indent="-228600" lvl="0" marL="457200" rtl="0">
-              <a:spcBef>
-                <a:spcPts val="0"/>
-              </a:spcBef>
-              <a:buChar char="-"/>
-            </a:pPr>
-            <a:r>
-              <a:rPr lang="en"/>
-              <a:t>Advanced Features</a:t>
-            </a:r>
-          </a:p>
-          <a:p>
-            <a:pPr indent="-228600" lvl="1" marL="914400" rtl="0">
-              <a:spcBef>
-                <a:spcPts val="0"/>
-              </a:spcBef>
-              <a:buChar char="-"/>
-            </a:pPr>
-            <a:r>
-              <a:rPr lang="en"/>
-              <a:t>Incorporate and create more advanced stats </a:t>
-            </a:r>
-          </a:p>
-          <a:p>
-            <a:pPr indent="-228600" lvl="1" marL="914400" rtl="0">
-              <a:spcBef>
-                <a:spcPts val="0"/>
-              </a:spcBef>
-              <a:buChar char="-"/>
-            </a:pPr>
-            <a:r>
-              <a:rPr lang="en"/>
-              <a:t>Include features not directly related to the game (player and team news)</a:t>
-            </a:r>
-          </a:p>
-          <a:p>
-            <a:pPr indent="-228600" lvl="0" marL="457200" rtl="0">
-              <a:spcBef>
-                <a:spcPts val="0"/>
-              </a:spcBef>
-              <a:buChar char="-"/>
-            </a:pPr>
-            <a:r>
-              <a:rPr lang="en"/>
-              <a:t>Incorporate more models</a:t>
-            </a:r>
-          </a:p>
-          <a:p>
-            <a:pPr indent="-228600" lvl="1" marL="914400" rtl="0">
-              <a:spcBef>
-                <a:spcPts val="0"/>
-              </a:spcBef>
-              <a:buChar char="-"/>
-            </a:pPr>
-            <a:r>
-              <a:rPr lang="en"/>
-              <a:t>Recommendation system?</a:t>
-            </a:r>
-          </a:p>
-          <a:p>
-            <a:pPr indent="-228600" lvl="0" marL="457200" rtl="0">
-              <a:spcBef>
-                <a:spcPts val="0"/>
-              </a:spcBef>
-              <a:buChar char="-"/>
-            </a:pPr>
-            <a:r>
-              <a:rPr lang="en"/>
-              <a:t>Testing and Tuning</a:t>
-            </a:r>
-          </a:p>
-          <a:p>
-            <a:pPr indent="-228600" lvl="0" marL="457200" rtl="0">
-              <a:spcBef>
-                <a:spcPts val="0"/>
-              </a:spcBef>
-              <a:buChar char="-"/>
-            </a:pPr>
-            <a:r>
-              <a:rPr lang="en"/>
-              <a:t>Improve web app</a:t>
-            </a:r>
-          </a:p>
-          <a:p>
-            <a:pPr indent="-228600" lvl="1" marL="914400" rtl="0">
-              <a:spcBef>
-                <a:spcPts val="0"/>
-              </a:spcBef>
-              <a:buChar char="-"/>
-            </a:pPr>
-            <a:r>
-              <a:rPr lang="en"/>
-              <a:t>Make front end design more aesthetically pleasing</a:t>
-            </a:r>
-          </a:p>
-          <a:p>
-            <a:pPr indent="-228600" lvl="1" marL="914400" rtl="0">
-              <a:spcBef>
-                <a:spcPts val="0"/>
-              </a:spcBef>
-              <a:buChar char="-"/>
-            </a:pPr>
-            <a:r>
-              <a:rPr lang="en"/>
-              <a:t>Have the data automatically update daily on a server</a:t>
+              <a:t>Example Lineups: </a:t>
             </a:r>
           </a:p>
         </p:txBody>
       </p:sp>
+      <p:pic>
+        <p:nvPicPr>
+          <p:cNvPr descr="Screen Shot 2017-03-27 at 5.45.49 PM.png" id="180" name="Shape 180"/>
+          <p:cNvPicPr preferRelativeResize="0"/>
+          <p:nvPr/>
+        </p:nvPicPr>
+        <p:blipFill>
+          <a:blip r:embed="rId3">
+            <a:alphaModFix/>
+          </a:blip>
+          <a:stretch>
+            <a:fillRect/>
+          </a:stretch>
+        </p:blipFill>
+        <p:spPr>
+          <a:xfrm>
+            <a:off x="2345400" y="1317799"/>
+            <a:ext cx="6131053" cy="3416400"/>
+          </a:xfrm>
+          <a:prstGeom prst="rect">
+            <a:avLst/>
+          </a:prstGeom>
+          <a:noFill/>
+          <a:ln>
+            <a:noFill/>
+          </a:ln>
+        </p:spPr>
+      </p:pic>
     </p:spTree>
   </p:cSld>
   <p:clrMapOvr>
@@ -7969,12 +8474,8 @@
               <a:buNone/>
             </a:pPr>
             <a:r>
-              <a:rPr b="1" lang="en" sz="2400"/>
-              <a:t>NBA on DraftKings</a:t>
-            </a:r>
-            <a:r>
-              <a:rPr lang="en" sz="2400"/>
-              <a:t>: Fantasy Points</a:t>
+              <a:rPr b="1" lang="en"/>
+              <a:t>Agenda</a:t>
             </a:r>
           </a:p>
         </p:txBody>
@@ -8002,27 +8503,360 @@
           </a:bodyPr>
           <a:lstStyle/>
           <a:p>
+            <a:pPr indent="-228600" lvl="0" marL="457200" rtl="0">
+              <a:spcBef>
+                <a:spcPts val="0"/>
+              </a:spcBef>
+              <a:buChar char="-"/>
+            </a:pPr>
+            <a:r>
+              <a:rPr lang="en"/>
+              <a:t>What is Fantasy Sports?</a:t>
+            </a:r>
+          </a:p>
+          <a:p>
+            <a:pPr indent="-228600" lvl="1" marL="914400" rtl="0">
+              <a:spcBef>
+                <a:spcPts val="0"/>
+              </a:spcBef>
+              <a:buChar char="-"/>
+            </a:pPr>
+            <a:r>
+              <a:rPr lang="en"/>
+              <a:t>Traditional vs DFS</a:t>
+            </a:r>
+          </a:p>
+          <a:p>
+            <a:pPr indent="-228600" lvl="0" marL="457200" rtl="0">
+              <a:spcBef>
+                <a:spcPts val="0"/>
+              </a:spcBef>
+              <a:buChar char="-"/>
+            </a:pPr>
+            <a:r>
+              <a:rPr lang="en"/>
+              <a:t>Draft Kings</a:t>
+            </a:r>
+          </a:p>
+          <a:p>
+            <a:pPr indent="-228600" lvl="1" marL="914400" rtl="0">
+              <a:spcBef>
+                <a:spcPts val="0"/>
+              </a:spcBef>
+              <a:buChar char="-"/>
+            </a:pPr>
+            <a:r>
+              <a:rPr lang="en"/>
+              <a:t>Rules and User Statistics</a:t>
+            </a:r>
+          </a:p>
+          <a:p>
+            <a:pPr indent="-228600" lvl="0" marL="457200" rtl="0">
+              <a:spcBef>
+                <a:spcPts val="0"/>
+              </a:spcBef>
+              <a:buChar char="-"/>
+            </a:pPr>
+            <a:r>
+              <a:rPr lang="en"/>
+              <a:t>EDA</a:t>
+            </a:r>
+          </a:p>
+          <a:p>
+            <a:pPr indent="-228600" lvl="0" marL="457200" rtl="0">
+              <a:spcBef>
+                <a:spcPts val="0"/>
+              </a:spcBef>
+              <a:buChar char="-"/>
+            </a:pPr>
+            <a:r>
+              <a:rPr lang="en"/>
+              <a:t>Modeling and Predictions</a:t>
+            </a:r>
+          </a:p>
+          <a:p>
+            <a:pPr indent="-228600" lvl="1" marL="914400" rtl="0">
+              <a:spcBef>
+                <a:spcPts val="0"/>
+              </a:spcBef>
+              <a:buChar char="-"/>
+            </a:pPr>
+            <a:r>
+              <a:rPr lang="en"/>
+              <a:t>Features, XGBoost, Bayesian Optimization, </a:t>
+            </a:r>
+            <a:r>
+              <a:rPr lang="en"/>
+              <a:t>Time Series, Stacking</a:t>
+            </a:r>
+          </a:p>
+          <a:p>
+            <a:pPr indent="-228600" lvl="0" marL="457200" rtl="0">
+              <a:spcBef>
+                <a:spcPts val="0"/>
+              </a:spcBef>
+              <a:buChar char="-"/>
+            </a:pPr>
+            <a:r>
+              <a:rPr lang="en"/>
+              <a:t>Knapsack Problem</a:t>
+            </a:r>
+          </a:p>
+          <a:p>
+            <a:pPr indent="-228600" lvl="1" marL="914400" rtl="0">
+              <a:spcBef>
+                <a:spcPts val="0"/>
+              </a:spcBef>
+              <a:buChar char="-"/>
+            </a:pPr>
+            <a:r>
+              <a:rPr lang="en"/>
+              <a:t>Greedy Algorithm, Genetic Algorithm</a:t>
+            </a:r>
+          </a:p>
+          <a:p>
+            <a:pPr indent="-228600" lvl="0" marL="457200" rtl="0">
+              <a:spcBef>
+                <a:spcPts val="0"/>
+              </a:spcBef>
+              <a:buChar char="-"/>
+            </a:pPr>
+            <a:r>
+              <a:rPr lang="en"/>
+              <a:t>Results</a:t>
+            </a:r>
+          </a:p>
+          <a:p>
+            <a:pPr indent="-228600" lvl="0" marL="457200" rtl="0">
+              <a:spcBef>
+                <a:spcPts val="0"/>
+              </a:spcBef>
+              <a:buChar char="-"/>
+            </a:pPr>
+            <a:r>
+              <a:rPr lang="en"/>
+              <a:t>Future Improvements</a:t>
+            </a:r>
+          </a:p>
+        </p:txBody>
+      </p:sp>
+    </p:spTree>
+  </p:cSld>
+  <p:clrMapOvr>
+    <a:masterClrMapping/>
+  </p:clrMapOvr>
+</p:sld>
+</file>
+
+<file path=ppt/slides/slide20.xml><?xml version="1.0" encoding="utf-8"?>
+<p:sld xmlns:a="http://schemas.openxmlformats.org/drawingml/2006/main" xmlns:r="http://schemas.openxmlformats.org/officeDocument/2006/relationships" xmlns:mc="http://schemas.openxmlformats.org/markup-compatibility/2006" xmlns:mv="urn:schemas-microsoft-com:mac:vml" xmlns:p="http://schemas.openxmlformats.org/presentationml/2006/main" xmlns:c="http://schemas.openxmlformats.org/drawingml/2006/chart" xmlns:dgm="http://schemas.openxmlformats.org/drawingml/2006/diagram" xmlns:o="urn:schemas-microsoft-com:office:office" xmlns:v="urn:schemas-microsoft-com:vml" xmlns:pvml="urn:schemas-microsoft-com:office:powerpoint" xmlns:com="http://schemas.openxmlformats.org/drawingml/2006/compatibility" xmlns:p14="http://schemas.microsoft.com/office/powerpoint/2010/main">
+  <p:cSld>
+    <p:spTree>
+      <p:nvGrpSpPr>
+        <p:cNvPr id="184" name="Shape 184"/>
+        <p:cNvGrpSpPr/>
+        <p:nvPr/>
+      </p:nvGrpSpPr>
+      <p:grpSpPr>
+        <a:xfrm>
+          <a:off x="0" y="0"/>
+          <a:ext cx="0" cy="0"/>
+          <a:chOff x="0" y="0"/>
+          <a:chExt cx="0" cy="0"/>
+        </a:xfrm>
+      </p:grpSpPr>
+      <p:pic>
+        <p:nvPicPr>
+          <p:cNvPr id="185" name="Shape 185"/>
+          <p:cNvPicPr preferRelativeResize="0"/>
+          <p:nvPr/>
+        </p:nvPicPr>
+        <p:blipFill>
+          <a:blip r:embed="rId3">
+            <a:alphaModFix/>
+          </a:blip>
+          <a:stretch>
+            <a:fillRect/>
+          </a:stretch>
+        </p:blipFill>
+        <p:spPr>
+          <a:xfrm>
+            <a:off x="405050" y="2001350"/>
+            <a:ext cx="3668830" cy="2561749"/>
+          </a:xfrm>
+          <a:prstGeom prst="rect">
+            <a:avLst/>
+          </a:prstGeom>
+          <a:noFill/>
+          <a:ln>
+            <a:noFill/>
+          </a:ln>
+        </p:spPr>
+      </p:pic>
+      <p:sp>
+        <p:nvSpPr>
+          <p:cNvPr id="186" name="Shape 186"/>
+          <p:cNvSpPr txBox="1"/>
+          <p:nvPr>
+            <p:ph type="title"/>
+          </p:nvPr>
+        </p:nvSpPr>
+        <p:spPr>
+          <a:xfrm>
+            <a:off x="311700" y="445025"/>
+            <a:ext cx="8520600" cy="572700"/>
+          </a:xfrm>
+          <a:prstGeom prst="rect">
+            <a:avLst/>
+          </a:prstGeom>
+        </p:spPr>
+        <p:txBody>
+          <a:bodyPr anchorCtr="0" anchor="t" bIns="91425" lIns="91425" rIns="91425" tIns="91425">
+            <a:noAutofit/>
+          </a:bodyPr>
+          <a:lstStyle/>
+          <a:p>
+            <a:pPr lvl="0">
+              <a:spcBef>
+                <a:spcPts val="0"/>
+              </a:spcBef>
+              <a:buNone/>
+            </a:pPr>
+            <a:r>
+              <a:rPr b="1" lang="en"/>
+              <a:t>Records</a:t>
+            </a:r>
+          </a:p>
+        </p:txBody>
+      </p:sp>
+      <p:sp>
+        <p:nvSpPr>
+          <p:cNvPr id="187" name="Shape 187"/>
+          <p:cNvSpPr txBox="1"/>
+          <p:nvPr/>
+        </p:nvSpPr>
+        <p:spPr>
+          <a:xfrm>
+            <a:off x="890600" y="3553975"/>
+            <a:ext cx="860700" cy="200100"/>
+          </a:xfrm>
+          <a:prstGeom prst="rect">
+            <a:avLst/>
+          </a:prstGeom>
+          <a:noFill/>
+          <a:ln>
+            <a:noFill/>
+          </a:ln>
+        </p:spPr>
+        <p:txBody>
+          <a:bodyPr anchorCtr="0" anchor="t" bIns="91425" lIns="91425" rIns="91425" tIns="91425">
+            <a:noAutofit/>
+          </a:bodyPr>
+          <a:lstStyle/>
+          <a:p>
+            <a:pPr lvl="0">
+              <a:spcBef>
+                <a:spcPts val="0"/>
+              </a:spcBef>
+              <a:buNone/>
+            </a:pPr>
+            <a:r>
+              <a:rPr lang="en"/>
+              <a:t>-$8.00</a:t>
+            </a:r>
+          </a:p>
+        </p:txBody>
+      </p:sp>
+      <p:sp>
+        <p:nvSpPr>
+          <p:cNvPr id="188" name="Shape 188"/>
+          <p:cNvSpPr txBox="1"/>
+          <p:nvPr/>
+        </p:nvSpPr>
+        <p:spPr>
+          <a:xfrm>
+            <a:off x="2906400" y="1801250"/>
+            <a:ext cx="860700" cy="200100"/>
+          </a:xfrm>
+          <a:prstGeom prst="rect">
+            <a:avLst/>
+          </a:prstGeom>
+          <a:noFill/>
+          <a:ln>
+            <a:noFill/>
+          </a:ln>
+        </p:spPr>
+        <p:txBody>
+          <a:bodyPr anchorCtr="0" anchor="t" bIns="91425" lIns="91425" rIns="91425" tIns="91425">
+            <a:noAutofit/>
+          </a:bodyPr>
+          <a:lstStyle/>
+          <a:p>
             <a:pPr lvl="0" rtl="0">
-              <a:lnSpc>
-                <a:spcPct val="110000"/>
-              </a:lnSpc>
-              <a:spcBef>
-                <a:spcPts val="1500"/>
-              </a:spcBef>
-              <a:spcAft>
-                <a:spcPts val="800"/>
-              </a:spcAft>
-              <a:buNone/>
-            </a:pPr>
-            <a:r>
-              <a:rPr lang="en" u="sng">
-                <a:solidFill>
-                  <a:srgbClr val="2E2E2E"/>
-                </a:solidFill>
-              </a:rPr>
-              <a:t>SCORING RULES</a:t>
-            </a:r>
-          </a:p>
+              <a:spcBef>
+                <a:spcPts val="0"/>
+              </a:spcBef>
+              <a:buNone/>
+            </a:pPr>
+            <a:r>
+              <a:rPr lang="en"/>
+              <a:t>$27.00</a:t>
+            </a:r>
+          </a:p>
+        </p:txBody>
+      </p:sp>
+      <p:pic>
+        <p:nvPicPr>
+          <p:cNvPr id="189" name="Shape 189"/>
+          <p:cNvPicPr preferRelativeResize="0"/>
+          <p:nvPr/>
+        </p:nvPicPr>
+        <p:blipFill>
+          <a:blip r:embed="rId4">
+            <a:alphaModFix/>
+          </a:blip>
+          <a:stretch>
+            <a:fillRect/>
+          </a:stretch>
+        </p:blipFill>
+        <p:spPr>
+          <a:xfrm>
+            <a:off x="4737545" y="2001350"/>
+            <a:ext cx="3718202" cy="2561749"/>
+          </a:xfrm>
+          <a:prstGeom prst="rect">
+            <a:avLst/>
+          </a:prstGeom>
+          <a:noFill/>
+          <a:ln>
+            <a:noFill/>
+          </a:ln>
+        </p:spPr>
+      </p:pic>
+      <p:sp>
+        <p:nvSpPr>
+          <p:cNvPr id="190" name="Shape 190"/>
+          <p:cNvSpPr txBox="1"/>
+          <p:nvPr/>
+        </p:nvSpPr>
+        <p:spPr>
+          <a:xfrm>
+            <a:off x="5374425" y="3354550"/>
+            <a:ext cx="860700" cy="200100"/>
+          </a:xfrm>
+          <a:prstGeom prst="rect">
+            <a:avLst/>
+          </a:prstGeom>
+          <a:noFill/>
+          <a:ln>
+            <a:noFill/>
+          </a:ln>
+        </p:spPr>
+        <p:txBody>
+          <a:bodyPr anchorCtr="0" anchor="t" bIns="91425" lIns="91425" rIns="91425" tIns="91425">
+            <a:noAutofit/>
+          </a:bodyPr>
+          <a:lstStyle/>
           <a:p>
             <a:pPr lvl="0" rtl="0">
               <a:spcBef>
@@ -8031,235 +8865,694 @@
               <a:buNone/>
             </a:pPr>
             <a:r>
-              <a:rPr lang="en" sz="1050">
-                <a:solidFill>
-                  <a:srgbClr val="333333"/>
-                </a:solidFill>
-                <a:highlight>
-                  <a:srgbClr val="FFFFFF"/>
-                </a:highlight>
-              </a:rPr>
-              <a:t>Players will accumulate points as follows:</a:t>
-            </a:r>
-          </a:p>
-          <a:p>
-            <a:pPr indent="-295275" lvl="0" marL="457200" rtl="0">
-              <a:spcBef>
-                <a:spcPts val="0"/>
-              </a:spcBef>
-              <a:buClr>
-                <a:srgbClr val="333333"/>
-              </a:buClr>
-              <a:buSzPct val="95454"/>
+              <a:rPr lang="en"/>
+              <a:t>-</a:t>
+            </a:r>
+            <a:r>
+              <a:rPr lang="en"/>
+              <a:t>$8.00</a:t>
+            </a:r>
+          </a:p>
+        </p:txBody>
+      </p:sp>
+      <p:sp>
+        <p:nvSpPr>
+          <p:cNvPr id="191" name="Shape 191"/>
+          <p:cNvSpPr txBox="1"/>
+          <p:nvPr/>
+        </p:nvSpPr>
+        <p:spPr>
+          <a:xfrm>
+            <a:off x="7191825" y="1801250"/>
+            <a:ext cx="860700" cy="200100"/>
+          </a:xfrm>
+          <a:prstGeom prst="rect">
+            <a:avLst/>
+          </a:prstGeom>
+          <a:noFill/>
+          <a:ln>
+            <a:noFill/>
+          </a:ln>
+        </p:spPr>
+        <p:txBody>
+          <a:bodyPr anchorCtr="0" anchor="t" bIns="91425" lIns="91425" rIns="91425" tIns="91425">
+            <a:noAutofit/>
+          </a:bodyPr>
+          <a:lstStyle/>
+          <a:p>
+            <a:pPr lvl="0" rtl="0">
+              <a:spcBef>
+                <a:spcPts val="0"/>
+              </a:spcBef>
+              <a:buNone/>
+            </a:pPr>
+            <a:r>
+              <a:rPr lang="en"/>
+              <a:t>$18.60</a:t>
+            </a:r>
+          </a:p>
+        </p:txBody>
+      </p:sp>
+      <p:pic>
+        <p:nvPicPr>
+          <p:cNvPr id="192" name="Shape 192"/>
+          <p:cNvPicPr preferRelativeResize="0"/>
+          <p:nvPr/>
+        </p:nvPicPr>
+        <p:blipFill>
+          <a:blip r:embed="rId5">
+            <a:alphaModFix/>
+          </a:blip>
+          <a:stretch>
+            <a:fillRect/>
+          </a:stretch>
+        </p:blipFill>
+        <p:spPr>
+          <a:xfrm>
+            <a:off x="605196" y="1173024"/>
+            <a:ext cx="2087327" cy="908374"/>
+          </a:xfrm>
+          <a:prstGeom prst="rect">
+            <a:avLst/>
+          </a:prstGeom>
+          <a:noFill/>
+          <a:ln>
+            <a:noFill/>
+          </a:ln>
+        </p:spPr>
+      </p:pic>
+      <p:sp>
+        <p:nvSpPr>
+          <p:cNvPr id="193" name="Shape 193"/>
+          <p:cNvSpPr txBox="1"/>
+          <p:nvPr/>
+        </p:nvSpPr>
+        <p:spPr>
+          <a:xfrm>
+            <a:off x="651125" y="2081400"/>
+            <a:ext cx="860700" cy="408900"/>
+          </a:xfrm>
+          <a:prstGeom prst="rect">
+            <a:avLst/>
+          </a:prstGeom>
+          <a:noFill/>
+          <a:ln>
+            <a:noFill/>
+          </a:ln>
+        </p:spPr>
+        <p:txBody>
+          <a:bodyPr anchorCtr="0" anchor="t" bIns="91425" lIns="91425" rIns="91425" tIns="91425">
+            <a:noAutofit/>
+          </a:bodyPr>
+          <a:lstStyle/>
+          <a:p>
+            <a:pPr lvl="0">
+              <a:spcBef>
+                <a:spcPts val="0"/>
+              </a:spcBef>
+              <a:buNone/>
+            </a:pPr>
+            <a:r>
+              <a:rPr lang="en"/>
+              <a:t>ROI: </a:t>
+            </a:r>
+          </a:p>
+          <a:p>
+            <a:pPr lvl="0">
+              <a:spcBef>
+                <a:spcPts val="0"/>
+              </a:spcBef>
+              <a:buNone/>
+            </a:pPr>
+            <a:r>
+              <a:rPr lang="en"/>
+              <a:t>54.28%</a:t>
+            </a:r>
+          </a:p>
+        </p:txBody>
+      </p:sp>
+      <p:pic>
+        <p:nvPicPr>
+          <p:cNvPr id="194" name="Shape 194"/>
+          <p:cNvPicPr preferRelativeResize="0"/>
+          <p:nvPr/>
+        </p:nvPicPr>
+        <p:blipFill>
+          <a:blip r:embed="rId6">
+            <a:alphaModFix/>
+          </a:blip>
+          <a:stretch>
+            <a:fillRect/>
+          </a:stretch>
+        </p:blipFill>
+        <p:spPr>
+          <a:xfrm>
+            <a:off x="4974525" y="1173024"/>
+            <a:ext cx="2070888" cy="908375"/>
+          </a:xfrm>
+          <a:prstGeom prst="rect">
+            <a:avLst/>
+          </a:prstGeom>
+          <a:noFill/>
+          <a:ln>
+            <a:noFill/>
+          </a:ln>
+        </p:spPr>
+      </p:pic>
+      <p:sp>
+        <p:nvSpPr>
+          <p:cNvPr id="195" name="Shape 195"/>
+          <p:cNvSpPr txBox="1"/>
+          <p:nvPr/>
+        </p:nvSpPr>
+        <p:spPr>
+          <a:xfrm>
+            <a:off x="4974525" y="2133725"/>
+            <a:ext cx="860700" cy="408900"/>
+          </a:xfrm>
+          <a:prstGeom prst="rect">
+            <a:avLst/>
+          </a:prstGeom>
+          <a:noFill/>
+          <a:ln>
+            <a:noFill/>
+          </a:ln>
+        </p:spPr>
+        <p:txBody>
+          <a:bodyPr anchorCtr="0" anchor="t" bIns="91425" lIns="91425" rIns="91425" tIns="91425">
+            <a:noAutofit/>
+          </a:bodyPr>
+          <a:lstStyle/>
+          <a:p>
+            <a:pPr lvl="0" rtl="0">
+              <a:spcBef>
+                <a:spcPts val="0"/>
+              </a:spcBef>
+              <a:buNone/>
+            </a:pPr>
+            <a:r>
+              <a:rPr lang="en"/>
+              <a:t>ROI: 34.4%</a:t>
+            </a:r>
+          </a:p>
+        </p:txBody>
+      </p:sp>
+    </p:spTree>
+  </p:cSld>
+  <p:clrMapOvr>
+    <a:masterClrMapping/>
+  </p:clrMapOvr>
+</p:sld>
+</file>
+
+<file path=ppt/slides/slide21.xml><?xml version="1.0" encoding="utf-8"?>
+<p:sld xmlns:a="http://schemas.openxmlformats.org/drawingml/2006/main" xmlns:r="http://schemas.openxmlformats.org/officeDocument/2006/relationships" xmlns:mc="http://schemas.openxmlformats.org/markup-compatibility/2006" xmlns:mv="urn:schemas-microsoft-com:mac:vml" xmlns:p="http://schemas.openxmlformats.org/presentationml/2006/main" xmlns:c="http://schemas.openxmlformats.org/drawingml/2006/chart" xmlns:dgm="http://schemas.openxmlformats.org/drawingml/2006/diagram" xmlns:o="urn:schemas-microsoft-com:office:office" xmlns:v="urn:schemas-microsoft-com:vml" xmlns:pvml="urn:schemas-microsoft-com:office:powerpoint" xmlns:com="http://schemas.openxmlformats.org/drawingml/2006/compatibility" xmlns:p14="http://schemas.microsoft.com/office/powerpoint/2010/main">
+  <p:cSld>
+    <p:spTree>
+      <p:nvGrpSpPr>
+        <p:cNvPr id="199" name="Shape 199"/>
+        <p:cNvGrpSpPr/>
+        <p:nvPr/>
+      </p:nvGrpSpPr>
+      <p:grpSpPr>
+        <a:xfrm>
+          <a:off x="0" y="0"/>
+          <a:ext cx="0" cy="0"/>
+          <a:chOff x="0" y="0"/>
+          <a:chExt cx="0" cy="0"/>
+        </a:xfrm>
+      </p:grpSpPr>
+      <p:sp>
+        <p:nvSpPr>
+          <p:cNvPr id="200" name="Shape 200"/>
+          <p:cNvSpPr txBox="1"/>
+          <p:nvPr>
+            <p:ph type="title"/>
+          </p:nvPr>
+        </p:nvSpPr>
+        <p:spPr>
+          <a:xfrm>
+            <a:off x="311700" y="445025"/>
+            <a:ext cx="8520600" cy="572700"/>
+          </a:xfrm>
+          <a:prstGeom prst="rect">
+            <a:avLst/>
+          </a:prstGeom>
+        </p:spPr>
+        <p:txBody>
+          <a:bodyPr anchorCtr="0" anchor="t" bIns="91425" lIns="91425" rIns="91425" tIns="91425">
+            <a:noAutofit/>
+          </a:bodyPr>
+          <a:lstStyle/>
+          <a:p>
+            <a:pPr lvl="0">
+              <a:spcBef>
+                <a:spcPts val="0"/>
+              </a:spcBef>
+              <a:buNone/>
+            </a:pPr>
+            <a:r>
+              <a:rPr b="1" lang="en"/>
+              <a:t>Records</a:t>
+            </a:r>
+          </a:p>
+        </p:txBody>
+      </p:sp>
+      <p:pic>
+        <p:nvPicPr>
+          <p:cNvPr id="201" name="Shape 201"/>
+          <p:cNvPicPr preferRelativeResize="0"/>
+          <p:nvPr/>
+        </p:nvPicPr>
+        <p:blipFill>
+          <a:blip r:embed="rId3">
+            <a:alphaModFix/>
+          </a:blip>
+          <a:stretch>
+            <a:fillRect/>
+          </a:stretch>
+        </p:blipFill>
+        <p:spPr>
+          <a:xfrm>
+            <a:off x="4800600" y="1017725"/>
+            <a:ext cx="3207243" cy="3820975"/>
+          </a:xfrm>
+          <a:prstGeom prst="rect">
+            <a:avLst/>
+          </a:prstGeom>
+          <a:noFill/>
+          <a:ln>
+            <a:noFill/>
+          </a:ln>
+        </p:spPr>
+      </p:pic>
+      <p:pic>
+        <p:nvPicPr>
+          <p:cNvPr id="202" name="Shape 202"/>
+          <p:cNvPicPr preferRelativeResize="0"/>
+          <p:nvPr/>
+        </p:nvPicPr>
+        <p:blipFill>
+          <a:blip r:embed="rId4">
+            <a:alphaModFix/>
+          </a:blip>
+          <a:stretch>
+            <a:fillRect/>
+          </a:stretch>
+        </p:blipFill>
+        <p:spPr>
+          <a:xfrm>
+            <a:off x="499000" y="1017725"/>
+            <a:ext cx="3207249" cy="3223156"/>
+          </a:xfrm>
+          <a:prstGeom prst="rect">
+            <a:avLst/>
+          </a:prstGeom>
+          <a:noFill/>
+          <a:ln>
+            <a:noFill/>
+          </a:ln>
+        </p:spPr>
+      </p:pic>
+    </p:spTree>
+  </p:cSld>
+  <p:clrMapOvr>
+    <a:masterClrMapping/>
+  </p:clrMapOvr>
+</p:sld>
+</file>
+
+<file path=ppt/slides/slide22.xml><?xml version="1.0" encoding="utf-8"?>
+<p:sld xmlns:a="http://schemas.openxmlformats.org/drawingml/2006/main" xmlns:r="http://schemas.openxmlformats.org/officeDocument/2006/relationships" xmlns:mc="http://schemas.openxmlformats.org/markup-compatibility/2006" xmlns:mv="urn:schemas-microsoft-com:mac:vml" xmlns:p="http://schemas.openxmlformats.org/presentationml/2006/main" xmlns:c="http://schemas.openxmlformats.org/drawingml/2006/chart" xmlns:dgm="http://schemas.openxmlformats.org/drawingml/2006/diagram" xmlns:o="urn:schemas-microsoft-com:office:office" xmlns:v="urn:schemas-microsoft-com:vml" xmlns:pvml="urn:schemas-microsoft-com:office:powerpoint" xmlns:com="http://schemas.openxmlformats.org/drawingml/2006/compatibility" xmlns:p14="http://schemas.microsoft.com/office/powerpoint/2010/main">
+  <p:cSld>
+    <p:spTree>
+      <p:nvGrpSpPr>
+        <p:cNvPr id="206" name="Shape 206"/>
+        <p:cNvGrpSpPr/>
+        <p:nvPr/>
+      </p:nvGrpSpPr>
+      <p:grpSpPr>
+        <a:xfrm>
+          <a:off x="0" y="0"/>
+          <a:ext cx="0" cy="0"/>
+          <a:chOff x="0" y="0"/>
+          <a:chExt cx="0" cy="0"/>
+        </a:xfrm>
+      </p:grpSpPr>
+      <p:sp>
+        <p:nvSpPr>
+          <p:cNvPr id="207" name="Shape 207"/>
+          <p:cNvSpPr txBox="1"/>
+          <p:nvPr>
+            <p:ph type="title"/>
+          </p:nvPr>
+        </p:nvSpPr>
+        <p:spPr>
+          <a:xfrm>
+            <a:off x="311700" y="445025"/>
+            <a:ext cx="8520600" cy="572700"/>
+          </a:xfrm>
+          <a:prstGeom prst="rect">
+            <a:avLst/>
+          </a:prstGeom>
+        </p:spPr>
+        <p:txBody>
+          <a:bodyPr anchorCtr="0" anchor="t" bIns="91425" lIns="91425" rIns="91425" tIns="91425">
+            <a:noAutofit/>
+          </a:bodyPr>
+          <a:lstStyle/>
+          <a:p>
+            <a:pPr lvl="0">
+              <a:spcBef>
+                <a:spcPts val="0"/>
+              </a:spcBef>
+              <a:buNone/>
+            </a:pPr>
+            <a:r>
+              <a:rPr b="1" lang="en" sz="2400"/>
+              <a:t>Web App</a:t>
+            </a:r>
+            <a:r>
+              <a:rPr lang="en" sz="2400"/>
+              <a:t>:  Good Enough</a:t>
+            </a:r>
+          </a:p>
+        </p:txBody>
+      </p:sp>
+      <p:sp>
+        <p:nvSpPr>
+          <p:cNvPr id="208" name="Shape 208"/>
+          <p:cNvSpPr txBox="1"/>
+          <p:nvPr>
+            <p:ph idx="1" type="body"/>
+          </p:nvPr>
+        </p:nvSpPr>
+        <p:spPr>
+          <a:xfrm>
+            <a:off x="311700" y="1152475"/>
+            <a:ext cx="8520600" cy="3416400"/>
+          </a:xfrm>
+          <a:prstGeom prst="rect">
+            <a:avLst/>
+          </a:prstGeom>
+        </p:spPr>
+        <p:txBody>
+          <a:bodyPr anchorCtr="0" anchor="t" bIns="91425" lIns="91425" rIns="91425" tIns="91425">
+            <a:noAutofit/>
+          </a:bodyPr>
+          <a:lstStyle/>
+          <a:p>
+            <a:pPr lvl="0" rtl="0" algn="ctr">
+              <a:spcBef>
+                <a:spcPts val="0"/>
+              </a:spcBef>
+              <a:buNone/>
+            </a:pPr>
+            <a:r>
+              <a:rPr lang="en"/>
+              <a:t>Live Demo</a:t>
+            </a:r>
+          </a:p>
+          <a:p>
+            <a:pPr lvl="0" rtl="0" algn="ctr">
+              <a:spcBef>
+                <a:spcPts val="0"/>
+              </a:spcBef>
+              <a:buNone/>
+            </a:pPr>
+            <a:r>
+              <a:t/>
+            </a:r>
+            <a:endParaRPr/>
+          </a:p>
+          <a:p>
+            <a:pPr lvl="0" rtl="0" algn="ctr">
+              <a:spcBef>
+                <a:spcPts val="0"/>
+              </a:spcBef>
+              <a:buNone/>
+            </a:pPr>
+            <a:r>
+              <a:t/>
+            </a:r>
+            <a:endParaRPr/>
+          </a:p>
+          <a:p>
+            <a:pPr lvl="0" algn="ctr">
+              <a:spcBef>
+                <a:spcPts val="0"/>
+              </a:spcBef>
+              <a:buNone/>
+            </a:pPr>
+            <a:r>
+              <a:rPr lang="en"/>
+              <a:t>[Place Pic Here]</a:t>
+            </a:r>
+          </a:p>
+        </p:txBody>
+      </p:sp>
+      <p:pic>
+        <p:nvPicPr>
+          <p:cNvPr id="209" name="Shape 209"/>
+          <p:cNvPicPr preferRelativeResize="0"/>
+          <p:nvPr/>
+        </p:nvPicPr>
+        <p:blipFill>
+          <a:blip r:embed="rId3">
+            <a:alphaModFix/>
+          </a:blip>
+          <a:stretch>
+            <a:fillRect/>
+          </a:stretch>
+        </p:blipFill>
+        <p:spPr>
+          <a:xfrm>
+            <a:off x="186649" y="1805375"/>
+            <a:ext cx="8770702" cy="2652450"/>
+          </a:xfrm>
+          <a:prstGeom prst="rect">
+            <a:avLst/>
+          </a:prstGeom>
+          <a:noFill/>
+          <a:ln>
+            <a:noFill/>
+          </a:ln>
+        </p:spPr>
+      </p:pic>
+    </p:spTree>
+  </p:cSld>
+  <p:clrMapOvr>
+    <a:masterClrMapping/>
+  </p:clrMapOvr>
+</p:sld>
+</file>
+
+<file path=ppt/slides/slide23.xml><?xml version="1.0" encoding="utf-8"?>
+<p:sld xmlns:a="http://schemas.openxmlformats.org/drawingml/2006/main" xmlns:r="http://schemas.openxmlformats.org/officeDocument/2006/relationships" xmlns:mc="http://schemas.openxmlformats.org/markup-compatibility/2006" xmlns:mv="urn:schemas-microsoft-com:mac:vml" xmlns:p="http://schemas.openxmlformats.org/presentationml/2006/main" xmlns:c="http://schemas.openxmlformats.org/drawingml/2006/chart" xmlns:dgm="http://schemas.openxmlformats.org/drawingml/2006/diagram" xmlns:o="urn:schemas-microsoft-com:office:office" xmlns:v="urn:schemas-microsoft-com:vml" xmlns:pvml="urn:schemas-microsoft-com:office:powerpoint" xmlns:com="http://schemas.openxmlformats.org/drawingml/2006/compatibility" xmlns:p14="http://schemas.microsoft.com/office/powerpoint/2010/main">
+  <p:cSld>
+    <p:spTree>
+      <p:nvGrpSpPr>
+        <p:cNvPr id="213" name="Shape 213"/>
+        <p:cNvGrpSpPr/>
+        <p:nvPr/>
+      </p:nvGrpSpPr>
+      <p:grpSpPr>
+        <a:xfrm>
+          <a:off x="0" y="0"/>
+          <a:ext cx="0" cy="0"/>
+          <a:chOff x="0" y="0"/>
+          <a:chExt cx="0" cy="0"/>
+        </a:xfrm>
+      </p:grpSpPr>
+      <p:sp>
+        <p:nvSpPr>
+          <p:cNvPr id="214" name="Shape 214"/>
+          <p:cNvSpPr txBox="1"/>
+          <p:nvPr>
+            <p:ph type="title"/>
+          </p:nvPr>
+        </p:nvSpPr>
+        <p:spPr>
+          <a:xfrm>
+            <a:off x="311700" y="445025"/>
+            <a:ext cx="8520600" cy="572700"/>
+          </a:xfrm>
+          <a:prstGeom prst="rect">
+            <a:avLst/>
+          </a:prstGeom>
+        </p:spPr>
+        <p:txBody>
+          <a:bodyPr anchorCtr="0" anchor="t" bIns="91425" lIns="91425" rIns="91425" tIns="91425">
+            <a:noAutofit/>
+          </a:bodyPr>
+          <a:lstStyle/>
+          <a:p>
+            <a:pPr lvl="0">
+              <a:spcBef>
+                <a:spcPts val="0"/>
+              </a:spcBef>
+              <a:buNone/>
+            </a:pPr>
+            <a:r>
+              <a:rPr b="1" lang="en" sz="2400"/>
+              <a:t>Future Work</a:t>
+            </a:r>
+          </a:p>
+        </p:txBody>
+      </p:sp>
+      <p:sp>
+        <p:nvSpPr>
+          <p:cNvPr id="215" name="Shape 215"/>
+          <p:cNvSpPr txBox="1"/>
+          <p:nvPr>
+            <p:ph idx="1" type="body"/>
+          </p:nvPr>
+        </p:nvSpPr>
+        <p:spPr>
+          <a:xfrm>
+            <a:off x="311700" y="1152475"/>
+            <a:ext cx="8520600" cy="3416400"/>
+          </a:xfrm>
+          <a:prstGeom prst="rect">
+            <a:avLst/>
+          </a:prstGeom>
+        </p:spPr>
+        <p:txBody>
+          <a:bodyPr anchorCtr="0" anchor="t" bIns="91425" lIns="91425" rIns="91425" tIns="91425">
+            <a:noAutofit/>
+          </a:bodyPr>
+          <a:lstStyle/>
+          <a:p>
+            <a:pPr indent="-228600" lvl="0" marL="457200" rtl="0">
+              <a:spcBef>
+                <a:spcPts val="0"/>
+              </a:spcBef>
               <a:buChar char="-"/>
             </a:pPr>
             <a:r>
-              <a:rPr lang="en" sz="1050">
-                <a:solidFill>
-                  <a:srgbClr val="333333"/>
-                </a:solidFill>
-                <a:highlight>
-                  <a:srgbClr val="FFFFFF"/>
-                </a:highlight>
-              </a:rPr>
-              <a:t>Point = +1 PT</a:t>
-            </a:r>
-          </a:p>
-          <a:p>
-            <a:pPr indent="-295275" lvl="0" marL="457200" rtl="0">
-              <a:spcBef>
-                <a:spcPts val="0"/>
-              </a:spcBef>
-              <a:buClr>
-                <a:srgbClr val="333333"/>
-              </a:buClr>
-              <a:buSzPct val="95454"/>
+              <a:rPr lang="en"/>
+              <a:t>Make predictions applicable to other daily fantasy games</a:t>
+            </a:r>
+          </a:p>
+          <a:p>
+            <a:pPr indent="-228600" lvl="1" marL="914400" rtl="0">
+              <a:spcBef>
+                <a:spcPts val="0"/>
+              </a:spcBef>
               <a:buChar char="-"/>
             </a:pPr>
             <a:r>
-              <a:rPr lang="en" sz="1050">
-                <a:solidFill>
-                  <a:srgbClr val="333333"/>
-                </a:solidFill>
-                <a:highlight>
-                  <a:srgbClr val="FFFFFF"/>
-                </a:highlight>
-              </a:rPr>
-              <a:t>Made 3pt. shot = +0.5 PTs</a:t>
-            </a:r>
-          </a:p>
-          <a:p>
-            <a:pPr indent="-295275" lvl="0" marL="457200" rtl="0">
-              <a:spcBef>
-                <a:spcPts val="0"/>
-              </a:spcBef>
-              <a:buClr>
-                <a:srgbClr val="333333"/>
-              </a:buClr>
-              <a:buSzPct val="95454"/>
+              <a:rPr lang="en"/>
+              <a:t>NFL, NHL, MLB, GOLF, ETC...</a:t>
+            </a:r>
+          </a:p>
+          <a:p>
+            <a:pPr indent="-228600" lvl="0" marL="457200" rtl="0">
+              <a:spcBef>
+                <a:spcPts val="0"/>
+              </a:spcBef>
               <a:buChar char="-"/>
             </a:pPr>
             <a:r>
-              <a:rPr lang="en" sz="1050">
-                <a:solidFill>
-                  <a:srgbClr val="333333"/>
-                </a:solidFill>
-                <a:highlight>
-                  <a:srgbClr val="FFFFFF"/>
-                </a:highlight>
-              </a:rPr>
-              <a:t>Rebound = +1.25 PTs</a:t>
-            </a:r>
-          </a:p>
-          <a:p>
-            <a:pPr indent="-295275" lvl="0" marL="457200" rtl="0">
-              <a:spcBef>
-                <a:spcPts val="0"/>
-              </a:spcBef>
-              <a:buClr>
-                <a:srgbClr val="333333"/>
-              </a:buClr>
-              <a:buSzPct val="95454"/>
+              <a:rPr lang="en"/>
+              <a:t>Advanced Features</a:t>
+            </a:r>
+          </a:p>
+          <a:p>
+            <a:pPr indent="-228600" lvl="1" marL="914400" rtl="0">
+              <a:spcBef>
+                <a:spcPts val="0"/>
+              </a:spcBef>
               <a:buChar char="-"/>
             </a:pPr>
             <a:r>
-              <a:rPr lang="en" sz="1050">
-                <a:solidFill>
-                  <a:srgbClr val="333333"/>
-                </a:solidFill>
-                <a:highlight>
-                  <a:srgbClr val="FFFFFF"/>
-                </a:highlight>
-              </a:rPr>
-              <a:t>Assist = +1.5 PTs</a:t>
-            </a:r>
-          </a:p>
-          <a:p>
-            <a:pPr indent="-295275" lvl="0" marL="457200" rtl="0">
-              <a:spcBef>
-                <a:spcPts val="0"/>
-              </a:spcBef>
-              <a:buClr>
-                <a:srgbClr val="333333"/>
-              </a:buClr>
-              <a:buSzPct val="95454"/>
+              <a:rPr lang="en"/>
+              <a:t>Incorporate and create more advanced stats </a:t>
+            </a:r>
+          </a:p>
+          <a:p>
+            <a:pPr indent="-228600" lvl="1" marL="914400" rtl="0">
+              <a:spcBef>
+                <a:spcPts val="0"/>
+              </a:spcBef>
               <a:buChar char="-"/>
             </a:pPr>
             <a:r>
-              <a:rPr lang="en" sz="1050">
-                <a:solidFill>
-                  <a:srgbClr val="333333"/>
-                </a:solidFill>
-                <a:highlight>
-                  <a:srgbClr val="FFFFFF"/>
-                </a:highlight>
-              </a:rPr>
-              <a:t>Steal = +2 PTs</a:t>
-            </a:r>
-          </a:p>
-          <a:p>
-            <a:pPr indent="-295275" lvl="0" marL="457200" rtl="0">
-              <a:spcBef>
-                <a:spcPts val="0"/>
-              </a:spcBef>
-              <a:buClr>
-                <a:srgbClr val="333333"/>
-              </a:buClr>
-              <a:buSzPct val="95454"/>
+              <a:rPr lang="en"/>
+              <a:t>Include features not directly related to the game (player and team news)</a:t>
+            </a:r>
+          </a:p>
+          <a:p>
+            <a:pPr indent="-228600" lvl="0" marL="457200" rtl="0">
+              <a:spcBef>
+                <a:spcPts val="0"/>
+              </a:spcBef>
               <a:buChar char="-"/>
             </a:pPr>
             <a:r>
-              <a:rPr lang="en" sz="1050">
-                <a:solidFill>
-                  <a:srgbClr val="333333"/>
-                </a:solidFill>
-                <a:highlight>
-                  <a:srgbClr val="FFFFFF"/>
-                </a:highlight>
-              </a:rPr>
-              <a:t>Block = +2 PTs</a:t>
-            </a:r>
-          </a:p>
-          <a:p>
-            <a:pPr indent="-295275" lvl="0" marL="457200" rtl="0">
-              <a:spcBef>
-                <a:spcPts val="0"/>
-              </a:spcBef>
-              <a:buClr>
-                <a:srgbClr val="333333"/>
-              </a:buClr>
-              <a:buSzPct val="95454"/>
+              <a:rPr lang="en"/>
+              <a:t>Incorporate more models</a:t>
+            </a:r>
+          </a:p>
+          <a:p>
+            <a:pPr indent="-228600" lvl="1" marL="914400" rtl="0">
+              <a:spcBef>
+                <a:spcPts val="0"/>
+              </a:spcBef>
               <a:buChar char="-"/>
             </a:pPr>
             <a:r>
-              <a:rPr lang="en" sz="1050">
-                <a:solidFill>
-                  <a:srgbClr val="333333"/>
-                </a:solidFill>
-                <a:highlight>
-                  <a:srgbClr val="FFFFFF"/>
-                </a:highlight>
-              </a:rPr>
-              <a:t>Turnover = -0.5 PTs</a:t>
-            </a:r>
-          </a:p>
-          <a:p>
-            <a:pPr indent="-295275" lvl="0" marL="457200" rtl="0">
-              <a:spcBef>
-                <a:spcPts val="0"/>
-              </a:spcBef>
-              <a:buClr>
-                <a:srgbClr val="333333"/>
-              </a:buClr>
-              <a:buSzPct val="95454"/>
+              <a:rPr lang="en"/>
+              <a:t>Collaborative filtering?</a:t>
+            </a:r>
+          </a:p>
+          <a:p>
+            <a:pPr indent="-228600" lvl="0" marL="457200" rtl="0">
+              <a:spcBef>
+                <a:spcPts val="0"/>
+              </a:spcBef>
               <a:buChar char="-"/>
             </a:pPr>
             <a:r>
-              <a:rPr lang="en" sz="1050">
-                <a:solidFill>
-                  <a:srgbClr val="333333"/>
-                </a:solidFill>
-                <a:highlight>
-                  <a:srgbClr val="FFFFFF"/>
-                </a:highlight>
-              </a:rPr>
-              <a:t>Double-Double = +1.5PTs (MAX 1 PER PLAYER: Points, Rebounds, Assists, Blocks, Steals)</a:t>
-            </a:r>
-          </a:p>
-          <a:p>
-            <a:pPr indent="-295275" lvl="0" marL="457200" rtl="0">
-              <a:spcBef>
-                <a:spcPts val="0"/>
-              </a:spcBef>
-              <a:buClr>
-                <a:srgbClr val="333333"/>
-              </a:buClr>
-              <a:buSzPct val="95454"/>
+              <a:rPr lang="en"/>
+              <a:t>Testing and Tuning</a:t>
+            </a:r>
+          </a:p>
+          <a:p>
+            <a:pPr indent="-228600" lvl="0" marL="457200" rtl="0">
+              <a:spcBef>
+                <a:spcPts val="0"/>
+              </a:spcBef>
               <a:buChar char="-"/>
             </a:pPr>
             <a:r>
-              <a:rPr lang="en" sz="1050">
-                <a:solidFill>
-                  <a:srgbClr val="333333"/>
-                </a:solidFill>
-                <a:highlight>
-                  <a:srgbClr val="FFFFFF"/>
-                </a:highlight>
-              </a:rPr>
-              <a:t>Triple-Double = +3PTs (MAX 1 PER PLAYER: Points, Rebounds, Assists, Blocks, Steals)</a:t>
-            </a:r>
-          </a:p>
-          <a:p>
-            <a:pPr lvl="0">
-              <a:spcBef>
-                <a:spcPts val="0"/>
-              </a:spcBef>
-              <a:buNone/>
-            </a:pPr>
-            <a:r>
-              <a:t/>
-            </a:r>
-            <a:endParaRPr/>
+              <a:rPr lang="en"/>
+              <a:t>Improve web app</a:t>
+            </a:r>
+          </a:p>
+          <a:p>
+            <a:pPr indent="-228600" lvl="1" marL="914400" rtl="0">
+              <a:spcBef>
+                <a:spcPts val="0"/>
+              </a:spcBef>
+              <a:buChar char="-"/>
+            </a:pPr>
+            <a:r>
+              <a:rPr lang="en"/>
+              <a:t>Make front end design more aesthetically pleasing</a:t>
+            </a:r>
+          </a:p>
+          <a:p>
+            <a:pPr indent="-228600" lvl="1" marL="914400" rtl="0">
+              <a:spcBef>
+                <a:spcPts val="0"/>
+              </a:spcBef>
+              <a:buChar char="-"/>
+            </a:pPr>
+            <a:r>
+              <a:rPr lang="en"/>
+              <a:t>Have the data automatically update daily on a server</a:t>
+            </a:r>
           </a:p>
         </p:txBody>
       </p:sp>
@@ -8318,12 +9611,8 @@
               <a:buNone/>
             </a:pPr>
             <a:r>
-              <a:rPr b="1" lang="en" sz="2400"/>
-              <a:t>NBA on DraftKings</a:t>
-            </a:r>
-            <a:r>
-              <a:rPr lang="en" sz="2400"/>
-              <a:t>: Constraints</a:t>
+              <a:rPr b="1" lang="en"/>
+              <a:t>What is Fantasy Sports?</a:t>
             </a:r>
           </a:p>
         </p:txBody>
@@ -8351,182 +9640,112 @@
           </a:bodyPr>
           <a:lstStyle/>
           <a:p>
-            <a:pPr lvl="0" rtl="0">
-              <a:lnSpc>
-                <a:spcPct val="110000"/>
-              </a:lnSpc>
-              <a:spcBef>
-                <a:spcPts val="1500"/>
-              </a:spcBef>
-              <a:spcAft>
-                <a:spcPts val="800"/>
-              </a:spcAft>
-              <a:buNone/>
-            </a:pPr>
-            <a:r>
-              <a:rPr lang="en" u="sng">
-                <a:solidFill>
-                  <a:srgbClr val="2E2E2E"/>
-                </a:solidFill>
-              </a:rPr>
-              <a:t>ROSTER REQUIREMENTS</a:t>
-            </a:r>
-          </a:p>
-          <a:p>
-            <a:pPr indent="-295275" lvl="0" marL="457200" rtl="0">
-              <a:lnSpc>
-                <a:spcPct val="110000"/>
-              </a:lnSpc>
-              <a:spcBef>
-                <a:spcPts val="1500"/>
-              </a:spcBef>
-              <a:spcAft>
-                <a:spcPts val="800"/>
-              </a:spcAft>
-              <a:buClr>
-                <a:srgbClr val="333333"/>
-              </a:buClr>
-              <a:buSzPct val="95454"/>
+            <a:pPr indent="-228600" lvl="0" marL="457200" rtl="0">
+              <a:spcBef>
+                <a:spcPts val="0"/>
+              </a:spcBef>
               <a:buChar char="-"/>
             </a:pPr>
             <a:r>
-              <a:rPr lang="en" sz="1050">
-                <a:solidFill>
-                  <a:srgbClr val="333333"/>
-                </a:solidFill>
-              </a:rPr>
-              <a:t>Rosters will consist of 8 players and must include players from at least 2 different NBA teams, and representing at least 2 different real-life NBA games.</a:t>
-            </a:r>
-          </a:p>
-          <a:p>
-            <a:pPr indent="-295275" lvl="0" marL="457200" rtl="0">
-              <a:lnSpc>
-                <a:spcPct val="110000"/>
-              </a:lnSpc>
-              <a:spcBef>
-                <a:spcPts val="1500"/>
-              </a:spcBef>
-              <a:spcAft>
-                <a:spcPts val="800"/>
-              </a:spcAft>
-              <a:buClr>
-                <a:srgbClr val="333333"/>
-              </a:buClr>
-              <a:buSzPct val="95454"/>
+              <a:rPr lang="en"/>
+              <a:t>Traditional Fantasy</a:t>
+            </a:r>
+          </a:p>
+          <a:p>
+            <a:pPr indent="-228600" lvl="1" marL="914400" rtl="0">
+              <a:spcBef>
+                <a:spcPts val="0"/>
+              </a:spcBef>
               <a:buChar char="-"/>
             </a:pPr>
             <a:r>
-              <a:rPr lang="en" sz="1050">
-                <a:solidFill>
-                  <a:srgbClr val="333333"/>
-                </a:solidFill>
-              </a:rPr>
-              <a:t>The 8 roster positions are: PG, SG, SF, PF, C, G, F, and UTIL.</a:t>
-            </a:r>
-          </a:p>
-          <a:p>
-            <a:pPr lvl="0" rtl="0">
-              <a:lnSpc>
-                <a:spcPct val="110000"/>
-              </a:lnSpc>
-              <a:spcBef>
-                <a:spcPts val="1500"/>
-              </a:spcBef>
-              <a:spcAft>
-                <a:spcPts val="800"/>
-              </a:spcAft>
-              <a:buNone/>
-            </a:pPr>
-            <a:r>
-              <a:t/>
-            </a:r>
-            <a:endParaRPr sz="1050">
-              <a:solidFill>
-                <a:srgbClr val="333333"/>
-              </a:solidFill>
-            </a:endParaRPr>
-          </a:p>
-          <a:p>
-            <a:pPr lvl="0" rtl="0">
-              <a:lnSpc>
-                <a:spcPct val="110000"/>
-              </a:lnSpc>
-              <a:spcBef>
-                <a:spcPts val="1500"/>
-              </a:spcBef>
-              <a:spcAft>
-                <a:spcPts val="800"/>
-              </a:spcAft>
-              <a:buNone/>
-            </a:pPr>
-            <a:r>
-              <a:rPr lang="en" u="sng">
-                <a:solidFill>
-                  <a:srgbClr val="2E2E2E"/>
-                </a:solidFill>
-              </a:rPr>
-              <a:t>SALARY RULES</a:t>
-            </a:r>
-          </a:p>
-          <a:p>
-            <a:pPr indent="-295275" lvl="0" marL="457200" rtl="0">
-              <a:lnSpc>
-                <a:spcPct val="110000"/>
-              </a:lnSpc>
-              <a:spcBef>
-                <a:spcPts val="1500"/>
-              </a:spcBef>
-              <a:spcAft>
-                <a:spcPts val="800"/>
-              </a:spcAft>
-              <a:buClr>
-                <a:srgbClr val="333333"/>
-              </a:buClr>
-              <a:buSzPct val="95454"/>
+              <a:rPr lang="en"/>
+              <a:t>Friends form a league and draft players to create their own fantasy teams</a:t>
+            </a:r>
+          </a:p>
+          <a:p>
+            <a:pPr indent="-228600" lvl="1" marL="914400" rtl="0">
+              <a:spcBef>
+                <a:spcPts val="0"/>
+              </a:spcBef>
               <a:buChar char="-"/>
             </a:pPr>
             <a:r>
-              <a:rPr lang="en" sz="1050">
-                <a:solidFill>
-                  <a:srgbClr val="333333"/>
-                </a:solidFill>
-              </a:rPr>
-              <a:t>In each contest, participants will create a lineup by selecting players listed in the Player Pool. Each player listed has an assigned salary and a valid lineup must not exceed the salary cap of $50,000.</a:t>
-            </a:r>
-          </a:p>
-          <a:p>
-            <a:pPr lvl="0" rtl="0">
-              <a:lnSpc>
-                <a:spcPct val="110000"/>
-              </a:lnSpc>
-              <a:spcBef>
-                <a:spcPts val="1500"/>
-              </a:spcBef>
-              <a:spcAft>
-                <a:spcPts val="800"/>
-              </a:spcAft>
-              <a:buNone/>
-            </a:pPr>
-            <a:r>
-              <a:t/>
-            </a:r>
-            <a:endParaRPr sz="1050">
-              <a:solidFill>
-                <a:srgbClr val="333333"/>
-              </a:solidFill>
-            </a:endParaRPr>
-          </a:p>
-          <a:p>
-            <a:pPr lvl="0">
-              <a:spcBef>
-                <a:spcPts val="0"/>
-              </a:spcBef>
-              <a:buNone/>
-            </a:pPr>
-            <a:r>
-              <a:t/>
-            </a:r>
-            <a:endParaRPr/>
+              <a:rPr lang="en"/>
+              <a:t>Compete H2H on a weekly basis to the entire season using the drafted teams</a:t>
+            </a:r>
+          </a:p>
+          <a:p>
+            <a:pPr indent="-228600" lvl="1" marL="914400" rtl="0">
+              <a:spcBef>
+                <a:spcPts val="0"/>
+              </a:spcBef>
+              <a:buChar char="-"/>
+            </a:pPr>
+            <a:r>
+              <a:rPr lang="en"/>
+              <a:t>Players are allowed to trade and sign free agents throughout the season</a:t>
+            </a:r>
+          </a:p>
+          <a:p>
+            <a:pPr indent="-228600" lvl="1" marL="914400" rtl="0">
+              <a:spcBef>
+                <a:spcPts val="0"/>
+              </a:spcBef>
+              <a:buChar char="-"/>
+            </a:pPr>
+            <a:r>
+              <a:rPr lang="en"/>
+              <a:t>Players with the best W-L record at the end of the season win</a:t>
+            </a:r>
+          </a:p>
+          <a:p>
+            <a:pPr indent="-228600" lvl="0" marL="457200" rtl="0">
+              <a:spcBef>
+                <a:spcPts val="0"/>
+              </a:spcBef>
+              <a:buChar char="-"/>
+            </a:pPr>
+            <a:r>
+              <a:rPr lang="en"/>
+              <a:t>Daily Fantasy Sports</a:t>
+            </a:r>
+          </a:p>
+          <a:p>
+            <a:pPr indent="-228600" lvl="1" marL="914400" rtl="0">
+              <a:spcBef>
+                <a:spcPts val="0"/>
+              </a:spcBef>
+              <a:buChar char="-"/>
+            </a:pPr>
+            <a:r>
+              <a:rPr lang="en"/>
+              <a:t>Players join pools and draft a team for the day</a:t>
+            </a:r>
+          </a:p>
+          <a:p>
+            <a:pPr indent="-228600" lvl="1" marL="914400" rtl="0">
+              <a:spcBef>
+                <a:spcPts val="0"/>
+              </a:spcBef>
+              <a:buChar char="-"/>
+            </a:pPr>
+            <a:r>
+              <a:rPr lang="en"/>
+              <a:t>Given a predetermined budget, construct a team that will outperform the rest of the pool</a:t>
+            </a:r>
+          </a:p>
+          <a:p>
+            <a:pPr indent="-228600" lvl="1" marL="914400">
+              <a:spcBef>
+                <a:spcPts val="0"/>
+              </a:spcBef>
+              <a:buChar char="-"/>
+            </a:pPr>
+            <a:r>
+              <a:rPr lang="en"/>
+              <a:t>Players in the top percentile of the pool win</a:t>
+            </a:r>
           </a:p>
         </p:txBody>
       </p:sp>
@@ -8586,11 +9805,11 @@
             </a:pPr>
             <a:r>
               <a:rPr b="1" lang="en" sz="2400"/>
-              <a:t>DraftKings</a:t>
+              <a:t>NBA on DraftKings</a:t>
             </a:r>
             <a:r>
               <a:rPr lang="en" sz="2400"/>
-              <a:t>: User Statistics</a:t>
+              <a:t>: Fantasy Points</a:t>
             </a:r>
           </a:p>
         </p:txBody>
@@ -8618,6 +9837,254 @@
           </a:bodyPr>
           <a:lstStyle/>
           <a:p>
+            <a:pPr lvl="0" rtl="0">
+              <a:lnSpc>
+                <a:spcPct val="110000"/>
+              </a:lnSpc>
+              <a:spcBef>
+                <a:spcPts val="1500"/>
+              </a:spcBef>
+              <a:spcAft>
+                <a:spcPts val="800"/>
+              </a:spcAft>
+              <a:buNone/>
+            </a:pPr>
+            <a:r>
+              <a:rPr lang="en" u="sng">
+                <a:solidFill>
+                  <a:srgbClr val="2E2E2E"/>
+                </a:solidFill>
+              </a:rPr>
+              <a:t>SCORING RULES</a:t>
+            </a:r>
+          </a:p>
+          <a:p>
+            <a:pPr lvl="0" rtl="0">
+              <a:spcBef>
+                <a:spcPts val="0"/>
+              </a:spcBef>
+              <a:buNone/>
+            </a:pPr>
+            <a:r>
+              <a:rPr lang="en" sz="1050">
+                <a:solidFill>
+                  <a:srgbClr val="333333"/>
+                </a:solidFill>
+                <a:highlight>
+                  <a:srgbClr val="FFFFFF"/>
+                </a:highlight>
+              </a:rPr>
+              <a:t>Players will accumulate points as follows:</a:t>
+            </a:r>
+          </a:p>
+          <a:p>
+            <a:pPr indent="-295275" lvl="0" marL="457200" rtl="0">
+              <a:spcBef>
+                <a:spcPts val="0"/>
+              </a:spcBef>
+              <a:buClr>
+                <a:srgbClr val="333333"/>
+              </a:buClr>
+              <a:buSzPct val="95454"/>
+              <a:buChar char="-"/>
+            </a:pPr>
+            <a:r>
+              <a:rPr lang="en" sz="1050">
+                <a:solidFill>
+                  <a:srgbClr val="333333"/>
+                </a:solidFill>
+                <a:highlight>
+                  <a:srgbClr val="FFFFFF"/>
+                </a:highlight>
+              </a:rPr>
+              <a:t>Point = +1 PT</a:t>
+            </a:r>
+          </a:p>
+          <a:p>
+            <a:pPr indent="-295275" lvl="0" marL="457200" rtl="0">
+              <a:spcBef>
+                <a:spcPts val="0"/>
+              </a:spcBef>
+              <a:buClr>
+                <a:srgbClr val="333333"/>
+              </a:buClr>
+              <a:buSzPct val="95454"/>
+              <a:buChar char="-"/>
+            </a:pPr>
+            <a:r>
+              <a:rPr lang="en" sz="1050">
+                <a:solidFill>
+                  <a:srgbClr val="333333"/>
+                </a:solidFill>
+                <a:highlight>
+                  <a:srgbClr val="FFFFFF"/>
+                </a:highlight>
+              </a:rPr>
+              <a:t>Made 3pt. shot = +0.5 PTs</a:t>
+            </a:r>
+          </a:p>
+          <a:p>
+            <a:pPr indent="-295275" lvl="0" marL="457200" rtl="0">
+              <a:spcBef>
+                <a:spcPts val="0"/>
+              </a:spcBef>
+              <a:buClr>
+                <a:srgbClr val="333333"/>
+              </a:buClr>
+              <a:buSzPct val="95454"/>
+              <a:buChar char="-"/>
+            </a:pPr>
+            <a:r>
+              <a:rPr lang="en" sz="1050">
+                <a:solidFill>
+                  <a:srgbClr val="333333"/>
+                </a:solidFill>
+                <a:highlight>
+                  <a:srgbClr val="FFFFFF"/>
+                </a:highlight>
+              </a:rPr>
+              <a:t>Rebound = +1.25 PTs</a:t>
+            </a:r>
+          </a:p>
+          <a:p>
+            <a:pPr indent="-295275" lvl="0" marL="457200" rtl="0">
+              <a:spcBef>
+                <a:spcPts val="0"/>
+              </a:spcBef>
+              <a:buClr>
+                <a:srgbClr val="333333"/>
+              </a:buClr>
+              <a:buSzPct val="95454"/>
+              <a:buChar char="-"/>
+            </a:pPr>
+            <a:r>
+              <a:rPr lang="en" sz="1050">
+                <a:solidFill>
+                  <a:srgbClr val="333333"/>
+                </a:solidFill>
+                <a:highlight>
+                  <a:srgbClr val="FFFFFF"/>
+                </a:highlight>
+              </a:rPr>
+              <a:t>Assist = +1.5 PTs</a:t>
+            </a:r>
+          </a:p>
+          <a:p>
+            <a:pPr indent="-295275" lvl="0" marL="457200" rtl="0">
+              <a:spcBef>
+                <a:spcPts val="0"/>
+              </a:spcBef>
+              <a:buClr>
+                <a:srgbClr val="333333"/>
+              </a:buClr>
+              <a:buSzPct val="95454"/>
+              <a:buChar char="-"/>
+            </a:pPr>
+            <a:r>
+              <a:rPr lang="en" sz="1050">
+                <a:solidFill>
+                  <a:srgbClr val="333333"/>
+                </a:solidFill>
+                <a:highlight>
+                  <a:srgbClr val="FFFFFF"/>
+                </a:highlight>
+              </a:rPr>
+              <a:t>Steal = +2 PTs</a:t>
+            </a:r>
+          </a:p>
+          <a:p>
+            <a:pPr indent="-295275" lvl="0" marL="457200" rtl="0">
+              <a:spcBef>
+                <a:spcPts val="0"/>
+              </a:spcBef>
+              <a:buClr>
+                <a:srgbClr val="333333"/>
+              </a:buClr>
+              <a:buSzPct val="95454"/>
+              <a:buChar char="-"/>
+            </a:pPr>
+            <a:r>
+              <a:rPr lang="en" sz="1050">
+                <a:solidFill>
+                  <a:srgbClr val="333333"/>
+                </a:solidFill>
+                <a:highlight>
+                  <a:srgbClr val="FFFFFF"/>
+                </a:highlight>
+              </a:rPr>
+              <a:t>Block = +2 PTs</a:t>
+            </a:r>
+          </a:p>
+          <a:p>
+            <a:pPr indent="-295275" lvl="0" marL="457200" rtl="0">
+              <a:spcBef>
+                <a:spcPts val="0"/>
+              </a:spcBef>
+              <a:buClr>
+                <a:srgbClr val="333333"/>
+              </a:buClr>
+              <a:buSzPct val="95454"/>
+              <a:buChar char="-"/>
+            </a:pPr>
+            <a:r>
+              <a:rPr lang="en" sz="1050">
+                <a:solidFill>
+                  <a:srgbClr val="333333"/>
+                </a:solidFill>
+                <a:highlight>
+                  <a:srgbClr val="FFFFFF"/>
+                </a:highlight>
+              </a:rPr>
+              <a:t>Turnover = -0.5 PTs</a:t>
+            </a:r>
+          </a:p>
+          <a:p>
+            <a:pPr indent="-295275" lvl="0" marL="457200" rtl="0">
+              <a:spcBef>
+                <a:spcPts val="0"/>
+              </a:spcBef>
+              <a:buClr>
+                <a:srgbClr val="333333"/>
+              </a:buClr>
+              <a:buSzPct val="95454"/>
+              <a:buChar char="-"/>
+            </a:pPr>
+            <a:r>
+              <a:rPr lang="en" sz="1050">
+                <a:solidFill>
+                  <a:srgbClr val="333333"/>
+                </a:solidFill>
+                <a:highlight>
+                  <a:srgbClr val="FFFFFF"/>
+                </a:highlight>
+              </a:rPr>
+              <a:t>Double-Double = +1.5PTs (MAX 1 PER PLAYER: Points, Rebounds, Assists, Blocks, Steals)</a:t>
+            </a:r>
+          </a:p>
+          <a:p>
+            <a:pPr indent="-295275" lvl="0" marL="457200" rtl="0">
+              <a:spcBef>
+                <a:spcPts val="0"/>
+              </a:spcBef>
+              <a:buClr>
+                <a:srgbClr val="333333"/>
+              </a:buClr>
+              <a:buSzPct val="95454"/>
+              <a:buChar char="-"/>
+            </a:pPr>
+            <a:r>
+              <a:rPr lang="en" sz="1050">
+                <a:solidFill>
+                  <a:srgbClr val="333333"/>
+                </a:solidFill>
+                <a:highlight>
+                  <a:srgbClr val="FFFFFF"/>
+                </a:highlight>
+              </a:rPr>
+              <a:t>Triple-Double = +3PTs (MAX 1 PER PLAYER: Points, Rebounds, Assists, Blocks, Steals)</a:t>
+            </a:r>
+          </a:p>
+          <a:p>
             <a:pPr lvl="0">
               <a:spcBef>
                 <a:spcPts val="0"/>
@@ -8631,34 +10098,6 @@
           </a:p>
         </p:txBody>
       </p:sp>
-      <p:pic>
-        <p:nvPicPr>
-          <p:cNvPr descr="Screen Shot 2017-03-27 at 7.50.16 PM.png" id="79" name="Shape 79"/>
-          <p:cNvPicPr preferRelativeResize="0"/>
-          <p:nvPr/>
-        </p:nvPicPr>
-        <p:blipFill>
-          <a:blip r:embed="rId3">
-            <a:alphaModFix/>
-          </a:blip>
-          <a:stretch>
-            <a:fillRect/>
-          </a:stretch>
-        </p:blipFill>
-        <p:spPr>
-          <a:xfrm>
-            <a:off x="727775" y="2105360"/>
-            <a:ext cx="7688448" cy="1510624"/>
-          </a:xfrm>
-          <a:prstGeom prst="rect">
-            <a:avLst/>
-          </a:prstGeom>
-          <a:noFill/>
-          <a:ln>
-            <a:noFill/>
-          </a:ln>
-        </p:spPr>
-      </p:pic>
     </p:spTree>
   </p:cSld>
   <p:clrMapOvr>
@@ -8672,7 +10111,7 @@
   <p:cSld>
     <p:spTree>
       <p:nvGrpSpPr>
-        <p:cNvPr id="83" name="Shape 83"/>
+        <p:cNvPr id="82" name="Shape 82"/>
         <p:cNvGrpSpPr/>
         <p:nvPr/>
       </p:nvGrpSpPr>
@@ -8686,7 +10125,7 @@
       </p:grpSpPr>
       <p:sp>
         <p:nvSpPr>
-          <p:cNvPr id="84" name="Shape 84"/>
+          <p:cNvPr id="83" name="Shape 83"/>
           <p:cNvSpPr txBox="1"/>
           <p:nvPr>
             <p:ph type="title"/>
@@ -8715,18 +10154,18 @@
             </a:pPr>
             <a:r>
               <a:rPr b="1" lang="en" sz="2400"/>
-              <a:t>Basic EDA</a:t>
+              <a:t>NBA on DraftKings</a:t>
             </a:r>
             <a:r>
               <a:rPr lang="en" sz="2400"/>
-              <a:t>: Real Time Stats to Fantasy Points</a:t>
+              <a:t>: Constraints</a:t>
             </a:r>
           </a:p>
         </p:txBody>
       </p:sp>
       <p:sp>
         <p:nvSpPr>
-          <p:cNvPr id="85" name="Shape 85"/>
+          <p:cNvPr id="84" name="Shape 84"/>
           <p:cNvSpPr txBox="1"/>
           <p:nvPr>
             <p:ph idx="1" type="body"/>
@@ -8734,8 +10173,8 @@
         </p:nvSpPr>
         <p:spPr>
           <a:xfrm>
-            <a:off x="311700" y="1152475"/>
-            <a:ext cx="8520600" cy="3416400"/>
+            <a:off x="79250" y="1017725"/>
+            <a:ext cx="4206000" cy="3416400"/>
           </a:xfrm>
           <a:prstGeom prst="rect">
             <a:avLst/>
@@ -8747,6 +10186,172 @@
           </a:bodyPr>
           <a:lstStyle/>
           <a:p>
+            <a:pPr lvl="0" rtl="0">
+              <a:lnSpc>
+                <a:spcPct val="110000"/>
+              </a:lnSpc>
+              <a:spcBef>
+                <a:spcPts val="1500"/>
+              </a:spcBef>
+              <a:spcAft>
+                <a:spcPts val="800"/>
+              </a:spcAft>
+              <a:buNone/>
+            </a:pPr>
+            <a:r>
+              <a:rPr lang="en" u="sng">
+                <a:solidFill>
+                  <a:srgbClr val="2E2E2E"/>
+                </a:solidFill>
+              </a:rPr>
+              <a:t>ROSTER REQUIREMENTS</a:t>
+            </a:r>
+          </a:p>
+          <a:p>
+            <a:pPr indent="-295275" lvl="0" marL="457200" rtl="0">
+              <a:lnSpc>
+                <a:spcPct val="110000"/>
+              </a:lnSpc>
+              <a:spcBef>
+                <a:spcPts val="1500"/>
+              </a:spcBef>
+              <a:spcAft>
+                <a:spcPts val="800"/>
+              </a:spcAft>
+              <a:buClr>
+                <a:srgbClr val="333333"/>
+              </a:buClr>
+              <a:buSzPct val="95454"/>
+              <a:buChar char="-"/>
+            </a:pPr>
+            <a:r>
+              <a:rPr lang="en" sz="1050">
+                <a:solidFill>
+                  <a:srgbClr val="333333"/>
+                </a:solidFill>
+              </a:rPr>
+              <a:t>Rosters will consist of 8 players and must include players from at least 2 different NBA teams, and representing at least 2 different real-life NBA games.</a:t>
+            </a:r>
+          </a:p>
+          <a:p>
+            <a:pPr indent="-295275" lvl="0" marL="457200" rtl="0">
+              <a:lnSpc>
+                <a:spcPct val="110000"/>
+              </a:lnSpc>
+              <a:spcBef>
+                <a:spcPts val="1500"/>
+              </a:spcBef>
+              <a:spcAft>
+                <a:spcPts val="800"/>
+              </a:spcAft>
+              <a:buClr>
+                <a:srgbClr val="333333"/>
+              </a:buClr>
+              <a:buSzPct val="95454"/>
+              <a:buChar char="-"/>
+            </a:pPr>
+            <a:r>
+              <a:rPr lang="en" sz="1050">
+                <a:solidFill>
+                  <a:srgbClr val="333333"/>
+                </a:solidFill>
+              </a:rPr>
+              <a:t>The 8 roster positions are: PG, SG, SF, PF, C, G, F, and UTIL.</a:t>
+            </a:r>
+          </a:p>
+          <a:p>
+            <a:pPr lvl="0" rtl="0">
+              <a:lnSpc>
+                <a:spcPct val="110000"/>
+              </a:lnSpc>
+              <a:spcBef>
+                <a:spcPts val="1500"/>
+              </a:spcBef>
+              <a:spcAft>
+                <a:spcPts val="800"/>
+              </a:spcAft>
+              <a:buNone/>
+            </a:pPr>
+            <a:r>
+              <a:t/>
+            </a:r>
+            <a:endParaRPr sz="1050">
+              <a:solidFill>
+                <a:srgbClr val="333333"/>
+              </a:solidFill>
+            </a:endParaRPr>
+          </a:p>
+          <a:p>
+            <a:pPr lvl="0" rtl="0">
+              <a:lnSpc>
+                <a:spcPct val="110000"/>
+              </a:lnSpc>
+              <a:spcBef>
+                <a:spcPts val="1500"/>
+              </a:spcBef>
+              <a:spcAft>
+                <a:spcPts val="800"/>
+              </a:spcAft>
+              <a:buNone/>
+            </a:pPr>
+            <a:r>
+              <a:rPr lang="en" u="sng">
+                <a:solidFill>
+                  <a:srgbClr val="2E2E2E"/>
+                </a:solidFill>
+              </a:rPr>
+              <a:t>SALARY RULES</a:t>
+            </a:r>
+          </a:p>
+          <a:p>
+            <a:pPr indent="-295275" lvl="0" marL="457200" rtl="0">
+              <a:lnSpc>
+                <a:spcPct val="110000"/>
+              </a:lnSpc>
+              <a:spcBef>
+                <a:spcPts val="1500"/>
+              </a:spcBef>
+              <a:spcAft>
+                <a:spcPts val="800"/>
+              </a:spcAft>
+              <a:buClr>
+                <a:srgbClr val="333333"/>
+              </a:buClr>
+              <a:buSzPct val="95454"/>
+              <a:buChar char="-"/>
+            </a:pPr>
+            <a:r>
+              <a:rPr lang="en" sz="1050">
+                <a:solidFill>
+                  <a:srgbClr val="333333"/>
+                </a:solidFill>
+              </a:rPr>
+              <a:t>In each contest, participants will create a lineup by selecting players listed in the Player Pool. Each player listed has an assigned salary and a valid lineup must not exceed the salary cap of $50,000.</a:t>
+            </a:r>
+          </a:p>
+          <a:p>
+            <a:pPr lvl="0" rtl="0">
+              <a:lnSpc>
+                <a:spcPct val="110000"/>
+              </a:lnSpc>
+              <a:spcBef>
+                <a:spcPts val="1500"/>
+              </a:spcBef>
+              <a:spcAft>
+                <a:spcPts val="800"/>
+              </a:spcAft>
+              <a:buNone/>
+            </a:pPr>
+            <a:r>
+              <a:t/>
+            </a:r>
+            <a:endParaRPr sz="1050">
+              <a:solidFill>
+                <a:srgbClr val="333333"/>
+              </a:solidFill>
+            </a:endParaRPr>
+          </a:p>
+          <a:p>
             <a:pPr lvl="0">
               <a:spcBef>
                 <a:spcPts val="0"/>
@@ -8762,7 +10367,7 @@
       </p:sp>
       <p:pic>
         <p:nvPicPr>
-          <p:cNvPr id="86" name="Shape 86"/>
+          <p:cNvPr id="85" name="Shape 85"/>
           <p:cNvPicPr preferRelativeResize="0"/>
           <p:nvPr/>
         </p:nvPicPr>
@@ -8776,36 +10381,8 @@
         </p:blipFill>
         <p:spPr>
           <a:xfrm>
-            <a:off x="4735275" y="1182546"/>
-            <a:ext cx="3837225" cy="2778425"/>
-          </a:xfrm>
-          <a:prstGeom prst="rect">
-            <a:avLst/>
-          </a:prstGeom>
-          <a:noFill/>
-          <a:ln>
-            <a:noFill/>
-          </a:ln>
-        </p:spPr>
-      </p:pic>
-      <p:pic>
-        <p:nvPicPr>
-          <p:cNvPr id="87" name="Shape 87"/>
-          <p:cNvPicPr preferRelativeResize="0"/>
-          <p:nvPr/>
-        </p:nvPicPr>
-        <p:blipFill>
-          <a:blip r:embed="rId4">
-            <a:alphaModFix/>
-          </a:blip>
-          <a:stretch>
-            <a:fillRect/>
-          </a:stretch>
-        </p:blipFill>
-        <p:spPr>
-          <a:xfrm>
-            <a:off x="500049" y="1182537"/>
-            <a:ext cx="3901188" cy="2778425"/>
+            <a:off x="4257300" y="1246325"/>
+            <a:ext cx="4810498" cy="2892649"/>
           </a:xfrm>
           <a:prstGeom prst="rect">
             <a:avLst/>
@@ -8829,7 +10406,7 @@
   <p:cSld>
     <p:spTree>
       <p:nvGrpSpPr>
-        <p:cNvPr id="91" name="Shape 91"/>
+        <p:cNvPr id="89" name="Shape 89"/>
         <p:cNvGrpSpPr/>
         <p:nvPr/>
       </p:nvGrpSpPr>
@@ -8843,7 +10420,7 @@
       </p:grpSpPr>
       <p:sp>
         <p:nvSpPr>
-          <p:cNvPr id="92" name="Shape 92"/>
+          <p:cNvPr id="90" name="Shape 90"/>
           <p:cNvSpPr txBox="1"/>
           <p:nvPr>
             <p:ph type="title"/>
@@ -8871,126 +10448,19 @@
               <a:buNone/>
             </a:pPr>
             <a:r>
-              <a:rPr b="1" lang="en"/>
-              <a:t>Feature Engineering</a:t>
-            </a:r>
-          </a:p>
-          <a:p>
-            <a:pPr lvl="0">
-              <a:spcBef>
-                <a:spcPts val="0"/>
-              </a:spcBef>
-              <a:buNone/>
-            </a:pPr>
-            <a:r>
-              <a:t/>
-            </a:r>
-            <a:endParaRPr/>
-          </a:p>
-        </p:txBody>
-      </p:sp>
-      <p:sp>
-        <p:nvSpPr>
-          <p:cNvPr id="93" name="Shape 93"/>
-          <p:cNvSpPr txBox="1"/>
-          <p:nvPr>
-            <p:ph idx="1" type="body"/>
-          </p:nvPr>
-        </p:nvSpPr>
-        <p:spPr>
-          <a:xfrm>
-            <a:off x="311700" y="1152475"/>
-            <a:ext cx="3999900" cy="3416400"/>
-          </a:xfrm>
-          <a:prstGeom prst="rect">
-            <a:avLst/>
-          </a:prstGeom>
-        </p:spPr>
-        <p:txBody>
-          <a:bodyPr anchorCtr="0" anchor="t" bIns="91425" lIns="91425" rIns="91425" tIns="91425">
-            <a:noAutofit/>
-          </a:bodyPr>
-          <a:lstStyle/>
-          <a:p>
-            <a:pPr indent="-342900" lvl="0" marL="457200" rtl="0">
-              <a:spcBef>
-                <a:spcPts val="0"/>
-              </a:spcBef>
-              <a:buSzPct val="100000"/>
-              <a:buChar char="-"/>
-            </a:pPr>
-            <a:r>
-              <a:rPr lang="en" sz="1800"/>
-              <a:t>Cannot use real time stats</a:t>
-            </a:r>
-          </a:p>
-          <a:p>
-            <a:pPr indent="-342900" lvl="0" marL="457200" rtl="0">
-              <a:spcBef>
-                <a:spcPts val="0"/>
-              </a:spcBef>
-              <a:buSzPct val="100000"/>
-              <a:buChar char="-"/>
-            </a:pPr>
-            <a:r>
-              <a:rPr lang="en" sz="1800"/>
-              <a:t>Need to create features based on past games</a:t>
-            </a:r>
-          </a:p>
-          <a:p>
-            <a:pPr indent="-342900" lvl="0" marL="457200" rtl="0">
-              <a:spcBef>
-                <a:spcPts val="0"/>
-              </a:spcBef>
-              <a:buSzPct val="100000"/>
-              <a:buChar char="-"/>
-            </a:pPr>
-            <a:r>
-              <a:rPr lang="en" sz="1800"/>
-              <a:t>Incorporate team and opponent stats</a:t>
-            </a:r>
-          </a:p>
-        </p:txBody>
-      </p:sp>
-      <p:sp>
-        <p:nvSpPr>
-          <p:cNvPr id="94" name="Shape 94"/>
-          <p:cNvSpPr txBox="1"/>
-          <p:nvPr>
-            <p:ph idx="2" type="body"/>
-          </p:nvPr>
-        </p:nvSpPr>
-        <p:spPr>
-          <a:xfrm>
-            <a:off x="4832400" y="1152475"/>
-            <a:ext cx="3999900" cy="3416400"/>
-          </a:xfrm>
-          <a:prstGeom prst="rect">
-            <a:avLst/>
-          </a:prstGeom>
-        </p:spPr>
-        <p:txBody>
-          <a:bodyPr anchorCtr="0" anchor="t" bIns="91425" lIns="91425" rIns="91425" tIns="91425">
-            <a:noAutofit/>
-          </a:bodyPr>
-          <a:lstStyle/>
-          <a:p>
-            <a:pPr lvl="0">
-              <a:spcBef>
-                <a:spcPts val="0"/>
-              </a:spcBef>
-              <a:buNone/>
-            </a:pPr>
-            <a:r>
-              <a:t/>
-            </a:r>
-            <a:endParaRPr/>
+              <a:rPr b="1" lang="en" sz="2400"/>
+              <a:t>DraftKings</a:t>
+            </a:r>
+            <a:r>
+              <a:rPr lang="en" sz="2400"/>
+              <a:t>: User Statistics</a:t>
+            </a:r>
           </a:p>
         </p:txBody>
       </p:sp>
       <p:pic>
         <p:nvPicPr>
-          <p:cNvPr id="95" name="Shape 95"/>
+          <p:cNvPr descr="Screen Shot 2017-03-27 at 7.50.16 PM.png" id="91" name="Shape 91"/>
           <p:cNvPicPr preferRelativeResize="0"/>
           <p:nvPr/>
         </p:nvPicPr>
@@ -9004,8 +10474,8 @@
         </p:blipFill>
         <p:spPr>
           <a:xfrm>
-            <a:off x="4856250" y="1465989"/>
-            <a:ext cx="3952199" cy="2789375"/>
+            <a:off x="727775" y="1724360"/>
+            <a:ext cx="7688448" cy="1510624"/>
           </a:xfrm>
           <a:prstGeom prst="rect">
             <a:avLst/>
@@ -9016,6 +10486,44 @@
           </a:ln>
         </p:spPr>
       </p:pic>
+      <p:sp>
+        <p:nvSpPr>
+          <p:cNvPr id="92" name="Shape 92"/>
+          <p:cNvSpPr txBox="1"/>
+          <p:nvPr/>
+        </p:nvSpPr>
+        <p:spPr>
+          <a:xfrm>
+            <a:off x="727775" y="3822600"/>
+            <a:ext cx="4753200" cy="900600"/>
+          </a:xfrm>
+          <a:prstGeom prst="rect">
+            <a:avLst/>
+          </a:prstGeom>
+          <a:noFill/>
+          <a:ln>
+            <a:noFill/>
+          </a:ln>
+        </p:spPr>
+        <p:txBody>
+          <a:bodyPr anchorCtr="0" anchor="ctr" bIns="91425" lIns="91425" rIns="91425" tIns="91425">
+            <a:noAutofit/>
+          </a:bodyPr>
+          <a:lstStyle/>
+          <a:p>
+            <a:pPr lvl="0" rtl="0">
+              <a:spcBef>
+                <a:spcPts val="0"/>
+              </a:spcBef>
+              <a:buNone/>
+            </a:pPr>
+            <a:r>
+              <a:rPr lang="en"/>
+              <a:t>https://www.draftkings.com/average-results</a:t>
+            </a:r>
+          </a:p>
+        </p:txBody>
+      </p:sp>
     </p:spTree>
   </p:cSld>
   <p:clrMapOvr>
@@ -9029,7 +10537,7 @@
   <p:cSld>
     <p:spTree>
       <p:nvGrpSpPr>
-        <p:cNvPr id="99" name="Shape 99"/>
+        <p:cNvPr id="96" name="Shape 96"/>
         <p:cNvGrpSpPr/>
         <p:nvPr/>
       </p:nvGrpSpPr>
@@ -9043,7 +10551,7 @@
       </p:grpSpPr>
       <p:sp>
         <p:nvSpPr>
-          <p:cNvPr id="100" name="Shape 100"/>
+          <p:cNvPr id="97" name="Shape 97"/>
           <p:cNvSpPr txBox="1"/>
           <p:nvPr>
             <p:ph type="title"/>
@@ -9071,19 +10579,15 @@
               <a:buNone/>
             </a:pPr>
             <a:r>
-              <a:rPr b="1" lang="en" sz="2400"/>
-              <a:t>Grouping Players</a:t>
-            </a:r>
-            <a:r>
-              <a:rPr lang="en" sz="2400"/>
-              <a:t>: K-means</a:t>
+              <a:rPr b="1" lang="en"/>
+              <a:t>Types of Games / Strategy</a:t>
             </a:r>
           </a:p>
         </p:txBody>
       </p:sp>
       <p:sp>
         <p:nvSpPr>
-          <p:cNvPr id="101" name="Shape 101"/>
+          <p:cNvPr id="98" name="Shape 98"/>
           <p:cNvSpPr txBox="1"/>
           <p:nvPr>
             <p:ph idx="1" type="body"/>
@@ -9092,7 +10596,7 @@
         <p:spPr>
           <a:xfrm>
             <a:off x="311700" y="1152475"/>
-            <a:ext cx="3999900" cy="3416400"/>
+            <a:ext cx="8520600" cy="3416400"/>
           </a:xfrm>
           <a:prstGeom prst="rect">
             <a:avLst/>
@@ -9104,97 +10608,151 @@
           </a:bodyPr>
           <a:lstStyle/>
           <a:p>
-            <a:pPr indent="-342900" lvl="0" marL="457200" rtl="0">
-              <a:spcBef>
-                <a:spcPts val="0"/>
-              </a:spcBef>
-              <a:buSzPct val="100000"/>
+            <a:pPr indent="-228600" lvl="0" marL="457200" rtl="0">
+              <a:spcBef>
+                <a:spcPts val="0"/>
+              </a:spcBef>
               <a:buChar char="-"/>
             </a:pPr>
             <a:r>
-              <a:rPr lang="en" sz="1800"/>
-              <a:t>Not enough data points in a single season for a specific player to create models for each player</a:t>
-            </a:r>
-          </a:p>
-          <a:p>
-            <a:pPr indent="-342900" lvl="0" marL="457200" rtl="0">
-              <a:spcBef>
-                <a:spcPts val="0"/>
-              </a:spcBef>
-              <a:buSzPct val="100000"/>
+              <a:rPr lang="en"/>
+              <a:t>GPP (Tournament)</a:t>
+            </a:r>
+          </a:p>
+          <a:p>
+            <a:pPr indent="-228600" lvl="1" marL="914400" rtl="0">
+              <a:spcBef>
+                <a:spcPts val="0"/>
+              </a:spcBef>
               <a:buChar char="-"/>
             </a:pPr>
             <a:r>
-              <a:rPr lang="en" sz="1800"/>
-              <a:t>Clustered similar players together based on their season averages</a:t>
+              <a:rPr lang="en"/>
+              <a:t>Payout scales with position on scoreboard (up to 35x entry for 1st place)</a:t>
+            </a:r>
+          </a:p>
+          <a:p>
+            <a:pPr indent="-228600" lvl="1" marL="914400" rtl="0">
+              <a:spcBef>
+                <a:spcPts val="0"/>
+              </a:spcBef>
+              <a:buChar char="-"/>
+            </a:pPr>
+            <a:r>
+              <a:rPr lang="en"/>
+              <a:t>Cut off at ~20% (2x payout for last eligible winner)</a:t>
+            </a:r>
+          </a:p>
+          <a:p>
+            <a:pPr indent="-228600" lvl="0" marL="457200" rtl="0">
+              <a:spcBef>
+                <a:spcPts val="0"/>
+              </a:spcBef>
+              <a:buChar char="-"/>
+            </a:pPr>
+            <a:r>
+              <a:rPr lang="en"/>
+              <a:t>Double-Up</a:t>
+            </a:r>
+          </a:p>
+          <a:p>
+            <a:pPr indent="-228600" lvl="1" marL="914400" rtl="0">
+              <a:spcBef>
+                <a:spcPts val="0"/>
+              </a:spcBef>
+              <a:buChar char="-"/>
+            </a:pPr>
+            <a:r>
+              <a:rPr lang="en"/>
+              <a:t>Payout is always 2x the cost of entry</a:t>
+            </a:r>
+          </a:p>
+          <a:p>
+            <a:pPr indent="-228600" lvl="1" marL="914400" rtl="0">
+              <a:spcBef>
+                <a:spcPts val="0"/>
+              </a:spcBef>
+              <a:buChar char="-"/>
+            </a:pPr>
+            <a:r>
+              <a:rPr lang="en"/>
+              <a:t>Cut off is ~42%</a:t>
+            </a:r>
+          </a:p>
+          <a:p>
+            <a:pPr indent="-228600" lvl="0" marL="457200" rtl="0">
+              <a:spcBef>
+                <a:spcPts val="0"/>
+              </a:spcBef>
+              <a:buChar char="-"/>
+            </a:pPr>
+            <a:r>
+              <a:rPr lang="en"/>
+              <a:t>Multiplier</a:t>
+            </a:r>
+          </a:p>
+          <a:p>
+            <a:pPr indent="-228600" lvl="1" marL="914400" rtl="0">
+              <a:spcBef>
+                <a:spcPts val="0"/>
+              </a:spcBef>
+              <a:buChar char="-"/>
+            </a:pPr>
+            <a:r>
+              <a:rPr lang="en"/>
+              <a:t>Payout is 3x, 4x, 5x, etc...</a:t>
+            </a:r>
+          </a:p>
+          <a:p>
+            <a:pPr indent="-228600" lvl="1" marL="914400" rtl="0">
+              <a:spcBef>
+                <a:spcPts val="0"/>
+              </a:spcBef>
+              <a:buChar char="-"/>
+            </a:pPr>
+            <a:r>
+              <a:rPr lang="en"/>
+              <a:t>Cut off is a ratio to the multiplier (10x requires placement within ~8% or top 3/34)</a:t>
+            </a:r>
+          </a:p>
+          <a:p>
+            <a:pPr indent="-228600" lvl="0" marL="457200" rtl="0">
+              <a:spcBef>
+                <a:spcPts val="0"/>
+              </a:spcBef>
+              <a:buChar char="-"/>
+            </a:pPr>
+            <a:r>
+              <a:rPr lang="en"/>
+              <a:t>H2H / 50/50</a:t>
+            </a:r>
+          </a:p>
+          <a:p>
+            <a:pPr indent="-228600" lvl="1" marL="914400" rtl="0">
+              <a:spcBef>
+                <a:spcPts val="0"/>
+              </a:spcBef>
+              <a:buChar char="-"/>
+            </a:pPr>
+            <a:r>
+              <a:rPr lang="en"/>
+              <a:t>Payout is ~1.8x</a:t>
+            </a:r>
+          </a:p>
+          <a:p>
+            <a:pPr indent="-228600" lvl="1" marL="914400" rtl="0">
+              <a:spcBef>
+                <a:spcPts val="0"/>
+              </a:spcBef>
+              <a:buChar char="-"/>
+            </a:pPr>
+            <a:r>
+              <a:rPr lang="en"/>
+              <a:t>Cut off is top 50%</a:t>
             </a:r>
           </a:p>
         </p:txBody>
       </p:sp>
-      <p:sp>
-        <p:nvSpPr>
-          <p:cNvPr id="102" name="Shape 102"/>
-          <p:cNvSpPr txBox="1"/>
-          <p:nvPr>
-            <p:ph idx="2" type="body"/>
-          </p:nvPr>
-        </p:nvSpPr>
-        <p:spPr>
-          <a:xfrm>
-            <a:off x="4832400" y="1152475"/>
-            <a:ext cx="3999900" cy="3416400"/>
-          </a:xfrm>
-          <a:prstGeom prst="rect">
-            <a:avLst/>
-          </a:prstGeom>
-        </p:spPr>
-        <p:txBody>
-          <a:bodyPr anchorCtr="0" anchor="t" bIns="91425" lIns="91425" rIns="91425" tIns="91425">
-            <a:noAutofit/>
-          </a:bodyPr>
-          <a:lstStyle/>
-          <a:p>
-            <a:pPr lvl="0">
-              <a:spcBef>
-                <a:spcPts val="0"/>
-              </a:spcBef>
-              <a:buNone/>
-            </a:pPr>
-            <a:r>
-              <a:t/>
-            </a:r>
-            <a:endParaRPr/>
-          </a:p>
-        </p:txBody>
-      </p:sp>
-      <p:pic>
-        <p:nvPicPr>
-          <p:cNvPr descr="Screen Shot 2017-03-27 at 8.30.28 PM.png" id="103" name="Shape 103"/>
-          <p:cNvPicPr preferRelativeResize="0"/>
-          <p:nvPr/>
-        </p:nvPicPr>
-        <p:blipFill>
-          <a:blip r:embed="rId3">
-            <a:alphaModFix/>
-          </a:blip>
-          <a:stretch>
-            <a:fillRect/>
-          </a:stretch>
-        </p:blipFill>
-        <p:spPr>
-          <a:xfrm>
-            <a:off x="5964274" y="658325"/>
-            <a:ext cx="1736149" cy="4404699"/>
-          </a:xfrm>
-          <a:prstGeom prst="rect">
-            <a:avLst/>
-          </a:prstGeom>
-          <a:noFill/>
-          <a:ln>
-            <a:noFill/>
-          </a:ln>
-        </p:spPr>
-      </p:pic>
     </p:spTree>
   </p:cSld>
   <p:clrMapOvr>
@@ -9208,7 +10766,7 @@
   <p:cSld>
     <p:spTree>
       <p:nvGrpSpPr>
-        <p:cNvPr id="107" name="Shape 107"/>
+        <p:cNvPr id="102" name="Shape 102"/>
         <p:cNvGrpSpPr/>
         <p:nvPr/>
       </p:nvGrpSpPr>
@@ -9222,7 +10780,7 @@
       </p:grpSpPr>
       <p:sp>
         <p:nvSpPr>
-          <p:cNvPr id="108" name="Shape 108"/>
+          <p:cNvPr id="103" name="Shape 103"/>
           <p:cNvSpPr txBox="1"/>
           <p:nvPr>
             <p:ph type="title"/>
@@ -9250,51 +10808,19 @@
               <a:buNone/>
             </a:pPr>
             <a:r>
+              <a:rPr b="1" lang="en" sz="2400"/>
+              <a:t>Basic EDA</a:t>
+            </a:r>
+            <a:r>
               <a:rPr lang="en" sz="2400"/>
-              <a:t>Prediction Model: xgboost</a:t>
-            </a:r>
-          </a:p>
-        </p:txBody>
-      </p:sp>
-      <p:sp>
-        <p:nvSpPr>
-          <p:cNvPr id="109" name="Shape 109"/>
-          <p:cNvSpPr txBox="1"/>
-          <p:nvPr>
-            <p:ph idx="1" type="body"/>
-          </p:nvPr>
-        </p:nvSpPr>
-        <p:spPr>
-          <a:xfrm>
-            <a:off x="311700" y="1152475"/>
-            <a:ext cx="8520600" cy="3416400"/>
-          </a:xfrm>
-          <a:prstGeom prst="rect">
-            <a:avLst/>
-          </a:prstGeom>
-        </p:spPr>
-        <p:txBody>
-          <a:bodyPr anchorCtr="0" anchor="t" bIns="91425" lIns="91425" rIns="91425" tIns="91425">
-            <a:noAutofit/>
-          </a:bodyPr>
-          <a:lstStyle/>
-          <a:p>
-            <a:pPr lvl="0">
-              <a:spcBef>
-                <a:spcPts val="0"/>
-              </a:spcBef>
-              <a:buNone/>
-            </a:pPr>
-            <a:r>
-              <a:t/>
-            </a:r>
-            <a:endParaRPr/>
+              <a:t>: Real Time Stats to Fantasy Points</a:t>
+            </a:r>
           </a:p>
         </p:txBody>
       </p:sp>
       <p:pic>
         <p:nvPicPr>
-          <p:cNvPr id="110" name="Shape 110"/>
+          <p:cNvPr id="104" name="Shape 104"/>
           <p:cNvPicPr preferRelativeResize="0"/>
           <p:nvPr/>
         </p:nvPicPr>
@@ -9308,8 +10834,8 @@
         </p:blipFill>
         <p:spPr>
           <a:xfrm>
-            <a:off x="5219976" y="1761824"/>
-            <a:ext cx="3612323" cy="2075400"/>
+            <a:off x="4735275" y="1182546"/>
+            <a:ext cx="3837225" cy="2778425"/>
           </a:xfrm>
           <a:prstGeom prst="rect">
             <a:avLst/>
@@ -9322,7 +10848,7 @@
       </p:pic>
       <p:pic>
         <p:nvPicPr>
-          <p:cNvPr id="111" name="Shape 111"/>
+          <p:cNvPr id="105" name="Shape 105"/>
           <p:cNvPicPr preferRelativeResize="0"/>
           <p:nvPr/>
         </p:nvPicPr>
@@ -9336,8 +10862,8 @@
         </p:blipFill>
         <p:spPr>
           <a:xfrm>
-            <a:off x="260675" y="1761825"/>
-            <a:ext cx="3988150" cy="2075407"/>
+            <a:off x="500049" y="1182537"/>
+            <a:ext cx="3901188" cy="2778425"/>
           </a:xfrm>
           <a:prstGeom prst="rect">
             <a:avLst/>
@@ -9361,7 +10887,7 @@
   <p:cSld>
     <p:spTree>
       <p:nvGrpSpPr>
-        <p:cNvPr id="115" name="Shape 115"/>
+        <p:cNvPr id="109" name="Shape 109"/>
         <p:cNvGrpSpPr/>
         <p:nvPr/>
       </p:nvGrpSpPr>
@@ -9375,7 +10901,7 @@
       </p:grpSpPr>
       <p:sp>
         <p:nvSpPr>
-          <p:cNvPr id="116" name="Shape 116"/>
+          <p:cNvPr id="110" name="Shape 110"/>
           <p:cNvSpPr txBox="1"/>
           <p:nvPr>
             <p:ph type="title"/>
@@ -9403,15 +10929,27 @@
               <a:buNone/>
             </a:pPr>
             <a:r>
-              <a:rPr lang="en" sz="2400"/>
-              <a:t>Model Tuning</a:t>
-            </a:r>
+              <a:rPr b="1" lang="en"/>
+              <a:t>Feature Engineering</a:t>
+            </a:r>
+          </a:p>
+          <a:p>
+            <a:pPr lvl="0">
+              <a:spcBef>
+                <a:spcPts val="0"/>
+              </a:spcBef>
+              <a:buNone/>
+            </a:pPr>
+            <a:r>
+              <a:t/>
+            </a:r>
+            <a:endParaRPr/>
           </a:p>
         </p:txBody>
       </p:sp>
       <p:sp>
         <p:nvSpPr>
-          <p:cNvPr id="117" name="Shape 117"/>
+          <p:cNvPr id="111" name="Shape 111"/>
           <p:cNvSpPr txBox="1"/>
           <p:nvPr>
             <p:ph idx="1" type="body"/>
@@ -9420,7 +10958,7 @@
         <p:spPr>
           <a:xfrm>
             <a:off x="311700" y="1152475"/>
-            <a:ext cx="8520600" cy="3416400"/>
+            <a:ext cx="3999900" cy="3416400"/>
           </a:xfrm>
           <a:prstGeom prst="rect">
             <a:avLst/>
@@ -9432,22 +10970,49 @@
           </a:bodyPr>
           <a:lstStyle/>
           <a:p>
-            <a:pPr lvl="0">
-              <a:spcBef>
-                <a:spcPts val="0"/>
-              </a:spcBef>
-              <a:buNone/>
-            </a:pPr>
-            <a:r>
-              <a:rPr lang="en"/>
-              <a:t>Bayesian Optimization</a:t>
+            <a:pPr indent="-342900" lvl="0" marL="457200" rtl="0">
+              <a:spcBef>
+                <a:spcPts val="0"/>
+              </a:spcBef>
+              <a:buSzPct val="100000"/>
+              <a:buChar char="-"/>
+            </a:pPr>
+            <a:r>
+              <a:rPr lang="en" sz="1800"/>
+              <a:t>Cannot use real time stats</a:t>
+            </a:r>
+          </a:p>
+          <a:p>
+            <a:pPr indent="-342900" lvl="0" marL="457200" rtl="0">
+              <a:spcBef>
+                <a:spcPts val="0"/>
+              </a:spcBef>
+              <a:buSzPct val="100000"/>
+              <a:buChar char="-"/>
+            </a:pPr>
+            <a:r>
+              <a:rPr lang="en" sz="1800"/>
+              <a:t>Need to create features based on past games</a:t>
+            </a:r>
+          </a:p>
+          <a:p>
+            <a:pPr indent="-342900" lvl="0" marL="457200" rtl="0">
+              <a:spcBef>
+                <a:spcPts val="0"/>
+              </a:spcBef>
+              <a:buSzPct val="100000"/>
+              <a:buChar char="-"/>
+            </a:pPr>
+            <a:r>
+              <a:rPr lang="en" sz="1800"/>
+              <a:t>Incorporate team and opponent stats</a:t>
             </a:r>
           </a:p>
         </p:txBody>
       </p:sp>
       <p:pic>
         <p:nvPicPr>
-          <p:cNvPr id="118" name="Shape 118"/>
+          <p:cNvPr id="112" name="Shape 112"/>
           <p:cNvPicPr preferRelativeResize="0"/>
           <p:nvPr/>
         </p:nvPicPr>
@@ -9461,36 +11026,8 @@
         </p:blipFill>
         <p:spPr>
           <a:xfrm>
-            <a:off x="4709775" y="1807499"/>
-            <a:ext cx="4122524" cy="2106350"/>
-          </a:xfrm>
-          <a:prstGeom prst="rect">
-            <a:avLst/>
-          </a:prstGeom>
-          <a:noFill/>
-          <a:ln>
-            <a:noFill/>
-          </a:ln>
-        </p:spPr>
-      </p:pic>
-      <p:pic>
-        <p:nvPicPr>
-          <p:cNvPr id="119" name="Shape 119"/>
-          <p:cNvPicPr preferRelativeResize="0"/>
-          <p:nvPr/>
-        </p:nvPicPr>
-        <p:blipFill>
-          <a:blip r:embed="rId4">
-            <a:alphaModFix/>
-          </a:blip>
-          <a:stretch>
-            <a:fillRect/>
-          </a:stretch>
-        </p:blipFill>
-        <p:spPr>
-          <a:xfrm>
-            <a:off x="267050" y="1868234"/>
-            <a:ext cx="4442724" cy="1984874"/>
+            <a:off x="4836250" y="1177051"/>
+            <a:ext cx="3952199" cy="2789375"/>
           </a:xfrm>
           <a:prstGeom prst="rect">
             <a:avLst/>

--- a/Project4-Capstone/DK/Capstone Presentation.pptx
+++ b/Project4-Capstone/DK/Capstone Presentation.pptx
@@ -6500,6 +6500,9 @@
           <a:lstStyle/>
           <a:p>
             <a:pPr indent="-342900" lvl="0" marL="457200" rtl="0">
+              <a:lnSpc>
+                <a:spcPct val="100000"/>
+              </a:lnSpc>
               <a:spcBef>
                 <a:spcPts val="0"/>
               </a:spcBef>
@@ -6513,6 +6516,9 @@
           </a:p>
           <a:p>
             <a:pPr indent="-342900" lvl="0" marL="457200" rtl="0">
+              <a:lnSpc>
+                <a:spcPct val="100000"/>
+              </a:lnSpc>
               <a:spcBef>
                 <a:spcPts val="0"/>
               </a:spcBef>
@@ -6947,6 +6953,9 @@
           <a:lstStyle/>
           <a:p>
             <a:pPr lvl="0">
+              <a:lnSpc>
+                <a:spcPct val="100000"/>
+              </a:lnSpc>
               <a:spcBef>
                 <a:spcPts val="0"/>
               </a:spcBef>
@@ -6959,6 +6968,9 @@
           </a:p>
           <a:p>
             <a:pPr lvl="0">
+              <a:lnSpc>
+                <a:spcPct val="100000"/>
+              </a:lnSpc>
               <a:spcBef>
                 <a:spcPts val="0"/>
               </a:spcBef>
@@ -6971,6 +6983,9 @@
           </a:p>
           <a:p>
             <a:pPr lvl="0">
+              <a:lnSpc>
+                <a:spcPct val="100000"/>
+              </a:lnSpc>
               <a:spcBef>
                 <a:spcPts val="0"/>
               </a:spcBef>
@@ -6983,6 +6998,9 @@
           </a:p>
           <a:p>
             <a:pPr lvl="0">
+              <a:lnSpc>
+                <a:spcPct val="100000"/>
+              </a:lnSpc>
               <a:spcBef>
                 <a:spcPts val="0"/>
               </a:spcBef>
@@ -6994,7 +7012,25 @@
             <a:endParaRPr sz="1200"/>
           </a:p>
           <a:p>
+            <a:pPr lvl="0" rtl="0">
+              <a:lnSpc>
+                <a:spcPct val="100000"/>
+              </a:lnSpc>
+              <a:spcBef>
+                <a:spcPts val="0"/>
+              </a:spcBef>
+              <a:buNone/>
+            </a:pPr>
+            <a:r>
+              <a:rPr lang="en" sz="1200"/>
+              <a:t>		</a:t>
+            </a:r>
+          </a:p>
+          <a:p>
             <a:pPr lvl="0">
+              <a:lnSpc>
+                <a:spcPct val="100000"/>
+              </a:lnSpc>
               <a:spcBef>
                 <a:spcPts val="0"/>
               </a:spcBef>
@@ -7002,7 +7038,7 @@
             </a:pPr>
             <a:r>
               <a:rPr lang="en" sz="1200"/>
-              <a:t>					</a:t>
+              <a:t>			</a:t>
             </a:r>
             <a:r>
               <a:rPr lang="en" sz="1200">
@@ -7013,11 +7049,14 @@
                   <a:srgbClr val="FFFFFF"/>
                 </a:highlight>
               </a:rPr>
-              <a:t>We chose AR(1) to keep the model simple (Too little observations so mo	</a:t>
+              <a:t>	</a:t>
             </a:r>
           </a:p>
           <a:p>
             <a:pPr indent="-304800" lvl="0" marL="914400" rtl="0">
+              <a:lnSpc>
+                <a:spcPct val="100000"/>
+              </a:lnSpc>
               <a:spcBef>
                 <a:spcPts val="0"/>
               </a:spcBef>
@@ -7044,6 +7083,9 @@
           </a:p>
           <a:p>
             <a:pPr indent="-304800" lvl="0" marL="914400" rtl="0">
+              <a:lnSpc>
+                <a:spcPct val="100000"/>
+              </a:lnSpc>
               <a:spcBef>
                 <a:spcPts val="0"/>
               </a:spcBef>
@@ -7070,6 +7112,9 @@
           </a:p>
           <a:p>
             <a:pPr indent="-304800" lvl="0" marL="914400" rtl="0">
+              <a:lnSpc>
+                <a:spcPct val="100000"/>
+              </a:lnSpc>
               <a:spcBef>
                 <a:spcPts val="0"/>
               </a:spcBef>
@@ -7096,6 +7141,9 @@
           </a:p>
           <a:p>
             <a:pPr lvl="0" rtl="0">
+              <a:lnSpc>
+                <a:spcPct val="100000"/>
+              </a:lnSpc>
               <a:spcBef>
                 <a:spcPts val="0"/>
               </a:spcBef>
@@ -7122,6 +7170,9 @@
           </a:p>
           <a:p>
             <a:pPr lvl="0" rtl="0">
+              <a:lnSpc>
+                <a:spcPct val="100000"/>
+              </a:lnSpc>
               <a:spcBef>
                 <a:spcPts val="0"/>
               </a:spcBef>
@@ -7148,6 +7199,9 @@
           </a:p>
           <a:p>
             <a:pPr lvl="0">
+              <a:lnSpc>
+                <a:spcPct val="100000"/>
+              </a:lnSpc>
               <a:spcBef>
                 <a:spcPts val="0"/>
               </a:spcBef>
@@ -7167,6 +7221,9 @@
           </a:p>
           <a:p>
             <a:pPr lvl="0">
+              <a:lnSpc>
+                <a:spcPct val="100000"/>
+              </a:lnSpc>
               <a:spcBef>
                 <a:spcPts val="0"/>
               </a:spcBef>
@@ -7195,7 +7252,7 @@
         </p:blipFill>
         <p:spPr>
           <a:xfrm>
-            <a:off x="1543862" y="1152479"/>
+            <a:off x="1758162" y="1017729"/>
             <a:ext cx="5734073" cy="2095150"/>
           </a:xfrm>
           <a:prstGeom prst="rect">
@@ -7322,6 +7379,9 @@
           <a:lstStyle/>
           <a:p>
             <a:pPr lvl="0" rtl="0">
+              <a:lnSpc>
+                <a:spcPct val="100000"/>
+              </a:lnSpc>
               <a:spcBef>
                 <a:spcPts val="0"/>
               </a:spcBef>
@@ -7344,6 +7404,9 @@
           </a:p>
           <a:p>
             <a:pPr lvl="0" rtl="0">
+              <a:lnSpc>
+                <a:spcPct val="100000"/>
+              </a:lnSpc>
               <a:spcBef>
                 <a:spcPts val="0"/>
               </a:spcBef>
@@ -7366,6 +7429,9 @@
           </a:p>
           <a:p>
             <a:pPr lvl="0" rtl="0">
+              <a:lnSpc>
+                <a:spcPct val="100000"/>
+              </a:lnSpc>
               <a:spcBef>
                 <a:spcPts val="0"/>
               </a:spcBef>
@@ -7388,6 +7454,9 @@
           </a:p>
           <a:p>
             <a:pPr lvl="0" rtl="0">
+              <a:lnSpc>
+                <a:spcPct val="100000"/>
+              </a:lnSpc>
               <a:spcBef>
                 <a:spcPts val="0"/>
               </a:spcBef>
@@ -7410,6 +7479,9 @@
           </a:p>
           <a:p>
             <a:pPr lvl="0" rtl="0">
+              <a:lnSpc>
+                <a:spcPct val="100000"/>
+              </a:lnSpc>
               <a:spcBef>
                 <a:spcPts val="0"/>
               </a:spcBef>
@@ -7432,6 +7504,9 @@
           </a:p>
           <a:p>
             <a:pPr lvl="0" rtl="0">
+              <a:lnSpc>
+                <a:spcPct val="100000"/>
+              </a:lnSpc>
               <a:spcBef>
                 <a:spcPts val="0"/>
               </a:spcBef>
@@ -7454,6 +7529,9 @@
           </a:p>
           <a:p>
             <a:pPr lvl="0" rtl="0">
+              <a:lnSpc>
+                <a:spcPct val="100000"/>
+              </a:lnSpc>
               <a:spcBef>
                 <a:spcPts val="0"/>
               </a:spcBef>
@@ -7475,7 +7553,60 @@
             </a:endParaRPr>
           </a:p>
           <a:p>
+            <a:pPr lvl="0" rtl="0">
+              <a:lnSpc>
+                <a:spcPct val="100000"/>
+              </a:lnSpc>
+              <a:spcBef>
+                <a:spcPts val="0"/>
+              </a:spcBef>
+              <a:spcAft>
+                <a:spcPts val="0"/>
+              </a:spcAft>
+              <a:buNone/>
+            </a:pPr>
+            <a:r>
+              <a:t/>
+            </a:r>
+            <a:endParaRPr sz="1200">
+              <a:solidFill>
+                <a:srgbClr val="000000"/>
+              </a:solidFill>
+              <a:highlight>
+                <a:srgbClr val="FFFFFF"/>
+              </a:highlight>
+            </a:endParaRPr>
+          </a:p>
+          <a:p>
+            <a:pPr lvl="0" rtl="0">
+              <a:lnSpc>
+                <a:spcPct val="100000"/>
+              </a:lnSpc>
+              <a:spcBef>
+                <a:spcPts val="0"/>
+              </a:spcBef>
+              <a:spcAft>
+                <a:spcPts val="0"/>
+              </a:spcAft>
+              <a:buNone/>
+            </a:pPr>
+            <a:r>
+              <a:t/>
+            </a:r>
+            <a:endParaRPr sz="1200">
+              <a:solidFill>
+                <a:srgbClr val="000000"/>
+              </a:solidFill>
+              <a:highlight>
+                <a:srgbClr val="FFFFFF"/>
+              </a:highlight>
+            </a:endParaRPr>
+          </a:p>
+          <a:p>
             <a:pPr indent="-304800" lvl="0" marL="1828800" rtl="0">
+              <a:lnSpc>
+                <a:spcPct val="100000"/>
+              </a:lnSpc>
               <a:spcBef>
                 <a:spcPts val="0"/>
               </a:spcBef>
@@ -7502,6 +7633,9 @@
           </a:p>
           <a:p>
             <a:pPr indent="-304800" lvl="0" marL="1828800" rtl="0">
+              <a:lnSpc>
+                <a:spcPct val="100000"/>
+              </a:lnSpc>
               <a:spcBef>
                 <a:spcPts val="0"/>
               </a:spcBef>
@@ -7528,6 +7662,9 @@
           </a:p>
           <a:p>
             <a:pPr indent="-304800" lvl="0" marL="1828800" rtl="0">
+              <a:lnSpc>
+                <a:spcPct val="100000"/>
+              </a:lnSpc>
               <a:spcBef>
                 <a:spcPts val="0"/>
               </a:spcBef>
@@ -7554,6 +7691,9 @@
           </a:p>
           <a:p>
             <a:pPr indent="-304800" lvl="0" marL="1828800" rtl="0">
+              <a:lnSpc>
+                <a:spcPct val="100000"/>
+              </a:lnSpc>
               <a:spcBef>
                 <a:spcPts val="0"/>
               </a:spcBef>
@@ -7580,6 +7720,9 @@
           </a:p>
           <a:p>
             <a:pPr indent="-304800" lvl="0" marL="1828800" rtl="0">
+              <a:lnSpc>
+                <a:spcPct val="100000"/>
+              </a:lnSpc>
               <a:spcBef>
                 <a:spcPts val="0"/>
               </a:spcBef>
@@ -7606,6 +7749,9 @@
           </a:p>
           <a:p>
             <a:pPr indent="-304800" lvl="0" marL="1828800" rtl="0">
+              <a:lnSpc>
+                <a:spcPct val="100000"/>
+              </a:lnSpc>
               <a:spcBef>
                 <a:spcPts val="0"/>
               </a:spcBef>
@@ -7632,6 +7778,9 @@
           </a:p>
           <a:p>
             <a:pPr lvl="0">
+              <a:lnSpc>
+                <a:spcPct val="100000"/>
+              </a:lnSpc>
               <a:spcBef>
                 <a:spcPts val="0"/>
               </a:spcBef>
@@ -7757,6 +7906,9 @@
           <a:lstStyle/>
           <a:p>
             <a:pPr indent="-228600" lvl="0" marL="457200" rtl="0">
+              <a:lnSpc>
+                <a:spcPct val="100000"/>
+              </a:lnSpc>
               <a:spcBef>
                 <a:spcPts val="0"/>
               </a:spcBef>
@@ -7769,6 +7921,9 @@
           </a:p>
           <a:p>
             <a:pPr indent="-228600" lvl="0" marL="457200" rtl="0">
+              <a:lnSpc>
+                <a:spcPct val="100000"/>
+              </a:lnSpc>
               <a:spcBef>
                 <a:spcPts val="0"/>
               </a:spcBef>
@@ -7781,6 +7936,9 @@
           </a:p>
           <a:p>
             <a:pPr indent="-228600" lvl="0" marL="457200" rtl="0">
+              <a:lnSpc>
+                <a:spcPct val="100000"/>
+              </a:lnSpc>
               <a:spcBef>
                 <a:spcPts val="0"/>
               </a:spcBef>
@@ -7793,6 +7951,9 @@
           </a:p>
           <a:p>
             <a:pPr indent="-228600" lvl="0" marL="457200">
+              <a:lnSpc>
+                <a:spcPct val="100000"/>
+              </a:lnSpc>
               <a:spcBef>
                 <a:spcPts val="0"/>
               </a:spcBef>
@@ -7983,6 +8144,9 @@
           <a:lstStyle/>
           <a:p>
             <a:pPr lvl="0">
+              <a:lnSpc>
+                <a:spcPct val="100000"/>
+              </a:lnSpc>
               <a:spcBef>
                 <a:spcPts val="0"/>
               </a:spcBef>
@@ -7995,6 +8159,9 @@
           </a:p>
           <a:p>
             <a:pPr lvl="0">
+              <a:lnSpc>
+                <a:spcPct val="100000"/>
+              </a:lnSpc>
               <a:spcBef>
                 <a:spcPts val="0"/>
               </a:spcBef>
@@ -8007,6 +8174,9 @@
           </a:p>
           <a:p>
             <a:pPr lvl="0">
+              <a:lnSpc>
+                <a:spcPct val="100000"/>
+              </a:lnSpc>
               <a:spcBef>
                 <a:spcPts val="0"/>
               </a:spcBef>
@@ -8019,6 +8189,9 @@
           </a:p>
           <a:p>
             <a:pPr lvl="0" rtl="0">
+              <a:lnSpc>
+                <a:spcPct val="100000"/>
+              </a:lnSpc>
               <a:spcBef>
                 <a:spcPts val="0"/>
               </a:spcBef>
@@ -8030,7 +8203,60 @@
             </a:r>
           </a:p>
           <a:p>
+            <a:pPr lvl="0" rtl="0">
+              <a:lnSpc>
+                <a:spcPct val="100000"/>
+              </a:lnSpc>
+              <a:spcBef>
+                <a:spcPts val="0"/>
+              </a:spcBef>
+              <a:spcAft>
+                <a:spcPts val="0"/>
+              </a:spcAft>
+              <a:buNone/>
+            </a:pPr>
+            <a:r>
+              <a:t/>
+            </a:r>
+            <a:endParaRPr sz="1200">
+              <a:solidFill>
+                <a:srgbClr val="000000"/>
+              </a:solidFill>
+              <a:highlight>
+                <a:srgbClr val="FFFFFF"/>
+              </a:highlight>
+            </a:endParaRPr>
+          </a:p>
+          <a:p>
+            <a:pPr lvl="0" rtl="0">
+              <a:lnSpc>
+                <a:spcPct val="100000"/>
+              </a:lnSpc>
+              <a:spcBef>
+                <a:spcPts val="0"/>
+              </a:spcBef>
+              <a:spcAft>
+                <a:spcPts val="0"/>
+              </a:spcAft>
+              <a:buNone/>
+            </a:pPr>
+            <a:r>
+              <a:t/>
+            </a:r>
+            <a:endParaRPr sz="1200">
+              <a:solidFill>
+                <a:srgbClr val="000000"/>
+              </a:solidFill>
+              <a:highlight>
+                <a:srgbClr val="FFFFFF"/>
+              </a:highlight>
+            </a:endParaRPr>
+          </a:p>
+          <a:p>
             <a:pPr indent="-304800" lvl="0" marL="457200" rtl="0">
+              <a:lnSpc>
+                <a:spcPct val="100000"/>
+              </a:lnSpc>
               <a:spcBef>
                 <a:spcPts val="0"/>
               </a:spcBef>
@@ -8057,6 +8283,9 @@
           </a:p>
           <a:p>
             <a:pPr indent="-304800" lvl="0" marL="457200" rtl="0">
+              <a:lnSpc>
+                <a:spcPct val="100000"/>
+              </a:lnSpc>
               <a:spcBef>
                 <a:spcPts val="0"/>
               </a:spcBef>
@@ -8083,6 +8312,9 @@
           </a:p>
           <a:p>
             <a:pPr indent="-304800" lvl="0" marL="457200" rtl="0">
+              <a:lnSpc>
+                <a:spcPct val="100000"/>
+              </a:lnSpc>
               <a:spcBef>
                 <a:spcPts val="0"/>
               </a:spcBef>
@@ -8109,6 +8341,9 @@
           </a:p>
           <a:p>
             <a:pPr indent="-304800" lvl="0" marL="457200" rtl="0">
+              <a:lnSpc>
+                <a:spcPct val="100000"/>
+              </a:lnSpc>
               <a:spcBef>
                 <a:spcPts val="0"/>
               </a:spcBef>
@@ -8135,6 +8370,9 @@
           </a:p>
           <a:p>
             <a:pPr indent="-304800" lvl="0" marL="457200" rtl="0">
+              <a:lnSpc>
+                <a:spcPct val="100000"/>
+              </a:lnSpc>
               <a:spcBef>
                 <a:spcPts val="0"/>
               </a:spcBef>
@@ -8161,6 +8399,9 @@
           </a:p>
           <a:p>
             <a:pPr lvl="0">
+              <a:lnSpc>
+                <a:spcPct val="100000"/>
+              </a:lnSpc>
               <a:spcBef>
                 <a:spcPts val="0"/>
               </a:spcBef>
@@ -8278,8 +8519,8 @@
         </p:blipFill>
         <p:spPr>
           <a:xfrm>
-            <a:off x="1669950" y="1017725"/>
-            <a:ext cx="5224774" cy="4020150"/>
+            <a:off x="2360675" y="1125387"/>
+            <a:ext cx="4422650" cy="3402975"/>
           </a:xfrm>
           <a:prstGeom prst="rect">
             <a:avLst/>
@@ -8474,7 +8715,7 @@
               <a:buNone/>
             </a:pPr>
             <a:r>
-              <a:rPr b="1" lang="en"/>
+              <a:rPr b="1" lang="en" sz="2400"/>
               <a:t>Agenda</a:t>
             </a:r>
           </a:p>
@@ -8504,6 +8745,9 @@
           <a:lstStyle/>
           <a:p>
             <a:pPr indent="-228600" lvl="0" marL="457200" rtl="0">
+              <a:lnSpc>
+                <a:spcPct val="100000"/>
+              </a:lnSpc>
               <a:spcBef>
                 <a:spcPts val="0"/>
               </a:spcBef>
@@ -8516,6 +8760,9 @@
           </a:p>
           <a:p>
             <a:pPr indent="-228600" lvl="1" marL="914400" rtl="0">
+              <a:lnSpc>
+                <a:spcPct val="100000"/>
+              </a:lnSpc>
               <a:spcBef>
                 <a:spcPts val="0"/>
               </a:spcBef>
@@ -8528,6 +8775,9 @@
           </a:p>
           <a:p>
             <a:pPr indent="-228600" lvl="0" marL="457200" rtl="0">
+              <a:lnSpc>
+                <a:spcPct val="100000"/>
+              </a:lnSpc>
               <a:spcBef>
                 <a:spcPts val="0"/>
               </a:spcBef>
@@ -8540,6 +8790,9 @@
           </a:p>
           <a:p>
             <a:pPr indent="-228600" lvl="1" marL="914400" rtl="0">
+              <a:lnSpc>
+                <a:spcPct val="100000"/>
+              </a:lnSpc>
               <a:spcBef>
                 <a:spcPts val="0"/>
               </a:spcBef>
@@ -8552,6 +8805,9 @@
           </a:p>
           <a:p>
             <a:pPr indent="-228600" lvl="0" marL="457200" rtl="0">
+              <a:lnSpc>
+                <a:spcPct val="100000"/>
+              </a:lnSpc>
               <a:spcBef>
                 <a:spcPts val="0"/>
               </a:spcBef>
@@ -8564,6 +8820,9 @@
           </a:p>
           <a:p>
             <a:pPr indent="-228600" lvl="0" marL="457200" rtl="0">
+              <a:lnSpc>
+                <a:spcPct val="100000"/>
+              </a:lnSpc>
               <a:spcBef>
                 <a:spcPts val="0"/>
               </a:spcBef>
@@ -8576,6 +8835,9 @@
           </a:p>
           <a:p>
             <a:pPr indent="-228600" lvl="1" marL="914400" rtl="0">
+              <a:lnSpc>
+                <a:spcPct val="100000"/>
+              </a:lnSpc>
               <a:spcBef>
                 <a:spcPts val="0"/>
               </a:spcBef>
@@ -8592,6 +8854,9 @@
           </a:p>
           <a:p>
             <a:pPr indent="-228600" lvl="0" marL="457200" rtl="0">
+              <a:lnSpc>
+                <a:spcPct val="100000"/>
+              </a:lnSpc>
               <a:spcBef>
                 <a:spcPts val="0"/>
               </a:spcBef>
@@ -8604,6 +8869,9 @@
           </a:p>
           <a:p>
             <a:pPr indent="-228600" lvl="1" marL="914400" rtl="0">
+              <a:lnSpc>
+                <a:spcPct val="100000"/>
+              </a:lnSpc>
               <a:spcBef>
                 <a:spcPts val="0"/>
               </a:spcBef>
@@ -8616,6 +8884,9 @@
           </a:p>
           <a:p>
             <a:pPr indent="-228600" lvl="0" marL="457200" rtl="0">
+              <a:lnSpc>
+                <a:spcPct val="100000"/>
+              </a:lnSpc>
               <a:spcBef>
                 <a:spcPts val="0"/>
               </a:spcBef>
@@ -8628,6 +8899,9 @@
           </a:p>
           <a:p>
             <a:pPr indent="-228600" lvl="0" marL="457200" rtl="0">
+              <a:lnSpc>
+                <a:spcPct val="100000"/>
+              </a:lnSpc>
               <a:spcBef>
                 <a:spcPts val="0"/>
               </a:spcBef>
@@ -9424,6 +9698,9 @@
           <a:lstStyle/>
           <a:p>
             <a:pPr indent="-228600" lvl="0" marL="457200" rtl="0">
+              <a:lnSpc>
+                <a:spcPct val="100000"/>
+              </a:lnSpc>
               <a:spcBef>
                 <a:spcPts val="0"/>
               </a:spcBef>
@@ -9436,6 +9713,9 @@
           </a:p>
           <a:p>
             <a:pPr indent="-228600" lvl="1" marL="914400" rtl="0">
+              <a:lnSpc>
+                <a:spcPct val="100000"/>
+              </a:lnSpc>
               <a:spcBef>
                 <a:spcPts val="0"/>
               </a:spcBef>
@@ -9448,6 +9728,9 @@
           </a:p>
           <a:p>
             <a:pPr indent="-228600" lvl="0" marL="457200" rtl="0">
+              <a:lnSpc>
+                <a:spcPct val="100000"/>
+              </a:lnSpc>
               <a:spcBef>
                 <a:spcPts val="0"/>
               </a:spcBef>
@@ -9460,6 +9743,9 @@
           </a:p>
           <a:p>
             <a:pPr indent="-228600" lvl="1" marL="914400" rtl="0">
+              <a:lnSpc>
+                <a:spcPct val="100000"/>
+              </a:lnSpc>
               <a:spcBef>
                 <a:spcPts val="0"/>
               </a:spcBef>
@@ -9472,6 +9758,9 @@
           </a:p>
           <a:p>
             <a:pPr indent="-228600" lvl="1" marL="914400" rtl="0">
+              <a:lnSpc>
+                <a:spcPct val="100000"/>
+              </a:lnSpc>
               <a:spcBef>
                 <a:spcPts val="0"/>
               </a:spcBef>
@@ -9484,6 +9773,9 @@
           </a:p>
           <a:p>
             <a:pPr indent="-228600" lvl="0" marL="457200" rtl="0">
+              <a:lnSpc>
+                <a:spcPct val="100000"/>
+              </a:lnSpc>
               <a:spcBef>
                 <a:spcPts val="0"/>
               </a:spcBef>
@@ -9496,6 +9788,9 @@
           </a:p>
           <a:p>
             <a:pPr indent="-228600" lvl="1" marL="914400" rtl="0">
+              <a:lnSpc>
+                <a:spcPct val="100000"/>
+              </a:lnSpc>
               <a:spcBef>
                 <a:spcPts val="0"/>
               </a:spcBef>
@@ -9508,6 +9803,9 @@
           </a:p>
           <a:p>
             <a:pPr indent="-228600" lvl="0" marL="457200" rtl="0">
+              <a:lnSpc>
+                <a:spcPct val="100000"/>
+              </a:lnSpc>
               <a:spcBef>
                 <a:spcPts val="0"/>
               </a:spcBef>
@@ -9520,6 +9818,9 @@
           </a:p>
           <a:p>
             <a:pPr indent="-228600" lvl="0" marL="457200" rtl="0">
+              <a:lnSpc>
+                <a:spcPct val="100000"/>
+              </a:lnSpc>
               <a:spcBef>
                 <a:spcPts val="0"/>
               </a:spcBef>
@@ -9532,6 +9833,9 @@
           </a:p>
           <a:p>
             <a:pPr indent="-228600" lvl="1" marL="914400" rtl="0">
+              <a:lnSpc>
+                <a:spcPct val="100000"/>
+              </a:lnSpc>
               <a:spcBef>
                 <a:spcPts val="0"/>
               </a:spcBef>
@@ -9544,6 +9848,9 @@
           </a:p>
           <a:p>
             <a:pPr indent="-228600" lvl="1" marL="914400" rtl="0">
+              <a:lnSpc>
+                <a:spcPct val="100000"/>
+              </a:lnSpc>
               <a:spcBef>
                 <a:spcPts val="0"/>
               </a:spcBef>
@@ -9611,7 +9918,7 @@
               <a:buNone/>
             </a:pPr>
             <a:r>
-              <a:rPr b="1" lang="en"/>
+              <a:rPr b="1" lang="en" sz="2400"/>
               <a:t>What is Fantasy Sports?</a:t>
             </a:r>
           </a:p>
@@ -9641,6 +9948,9 @@
           <a:lstStyle/>
           <a:p>
             <a:pPr indent="-228600" lvl="0" marL="457200" rtl="0">
+              <a:lnSpc>
+                <a:spcPct val="100000"/>
+              </a:lnSpc>
               <a:spcBef>
                 <a:spcPts val="0"/>
               </a:spcBef>
@@ -9653,6 +9963,9 @@
           </a:p>
           <a:p>
             <a:pPr indent="-228600" lvl="1" marL="914400" rtl="0">
+              <a:lnSpc>
+                <a:spcPct val="100000"/>
+              </a:lnSpc>
               <a:spcBef>
                 <a:spcPts val="0"/>
               </a:spcBef>
@@ -9665,6 +9978,9 @@
           </a:p>
           <a:p>
             <a:pPr indent="-228600" lvl="1" marL="914400" rtl="0">
+              <a:lnSpc>
+                <a:spcPct val="100000"/>
+              </a:lnSpc>
               <a:spcBef>
                 <a:spcPts val="0"/>
               </a:spcBef>
@@ -9677,6 +9993,9 @@
           </a:p>
           <a:p>
             <a:pPr indent="-228600" lvl="1" marL="914400" rtl="0">
+              <a:lnSpc>
+                <a:spcPct val="100000"/>
+              </a:lnSpc>
               <a:spcBef>
                 <a:spcPts val="0"/>
               </a:spcBef>
@@ -9689,6 +10008,9 @@
           </a:p>
           <a:p>
             <a:pPr indent="-228600" lvl="1" marL="914400" rtl="0">
+              <a:lnSpc>
+                <a:spcPct val="100000"/>
+              </a:lnSpc>
               <a:spcBef>
                 <a:spcPts val="0"/>
               </a:spcBef>
@@ -9701,6 +10023,9 @@
           </a:p>
           <a:p>
             <a:pPr indent="-228600" lvl="0" marL="457200" rtl="0">
+              <a:lnSpc>
+                <a:spcPct val="100000"/>
+              </a:lnSpc>
               <a:spcBef>
                 <a:spcPts val="0"/>
               </a:spcBef>
@@ -9713,6 +10038,9 @@
           </a:p>
           <a:p>
             <a:pPr indent="-228600" lvl="1" marL="914400" rtl="0">
+              <a:lnSpc>
+                <a:spcPct val="100000"/>
+              </a:lnSpc>
               <a:spcBef>
                 <a:spcPts val="0"/>
               </a:spcBef>
@@ -9725,6 +10053,9 @@
           </a:p>
           <a:p>
             <a:pPr indent="-228600" lvl="1" marL="914400" rtl="0">
+              <a:lnSpc>
+                <a:spcPct val="100000"/>
+              </a:lnSpc>
               <a:spcBef>
                 <a:spcPts val="0"/>
               </a:spcBef>
@@ -9737,6 +10068,9 @@
           </a:p>
           <a:p>
             <a:pPr indent="-228600" lvl="1" marL="914400">
+              <a:lnSpc>
+                <a:spcPct val="100000"/>
+              </a:lnSpc>
               <a:spcBef>
                 <a:spcPts val="0"/>
               </a:spcBef>
@@ -9860,6 +10194,9 @@
           </a:p>
           <a:p>
             <a:pPr lvl="0" rtl="0">
+              <a:lnSpc>
+                <a:spcPct val="100000"/>
+              </a:lnSpc>
               <a:spcBef>
                 <a:spcPts val="0"/>
               </a:spcBef>
@@ -9879,6 +10216,9 @@
           </a:p>
           <a:p>
             <a:pPr indent="-295275" lvl="0" marL="457200" rtl="0">
+              <a:lnSpc>
+                <a:spcPct val="100000"/>
+              </a:lnSpc>
               <a:spcBef>
                 <a:spcPts val="0"/>
               </a:spcBef>
@@ -9902,6 +10242,9 @@
           </a:p>
           <a:p>
             <a:pPr indent="-295275" lvl="0" marL="457200" rtl="0">
+              <a:lnSpc>
+                <a:spcPct val="100000"/>
+              </a:lnSpc>
               <a:spcBef>
                 <a:spcPts val="0"/>
               </a:spcBef>
@@ -9925,6 +10268,9 @@
           </a:p>
           <a:p>
             <a:pPr indent="-295275" lvl="0" marL="457200" rtl="0">
+              <a:lnSpc>
+                <a:spcPct val="100000"/>
+              </a:lnSpc>
               <a:spcBef>
                 <a:spcPts val="0"/>
               </a:spcBef>
@@ -9948,6 +10294,9 @@
           </a:p>
           <a:p>
             <a:pPr indent="-295275" lvl="0" marL="457200" rtl="0">
+              <a:lnSpc>
+                <a:spcPct val="100000"/>
+              </a:lnSpc>
               <a:spcBef>
                 <a:spcPts val="0"/>
               </a:spcBef>
@@ -9971,6 +10320,9 @@
           </a:p>
           <a:p>
             <a:pPr indent="-295275" lvl="0" marL="457200" rtl="0">
+              <a:lnSpc>
+                <a:spcPct val="100000"/>
+              </a:lnSpc>
               <a:spcBef>
                 <a:spcPts val="0"/>
               </a:spcBef>
@@ -9994,6 +10346,9 @@
           </a:p>
           <a:p>
             <a:pPr indent="-295275" lvl="0" marL="457200" rtl="0">
+              <a:lnSpc>
+                <a:spcPct val="100000"/>
+              </a:lnSpc>
               <a:spcBef>
                 <a:spcPts val="0"/>
               </a:spcBef>
@@ -10017,6 +10372,9 @@
           </a:p>
           <a:p>
             <a:pPr indent="-295275" lvl="0" marL="457200" rtl="0">
+              <a:lnSpc>
+                <a:spcPct val="100000"/>
+              </a:lnSpc>
               <a:spcBef>
                 <a:spcPts val="0"/>
               </a:spcBef>
@@ -10040,6 +10398,9 @@
           </a:p>
           <a:p>
             <a:pPr indent="-295275" lvl="0" marL="457200" rtl="0">
+              <a:lnSpc>
+                <a:spcPct val="100000"/>
+              </a:lnSpc>
               <a:spcBef>
                 <a:spcPts val="0"/>
               </a:spcBef>
@@ -10063,6 +10424,9 @@
           </a:p>
           <a:p>
             <a:pPr indent="-295275" lvl="0" marL="457200" rtl="0">
+              <a:lnSpc>
+                <a:spcPct val="100000"/>
+              </a:lnSpc>
               <a:spcBef>
                 <a:spcPts val="0"/>
               </a:spcBef>
@@ -10579,7 +10943,7 @@
               <a:buNone/>
             </a:pPr>
             <a:r>
-              <a:rPr b="1" lang="en"/>
+              <a:rPr b="1" lang="en" sz="2400"/>
               <a:t>Types of Games / Strategy</a:t>
             </a:r>
           </a:p>
@@ -10609,6 +10973,9 @@
           <a:lstStyle/>
           <a:p>
             <a:pPr indent="-228600" lvl="0" marL="457200" rtl="0">
+              <a:lnSpc>
+                <a:spcPct val="100000"/>
+              </a:lnSpc>
               <a:spcBef>
                 <a:spcPts val="0"/>
               </a:spcBef>
@@ -10621,6 +10988,9 @@
           </a:p>
           <a:p>
             <a:pPr indent="-228600" lvl="1" marL="914400" rtl="0">
+              <a:lnSpc>
+                <a:spcPct val="100000"/>
+              </a:lnSpc>
               <a:spcBef>
                 <a:spcPts val="0"/>
               </a:spcBef>
@@ -10633,6 +11003,9 @@
           </a:p>
           <a:p>
             <a:pPr indent="-228600" lvl="1" marL="914400" rtl="0">
+              <a:lnSpc>
+                <a:spcPct val="100000"/>
+              </a:lnSpc>
               <a:spcBef>
                 <a:spcPts val="0"/>
               </a:spcBef>
@@ -10645,6 +11018,9 @@
           </a:p>
           <a:p>
             <a:pPr indent="-228600" lvl="0" marL="457200" rtl="0">
+              <a:lnSpc>
+                <a:spcPct val="100000"/>
+              </a:lnSpc>
               <a:spcBef>
                 <a:spcPts val="0"/>
               </a:spcBef>
@@ -10657,6 +11033,9 @@
           </a:p>
           <a:p>
             <a:pPr indent="-228600" lvl="1" marL="914400" rtl="0">
+              <a:lnSpc>
+                <a:spcPct val="100000"/>
+              </a:lnSpc>
               <a:spcBef>
                 <a:spcPts val="0"/>
               </a:spcBef>
@@ -10669,6 +11048,9 @@
           </a:p>
           <a:p>
             <a:pPr indent="-228600" lvl="1" marL="914400" rtl="0">
+              <a:lnSpc>
+                <a:spcPct val="100000"/>
+              </a:lnSpc>
               <a:spcBef>
                 <a:spcPts val="0"/>
               </a:spcBef>
@@ -10681,6 +11063,9 @@
           </a:p>
           <a:p>
             <a:pPr indent="-228600" lvl="0" marL="457200" rtl="0">
+              <a:lnSpc>
+                <a:spcPct val="100000"/>
+              </a:lnSpc>
               <a:spcBef>
                 <a:spcPts val="0"/>
               </a:spcBef>
@@ -10693,6 +11078,9 @@
           </a:p>
           <a:p>
             <a:pPr indent="-228600" lvl="1" marL="914400" rtl="0">
+              <a:lnSpc>
+                <a:spcPct val="100000"/>
+              </a:lnSpc>
               <a:spcBef>
                 <a:spcPts val="0"/>
               </a:spcBef>
@@ -10705,6 +11093,9 @@
           </a:p>
           <a:p>
             <a:pPr indent="-228600" lvl="1" marL="914400" rtl="0">
+              <a:lnSpc>
+                <a:spcPct val="100000"/>
+              </a:lnSpc>
               <a:spcBef>
                 <a:spcPts val="0"/>
               </a:spcBef>
@@ -10717,6 +11108,9 @@
           </a:p>
           <a:p>
             <a:pPr indent="-228600" lvl="0" marL="457200" rtl="0">
+              <a:lnSpc>
+                <a:spcPct val="100000"/>
+              </a:lnSpc>
               <a:spcBef>
                 <a:spcPts val="0"/>
               </a:spcBef>
@@ -10729,6 +11123,9 @@
           </a:p>
           <a:p>
             <a:pPr indent="-228600" lvl="1" marL="914400" rtl="0">
+              <a:lnSpc>
+                <a:spcPct val="100000"/>
+              </a:lnSpc>
               <a:spcBef>
                 <a:spcPts val="0"/>
               </a:spcBef>
@@ -10741,6 +11138,9 @@
           </a:p>
           <a:p>
             <a:pPr indent="-228600" lvl="1" marL="914400" rtl="0">
+              <a:lnSpc>
+                <a:spcPct val="100000"/>
+              </a:lnSpc>
               <a:spcBef>
                 <a:spcPts val="0"/>
               </a:spcBef>
@@ -10971,6 +11371,9 @@
           <a:lstStyle/>
           <a:p>
             <a:pPr indent="-342900" lvl="0" marL="457200" rtl="0">
+              <a:lnSpc>
+                <a:spcPct val="100000"/>
+              </a:lnSpc>
               <a:spcBef>
                 <a:spcPts val="0"/>
               </a:spcBef>
@@ -10984,6 +11387,9 @@
           </a:p>
           <a:p>
             <a:pPr indent="-342900" lvl="0" marL="457200" rtl="0">
+              <a:lnSpc>
+                <a:spcPct val="100000"/>
+              </a:lnSpc>
               <a:spcBef>
                 <a:spcPts val="0"/>
               </a:spcBef>
@@ -10997,6 +11403,9 @@
           </a:p>
           <a:p>
             <a:pPr indent="-342900" lvl="0" marL="457200" rtl="0">
+              <a:lnSpc>
+                <a:spcPct val="100000"/>
+              </a:lnSpc>
               <a:spcBef>
                 <a:spcPts val="0"/>
               </a:spcBef>
@@ -11047,6 +11456,285 @@
 </file>
 
 <file path=ppt/theme/theme1.xml><?xml version="1.0" encoding="utf-8"?>
+<a:theme xmlns:a="http://schemas.openxmlformats.org/drawingml/2006/main" xmlns:r="http://schemas.openxmlformats.org/officeDocument/2006/relationships" name="Custom Theme">
+  <a:themeElements>
+    <a:clrScheme name="Default">
+      <a:dk1>
+        <a:srgbClr val="000000"/>
+      </a:dk1>
+      <a:lt1>
+        <a:srgbClr val="FFFFFF"/>
+      </a:lt1>
+      <a:dk2>
+        <a:srgbClr val="158158"/>
+      </a:dk2>
+      <a:lt2>
+        <a:srgbClr val="F3F3F3"/>
+      </a:lt2>
+      <a:accent1>
+        <a:srgbClr val="058DC7"/>
+      </a:accent1>
+      <a:accent2>
+        <a:srgbClr val="50B432"/>
+      </a:accent2>
+      <a:accent3>
+        <a:srgbClr val="ED561B"/>
+      </a:accent3>
+      <a:accent4>
+        <a:srgbClr val="EDEF00"/>
+      </a:accent4>
+      <a:accent5>
+        <a:srgbClr val="24CBE5"/>
+      </a:accent5>
+      <a:accent6>
+        <a:srgbClr val="64E572"/>
+      </a:accent6>
+      <a:hlink>
+        <a:srgbClr val="2200CC"/>
+      </a:hlink>
+      <a:folHlink>
+        <a:srgbClr val="551A8B"/>
+      </a:folHlink>
+    </a:clrScheme>
+    <a:fontScheme name="Office">
+      <a:majorFont>
+        <a:latin typeface="Arial"/>
+        <a:ea typeface=""/>
+        <a:cs typeface=""/>
+        <a:font script="Jpan" typeface="ＭＳ Ｐゴシック"/>
+        <a:font script="Hang" typeface="맑은 고딕"/>
+        <a:font script="Hans" typeface="宋体"/>
+        <a:font script="Hant" typeface="新細明體"/>
+        <a:font script="Arab" typeface="Times New Roman"/>
+        <a:font script="Hebr" typeface="Times New Roman"/>
+        <a:font script="Thai" typeface="Angsana New"/>
+        <a:font script="Ethi" typeface="Nyala"/>
+        <a:font script="Beng" typeface="Vrinda"/>
+        <a:font script="Gujr" typeface="Shruti"/>
+        <a:font script="Khmr" typeface="MoolBoran"/>
+        <a:font script="Knda" typeface="Tunga"/>
+        <a:font script="Guru" typeface="Raavi"/>
+        <a:font script="Cans" typeface="Euphemia"/>
+        <a:font script="Cher" typeface="Plantagenet Cherokee"/>
+        <a:font script="Yiii" typeface="Microsoft Yi Baiti"/>
+        <a:font script="Tibt" typeface="Microsoft Himalaya"/>
+        <a:font script="Thaa" typeface="MV Boli"/>
+        <a:font script="Deva" typeface="Mangal"/>
+        <a:font script="Telu" typeface="Gautami"/>
+        <a:font script="Taml" typeface="Latha"/>
+        <a:font script="Syrc" typeface="Estrangelo Edessa"/>
+        <a:font script="Orya" typeface="Kalinga"/>
+        <a:font script="Mlym" typeface="Kartika"/>
+        <a:font script="Laoo" typeface="DokChampa"/>
+        <a:font script="Sinh" typeface="Iskoola Pota"/>
+        <a:font script="Mong" typeface="Mongolian Baiti"/>
+        <a:font script="Viet" typeface="Times New Roman"/>
+        <a:font script="Uigh" typeface="Microsoft Uighur"/>
+        <a:font script="Geor" typeface="Sylfaen"/>
+      </a:majorFont>
+      <a:minorFont>
+        <a:latin typeface="Arial"/>
+        <a:ea typeface=""/>
+        <a:cs typeface=""/>
+        <a:font script="Jpan" typeface="ＭＳ Ｐゴシック"/>
+        <a:font script="Hang" typeface="맑은 고딕"/>
+        <a:font script="Hans" typeface="宋体"/>
+        <a:font script="Hant" typeface="新細明體"/>
+        <a:font script="Arab" typeface="Arial"/>
+        <a:font script="Hebr" typeface="Arial"/>
+        <a:font script="Thai" typeface="Cordia New"/>
+        <a:font script="Ethi" typeface="Nyala"/>
+        <a:font script="Beng" typeface="Vrinda"/>
+        <a:font script="Gujr" typeface="Shruti"/>
+        <a:font script="Khmr" typeface="DaunPenh"/>
+        <a:font script="Knda" typeface="Tunga"/>
+        <a:font script="Guru" typeface="Raavi"/>
+        <a:font script="Cans" typeface="Euphemia"/>
+        <a:font script="Cher" typeface="Plantagenet Cherokee"/>
+        <a:font script="Yiii" typeface="Microsoft Yi Baiti"/>
+        <a:font script="Tibt" typeface="Microsoft Himalaya"/>
+        <a:font script="Thaa" typeface="MV Boli"/>
+        <a:font script="Deva" typeface="Mangal"/>
+        <a:font script="Telu" typeface="Gautami"/>
+        <a:font script="Taml" typeface="Latha"/>
+        <a:font script="Syrc" typeface="Estrangelo Edessa"/>
+        <a:font script="Orya" typeface="Kalinga"/>
+        <a:font script="Mlym" typeface="Kartika"/>
+        <a:font script="Laoo" typeface="DokChampa"/>
+        <a:font script="Sinh" typeface="Iskoola Pota"/>
+        <a:font script="Mong" typeface="Mongolian Baiti"/>
+        <a:font script="Viet" typeface="Arial"/>
+        <a:font script="Uigh" typeface="Microsoft Uighur"/>
+        <a:font script="Geor" typeface="Sylfaen"/>
+      </a:minorFont>
+    </a:fontScheme>
+    <a:fmtScheme name="Office">
+      <a:fillStyleLst>
+        <a:solidFill>
+          <a:schemeClr val="phClr"/>
+        </a:solidFill>
+        <a:gradFill rotWithShape="1">
+          <a:gsLst>
+            <a:gs pos="0">
+              <a:schemeClr val="phClr">
+                <a:tint val="50000"/>
+                <a:satMod val="300000"/>
+              </a:schemeClr>
+            </a:gs>
+            <a:gs pos="35000">
+              <a:schemeClr val="phClr">
+                <a:tint val="37000"/>
+                <a:satMod val="300000"/>
+              </a:schemeClr>
+            </a:gs>
+            <a:gs pos="100000">
+              <a:schemeClr val="phClr">
+                <a:tint val="15000"/>
+                <a:satMod val="350000"/>
+              </a:schemeClr>
+            </a:gs>
+          </a:gsLst>
+          <a:lin ang="16200000" scaled="1"/>
+        </a:gradFill>
+        <a:gradFill rotWithShape="1">
+          <a:gsLst>
+            <a:gs pos="0">
+              <a:schemeClr val="phClr">
+                <a:tint val="100000"/>
+                <a:shade val="100000"/>
+                <a:satMod val="130000"/>
+              </a:schemeClr>
+            </a:gs>
+            <a:gs pos="100000">
+              <a:schemeClr val="phClr">
+                <a:tint val="50000"/>
+                <a:shade val="100000"/>
+                <a:satMod val="350000"/>
+              </a:schemeClr>
+            </a:gs>
+          </a:gsLst>
+          <a:lin ang="16200000" scaled="0"/>
+        </a:gradFill>
+      </a:fillStyleLst>
+      <a:lnStyleLst>
+        <a:ln w="9525" cap="flat" cmpd="sng" algn="ctr">
+          <a:solidFill>
+            <a:schemeClr val="phClr">
+              <a:shade val="95000"/>
+              <a:satMod val="105000"/>
+            </a:schemeClr>
+          </a:solidFill>
+          <a:prstDash val="solid"/>
+        </a:ln>
+        <a:ln w="25400" cap="flat" cmpd="sng" algn="ctr">
+          <a:solidFill>
+            <a:schemeClr val="phClr"/>
+          </a:solidFill>
+          <a:prstDash val="solid"/>
+        </a:ln>
+        <a:ln w="38100" cap="flat" cmpd="sng" algn="ctr">
+          <a:solidFill>
+            <a:schemeClr val="phClr"/>
+          </a:solidFill>
+          <a:prstDash val="solid"/>
+        </a:ln>
+      </a:lnStyleLst>
+      <a:effectStyleLst>
+        <a:effectStyle>
+          <a:effectLst>
+            <a:outerShdw blurRad="40000" dist="20000" dir="5400000" rotWithShape="0">
+              <a:srgbClr val="000000">
+                <a:alpha val="38000"/>
+              </a:srgbClr>
+            </a:outerShdw>
+          </a:effectLst>
+        </a:effectStyle>
+        <a:effectStyle>
+          <a:effectLst>
+            <a:outerShdw blurRad="40000" dist="23000" dir="5400000" rotWithShape="0">
+              <a:srgbClr val="000000">
+                <a:alpha val="35000"/>
+              </a:srgbClr>
+            </a:outerShdw>
+          </a:effectLst>
+        </a:effectStyle>
+        <a:effectStyle>
+          <a:effectLst>
+            <a:outerShdw blurRad="40000" dist="23000" dir="5400000" rotWithShape="0">
+              <a:srgbClr val="000000">
+                <a:alpha val="35000"/>
+              </a:srgbClr>
+            </a:outerShdw>
+          </a:effectLst>
+          <a:scene3d>
+            <a:camera prst="orthographicFront">
+              <a:rot lat="0" lon="0" rev="0"/>
+            </a:camera>
+            <a:lightRig rig="threePt" dir="t">
+              <a:rot lat="0" lon="0" rev="1200000"/>
+            </a:lightRig>
+          </a:scene3d>
+          <a:sp3d>
+            <a:bevelT w="63500" h="25400"/>
+          </a:sp3d>
+        </a:effectStyle>
+      </a:effectStyleLst>
+      <a:bgFillStyleLst>
+        <a:solidFill>
+          <a:schemeClr val="phClr"/>
+        </a:solidFill>
+        <a:gradFill rotWithShape="1">
+          <a:gsLst>
+            <a:gs pos="0">
+              <a:schemeClr val="phClr">
+                <a:tint val="40000"/>
+                <a:satMod val="350000"/>
+              </a:schemeClr>
+            </a:gs>
+            <a:gs pos="40000">
+              <a:schemeClr val="phClr">
+                <a:tint val="45000"/>
+                <a:shade val="99000"/>
+                <a:satMod val="350000"/>
+              </a:schemeClr>
+            </a:gs>
+            <a:gs pos="100000">
+              <a:schemeClr val="phClr">
+                <a:shade val="20000"/>
+                <a:satMod val="255000"/>
+              </a:schemeClr>
+            </a:gs>
+          </a:gsLst>
+          <a:path path="circle">
+            <a:fillToRect l="50000" t="-80000" r="50000" b="180000"/>
+          </a:path>
+        </a:gradFill>
+        <a:gradFill rotWithShape="1">
+          <a:gsLst>
+            <a:gs pos="0">
+              <a:schemeClr val="phClr">
+                <a:tint val="80000"/>
+                <a:satMod val="300000"/>
+              </a:schemeClr>
+            </a:gs>
+            <a:gs pos="100000">
+              <a:schemeClr val="phClr">
+                <a:shade val="30000"/>
+                <a:satMod val="200000"/>
+              </a:schemeClr>
+            </a:gs>
+          </a:gsLst>
+          <a:path path="circle">
+            <a:fillToRect l="50000" t="50000" r="50000" b="50000"/>
+          </a:path>
+        </a:gradFill>
+      </a:bgFillStyleLst>
+    </a:fmtScheme>
+  </a:themeElements>
+</a:theme>
+</file>
+
+<file path=ppt/theme/theme2.xml><?xml version="1.0" encoding="utf-8"?>
 <a:theme xmlns:a="http://schemas.openxmlformats.org/drawingml/2006/main" xmlns:r="http://schemas.openxmlformats.org/officeDocument/2006/relationships" name="spearmint">
   <a:themeElements>
     <a:clrScheme name="Spearmint">
@@ -11323,283 +12011,4 @@
     </a:fmtScheme>
   </a:themeElements>
 </a:theme>
-</file>
-
-<file path=ppt/theme/theme2.xml><?xml version="1.0" encoding="utf-8"?>
-<a:theme xmlns:a="http://schemas.openxmlformats.org/drawingml/2006/main" xmlns:r="http://schemas.openxmlformats.org/officeDocument/2006/relationships" name="Custom Theme">
-  <a:themeElements>
-    <a:clrScheme name="Default">
-      <a:dk1>
-        <a:srgbClr val="000000"/>
-      </a:dk1>
-      <a:lt1>
-        <a:srgbClr val="FFFFFF"/>
-      </a:lt1>
-      <a:dk2>
-        <a:srgbClr val="158158"/>
-      </a:dk2>
-      <a:lt2>
-        <a:srgbClr val="F3F3F3"/>
-      </a:lt2>
-      <a:accent1>
-        <a:srgbClr val="058DC7"/>
-      </a:accent1>
-      <a:accent2>
-        <a:srgbClr val="50B432"/>
-      </a:accent2>
-      <a:accent3>
-        <a:srgbClr val="ED561B"/>
-      </a:accent3>
-      <a:accent4>
-        <a:srgbClr val="EDEF00"/>
-      </a:accent4>
-      <a:accent5>
-        <a:srgbClr val="24CBE5"/>
-      </a:accent5>
-      <a:accent6>
-        <a:srgbClr val="64E572"/>
-      </a:accent6>
-      <a:hlink>
-        <a:srgbClr val="2200CC"/>
-      </a:hlink>
-      <a:folHlink>
-        <a:srgbClr val="551A8B"/>
-      </a:folHlink>
-    </a:clrScheme>
-    <a:fontScheme name="Office">
-      <a:majorFont>
-        <a:latin typeface="Arial"/>
-        <a:ea typeface=""/>
-        <a:cs typeface=""/>
-        <a:font script="Jpan" typeface="ＭＳ Ｐゴシック"/>
-        <a:font script="Hang" typeface="맑은 고딕"/>
-        <a:font script="Hans" typeface="宋体"/>
-        <a:font script="Hant" typeface="新細明體"/>
-        <a:font script="Arab" typeface="Times New Roman"/>
-        <a:font script="Hebr" typeface="Times New Roman"/>
-        <a:font script="Thai" typeface="Angsana New"/>
-        <a:font script="Ethi" typeface="Nyala"/>
-        <a:font script="Beng" typeface="Vrinda"/>
-        <a:font script="Gujr" typeface="Shruti"/>
-        <a:font script="Khmr" typeface="MoolBoran"/>
-        <a:font script="Knda" typeface="Tunga"/>
-        <a:font script="Guru" typeface="Raavi"/>
-        <a:font script="Cans" typeface="Euphemia"/>
-        <a:font script="Cher" typeface="Plantagenet Cherokee"/>
-        <a:font script="Yiii" typeface="Microsoft Yi Baiti"/>
-        <a:font script="Tibt" typeface="Microsoft Himalaya"/>
-        <a:font script="Thaa" typeface="MV Boli"/>
-        <a:font script="Deva" typeface="Mangal"/>
-        <a:font script="Telu" typeface="Gautami"/>
-        <a:font script="Taml" typeface="Latha"/>
-        <a:font script="Syrc" typeface="Estrangelo Edessa"/>
-        <a:font script="Orya" typeface="Kalinga"/>
-        <a:font script="Mlym" typeface="Kartika"/>
-        <a:font script="Laoo" typeface="DokChampa"/>
-        <a:font script="Sinh" typeface="Iskoola Pota"/>
-        <a:font script="Mong" typeface="Mongolian Baiti"/>
-        <a:font script="Viet" typeface="Times New Roman"/>
-        <a:font script="Uigh" typeface="Microsoft Uighur"/>
-        <a:font script="Geor" typeface="Sylfaen"/>
-      </a:majorFont>
-      <a:minorFont>
-        <a:latin typeface="Arial"/>
-        <a:ea typeface=""/>
-        <a:cs typeface=""/>
-        <a:font script="Jpan" typeface="ＭＳ Ｐゴシック"/>
-        <a:font script="Hang" typeface="맑은 고딕"/>
-        <a:font script="Hans" typeface="宋体"/>
-        <a:font script="Hant" typeface="新細明體"/>
-        <a:font script="Arab" typeface="Arial"/>
-        <a:font script="Hebr" typeface="Arial"/>
-        <a:font script="Thai" typeface="Cordia New"/>
-        <a:font script="Ethi" typeface="Nyala"/>
-        <a:font script="Beng" typeface="Vrinda"/>
-        <a:font script="Gujr" typeface="Shruti"/>
-        <a:font script="Khmr" typeface="DaunPenh"/>
-        <a:font script="Knda" typeface="Tunga"/>
-        <a:font script="Guru" typeface="Raavi"/>
-        <a:font script="Cans" typeface="Euphemia"/>
-        <a:font script="Cher" typeface="Plantagenet Cherokee"/>
-        <a:font script="Yiii" typeface="Microsoft Yi Baiti"/>
-        <a:font script="Tibt" typeface="Microsoft Himalaya"/>
-        <a:font script="Thaa" typeface="MV Boli"/>
-        <a:font script="Deva" typeface="Mangal"/>
-        <a:font script="Telu" typeface="Gautami"/>
-        <a:font script="Taml" typeface="Latha"/>
-        <a:font script="Syrc" typeface="Estrangelo Edessa"/>
-        <a:font script="Orya" typeface="Kalinga"/>
-        <a:font script="Mlym" typeface="Kartika"/>
-        <a:font script="Laoo" typeface="DokChampa"/>
-        <a:font script="Sinh" typeface="Iskoola Pota"/>
-        <a:font script="Mong" typeface="Mongolian Baiti"/>
-        <a:font script="Viet" typeface="Arial"/>
-        <a:font script="Uigh" typeface="Microsoft Uighur"/>
-        <a:font script="Geor" typeface="Sylfaen"/>
-      </a:minorFont>
-    </a:fontScheme>
-    <a:fmtScheme name="Office">
-      <a:fillStyleLst>
-        <a:solidFill>
-          <a:schemeClr val="phClr"/>
-        </a:solidFill>
-        <a:gradFill rotWithShape="1">
-          <a:gsLst>
-            <a:gs pos="0">
-              <a:schemeClr val="phClr">
-                <a:tint val="50000"/>
-                <a:satMod val="300000"/>
-              </a:schemeClr>
-            </a:gs>
-            <a:gs pos="35000">
-              <a:schemeClr val="phClr">
-                <a:tint val="37000"/>
-                <a:satMod val="300000"/>
-              </a:schemeClr>
-            </a:gs>
-            <a:gs pos="100000">
-              <a:schemeClr val="phClr">
-                <a:tint val="15000"/>
-                <a:satMod val="350000"/>
-              </a:schemeClr>
-            </a:gs>
-          </a:gsLst>
-          <a:lin ang="16200000" scaled="1"/>
-        </a:gradFill>
-        <a:gradFill rotWithShape="1">
-          <a:gsLst>
-            <a:gs pos="0">
-              <a:schemeClr val="phClr">
-                <a:tint val="100000"/>
-                <a:shade val="100000"/>
-                <a:satMod val="130000"/>
-              </a:schemeClr>
-            </a:gs>
-            <a:gs pos="100000">
-              <a:schemeClr val="phClr">
-                <a:tint val="50000"/>
-                <a:shade val="100000"/>
-                <a:satMod val="350000"/>
-              </a:schemeClr>
-            </a:gs>
-          </a:gsLst>
-          <a:lin ang="16200000" scaled="0"/>
-        </a:gradFill>
-      </a:fillStyleLst>
-      <a:lnStyleLst>
-        <a:ln w="9525" cap="flat" cmpd="sng" algn="ctr">
-          <a:solidFill>
-            <a:schemeClr val="phClr">
-              <a:shade val="95000"/>
-              <a:satMod val="105000"/>
-            </a:schemeClr>
-          </a:solidFill>
-          <a:prstDash val="solid"/>
-        </a:ln>
-        <a:ln w="25400" cap="flat" cmpd="sng" algn="ctr">
-          <a:solidFill>
-            <a:schemeClr val="phClr"/>
-          </a:solidFill>
-          <a:prstDash val="solid"/>
-        </a:ln>
-        <a:ln w="38100" cap="flat" cmpd="sng" algn="ctr">
-          <a:solidFill>
-            <a:schemeClr val="phClr"/>
-          </a:solidFill>
-          <a:prstDash val="solid"/>
-        </a:ln>
-      </a:lnStyleLst>
-      <a:effectStyleLst>
-        <a:effectStyle>
-          <a:effectLst>
-            <a:outerShdw blurRad="40000" dist="20000" dir="5400000" rotWithShape="0">
-              <a:srgbClr val="000000">
-                <a:alpha val="38000"/>
-              </a:srgbClr>
-            </a:outerShdw>
-          </a:effectLst>
-        </a:effectStyle>
-        <a:effectStyle>
-          <a:effectLst>
-            <a:outerShdw blurRad="40000" dist="23000" dir="5400000" rotWithShape="0">
-              <a:srgbClr val="000000">
-                <a:alpha val="35000"/>
-              </a:srgbClr>
-            </a:outerShdw>
-          </a:effectLst>
-        </a:effectStyle>
-        <a:effectStyle>
-          <a:effectLst>
-            <a:outerShdw blurRad="40000" dist="23000" dir="5400000" rotWithShape="0">
-              <a:srgbClr val="000000">
-                <a:alpha val="35000"/>
-              </a:srgbClr>
-            </a:outerShdw>
-          </a:effectLst>
-          <a:scene3d>
-            <a:camera prst="orthographicFront">
-              <a:rot lat="0" lon="0" rev="0"/>
-            </a:camera>
-            <a:lightRig rig="threePt" dir="t">
-              <a:rot lat="0" lon="0" rev="1200000"/>
-            </a:lightRig>
-          </a:scene3d>
-          <a:sp3d>
-            <a:bevelT w="63500" h="25400"/>
-          </a:sp3d>
-        </a:effectStyle>
-      </a:effectStyleLst>
-      <a:bgFillStyleLst>
-        <a:solidFill>
-          <a:schemeClr val="phClr"/>
-        </a:solidFill>
-        <a:gradFill rotWithShape="1">
-          <a:gsLst>
-            <a:gs pos="0">
-              <a:schemeClr val="phClr">
-                <a:tint val="40000"/>
-                <a:satMod val="350000"/>
-              </a:schemeClr>
-            </a:gs>
-            <a:gs pos="40000">
-              <a:schemeClr val="phClr">
-                <a:tint val="45000"/>
-                <a:shade val="99000"/>
-                <a:satMod val="350000"/>
-              </a:schemeClr>
-            </a:gs>
-            <a:gs pos="100000">
-              <a:schemeClr val="phClr">
-                <a:shade val="20000"/>
-                <a:satMod val="255000"/>
-              </a:schemeClr>
-            </a:gs>
-          </a:gsLst>
-          <a:path path="circle">
-            <a:fillToRect l="50000" t="-80000" r="50000" b="180000"/>
-          </a:path>
-        </a:gradFill>
-        <a:gradFill rotWithShape="1">
-          <a:gsLst>
-            <a:gs pos="0">
-              <a:schemeClr val="phClr">
-                <a:tint val="80000"/>
-                <a:satMod val="300000"/>
-              </a:schemeClr>
-            </a:gs>
-            <a:gs pos="100000">
-              <a:schemeClr val="phClr">
-                <a:shade val="30000"/>
-                <a:satMod val="200000"/>
-              </a:schemeClr>
-            </a:gs>
-          </a:gsLst>
-          <a:path path="circle">
-            <a:fillToRect l="50000" t="50000" r="50000" b="50000"/>
-          </a:path>
-        </a:gradFill>
-      </a:bgFillStyleLst>
-    </a:fmtScheme>
-  </a:themeElements>
-</a:theme>
 </file>